--- a/ppt/Las_20231222_윤기태.pptx
+++ b/ppt/Las_20231222_윤기태.pptx
@@ -2,7 +2,7 @@
 <file path=ppt/presentation.xml><?xml version="1.0" encoding="utf-8"?>
 <p:presentation xmlns:r="http://schemas.openxmlformats.org/officeDocument/2006/relationships" xmlns:c="http://schemas.openxmlformats.org/drawingml/2006/chart" xmlns:a="http://schemas.openxmlformats.org/drawingml/2006/main" xmlns:dgm="http://schemas.openxmlformats.org/drawingml/2006/diagram" xmlns:dsp="http://schemas.microsoft.com/office/drawing/2008/diagram" xmlns:p="http://schemas.openxmlformats.org/presentationml/2006/main" saveSubsetFonts="1">
   <p:sldMasterIdLst>
-    <p:sldMasterId id="2147483755" r:id="rId1"/>
+    <p:sldMasterId id="2147483744" r:id="rId1"/>
   </p:sldMasterIdLst>
   <p:sldIdLst>
     <p:sldId id="256" r:id="rId2"/>
@@ -12102,7 +12102,7 @@
         </p:blipFill>
         <p:spPr>
           <a:xfrm>
-            <a:off x="6095999" y="2631875"/>
+            <a:off x="6095999" y="2640694"/>
             <a:ext cx="4144118" cy="396463"/>
           </a:xfrm>
           <a:prstGeom prst="rect">
@@ -12124,7 +12124,7 @@
         </p:blipFill>
         <p:spPr>
           <a:xfrm>
-            <a:off x="6096000" y="2993810"/>
+            <a:off x="6096000" y="3002629"/>
             <a:ext cx="4144118" cy="623435"/>
           </a:xfrm>
           <a:prstGeom prst="rect">

--- a/ppt/Las_20231222_윤기태.pptx
+++ b/ppt/Las_20231222_윤기태.pptx
@@ -137,7 +137,7 @@
           <p:cNvPr id="2" name="제목 1">
             <a:extLst>
               <a:ext uri="{FF2B5EF4-FFF2-40B4-BE49-F238E27FC236}">
-                <a16:creationId xmlns:a16="http://schemas.microsoft.com/office/drawing/2014/main" id="{34378DEE-0023-263F-C7F3-FD8CE2131004}"/>
+                <a16:creationId xmlns:a16="http://schemas.microsoft.com/office/drawing/2014/main" xmlns="" id="{34378DEE-0023-263F-C7F3-FD8CE2131004}"/>
               </a:ext>
             </a:extLst>
           </p:cNvPr>
@@ -174,7 +174,7 @@
           <p:cNvPr id="3" name="부제목 2">
             <a:extLst>
               <a:ext uri="{FF2B5EF4-FFF2-40B4-BE49-F238E27FC236}">
-                <a16:creationId xmlns:a16="http://schemas.microsoft.com/office/drawing/2014/main" id="{720DA288-2283-478A-677A-217B4192920F}"/>
+                <a16:creationId xmlns:a16="http://schemas.microsoft.com/office/drawing/2014/main" xmlns="" id="{720DA288-2283-478A-677A-217B4192920F}"/>
               </a:ext>
             </a:extLst>
           </p:cNvPr>
@@ -244,7 +244,7 @@
           <p:cNvPr id="4" name="날짜 개체 틀 3">
             <a:extLst>
               <a:ext uri="{FF2B5EF4-FFF2-40B4-BE49-F238E27FC236}">
-                <a16:creationId xmlns:a16="http://schemas.microsoft.com/office/drawing/2014/main" id="{F11EC84C-01A7-4ADC-1F31-E4AE9420B900}"/>
+                <a16:creationId xmlns:a16="http://schemas.microsoft.com/office/drawing/2014/main" xmlns="" id="{F11EC84C-01A7-4ADC-1F31-E4AE9420B900}"/>
               </a:ext>
             </a:extLst>
           </p:cNvPr>
@@ -262,7 +262,8 @@
           <a:p>
             <a:fld id="{527E487E-FB29-46CC-86DB-8016FC2560E5}" type="datetimeFigureOut">
               <a:rPr lang="ko-KR" altLang="en-US" smtClean="0"/>
-              <a:t>2023-03-10</a:t>
+              <a:pPr/>
+              <a:t>2023-12-22</a:t>
             </a:fld>
             <a:endParaRPr lang="ko-KR" altLang="en-US"/>
           </a:p>
@@ -273,7 +274,7 @@
           <p:cNvPr id="5" name="바닥글 개체 틀 4">
             <a:extLst>
               <a:ext uri="{FF2B5EF4-FFF2-40B4-BE49-F238E27FC236}">
-                <a16:creationId xmlns:a16="http://schemas.microsoft.com/office/drawing/2014/main" id="{49A9A3C9-983C-3A5F-65CA-B5D87C4B3CBE}"/>
+                <a16:creationId xmlns:a16="http://schemas.microsoft.com/office/drawing/2014/main" xmlns="" id="{49A9A3C9-983C-3A5F-65CA-B5D87C4B3CBE}"/>
               </a:ext>
             </a:extLst>
           </p:cNvPr>
@@ -298,7 +299,7 @@
           <p:cNvPr id="6" name="슬라이드 번호 개체 틀 5">
             <a:extLst>
               <a:ext uri="{FF2B5EF4-FFF2-40B4-BE49-F238E27FC236}">
-                <a16:creationId xmlns:a16="http://schemas.microsoft.com/office/drawing/2014/main" id="{1E3DCD05-031E-104F-A7DE-CC3738994F2B}"/>
+                <a16:creationId xmlns:a16="http://schemas.microsoft.com/office/drawing/2014/main" xmlns="" id="{1E3DCD05-031E-104F-A7DE-CC3738994F2B}"/>
               </a:ext>
             </a:extLst>
           </p:cNvPr>
@@ -316,6 +317,7 @@
           <a:p>
             <a:fld id="{945AE9E5-43D2-4159-94B7-EA18236B865A}" type="slidenum">
               <a:rPr lang="ko-KR" altLang="en-US" smtClean="0"/>
+              <a:pPr/>
               <a:t>‹#›</a:t>
             </a:fld>
             <a:endParaRPr lang="ko-KR" altLang="en-US"/>
@@ -325,7 +327,7 @@
     </p:spTree>
     <p:extLst>
       <p:ext uri="{BB962C8B-B14F-4D97-AF65-F5344CB8AC3E}">
-        <p14:creationId xmlns:p14="http://schemas.microsoft.com/office/powerpoint/2010/main" val="136949902"/>
+        <p14:creationId xmlns:p14="http://schemas.microsoft.com/office/powerpoint/2010/main" xmlns="" val="136949902"/>
       </p:ext>
     </p:extLst>
   </p:cSld>
@@ -357,7 +359,7 @@
           <p:cNvPr id="2" name="제목 1">
             <a:extLst>
               <a:ext uri="{FF2B5EF4-FFF2-40B4-BE49-F238E27FC236}">
-                <a16:creationId xmlns:a16="http://schemas.microsoft.com/office/drawing/2014/main" id="{CF353876-545A-BFC4-4A54-83915ACB94FD}"/>
+                <a16:creationId xmlns:a16="http://schemas.microsoft.com/office/drawing/2014/main" xmlns="" id="{CF353876-545A-BFC4-4A54-83915ACB94FD}"/>
               </a:ext>
             </a:extLst>
           </p:cNvPr>
@@ -385,7 +387,7 @@
           <p:cNvPr id="3" name="세로 텍스트 개체 틀 2">
             <a:extLst>
               <a:ext uri="{FF2B5EF4-FFF2-40B4-BE49-F238E27FC236}">
-                <a16:creationId xmlns:a16="http://schemas.microsoft.com/office/drawing/2014/main" id="{FF5E484A-E56B-1B80-08F4-173FC085E1DA}"/>
+                <a16:creationId xmlns:a16="http://schemas.microsoft.com/office/drawing/2014/main" xmlns="" id="{FF5E484A-E56B-1B80-08F4-173FC085E1DA}"/>
               </a:ext>
             </a:extLst>
           </p:cNvPr>
@@ -442,7 +444,7 @@
           <p:cNvPr id="4" name="날짜 개체 틀 3">
             <a:extLst>
               <a:ext uri="{FF2B5EF4-FFF2-40B4-BE49-F238E27FC236}">
-                <a16:creationId xmlns:a16="http://schemas.microsoft.com/office/drawing/2014/main" id="{9FA2E2F6-3344-3469-B0BD-24F6A0921FDF}"/>
+                <a16:creationId xmlns:a16="http://schemas.microsoft.com/office/drawing/2014/main" xmlns="" id="{9FA2E2F6-3344-3469-B0BD-24F6A0921FDF}"/>
               </a:ext>
             </a:extLst>
           </p:cNvPr>
@@ -460,7 +462,8 @@
           <a:p>
             <a:fld id="{527E487E-FB29-46CC-86DB-8016FC2560E5}" type="datetimeFigureOut">
               <a:rPr lang="ko-KR" altLang="en-US" smtClean="0"/>
-              <a:t>2023-03-10</a:t>
+              <a:pPr/>
+              <a:t>2023-12-22</a:t>
             </a:fld>
             <a:endParaRPr lang="ko-KR" altLang="en-US"/>
           </a:p>
@@ -471,7 +474,7 @@
           <p:cNvPr id="5" name="바닥글 개체 틀 4">
             <a:extLst>
               <a:ext uri="{FF2B5EF4-FFF2-40B4-BE49-F238E27FC236}">
-                <a16:creationId xmlns:a16="http://schemas.microsoft.com/office/drawing/2014/main" id="{535A2F2F-518B-7161-6FA0-5B310A6D53EC}"/>
+                <a16:creationId xmlns:a16="http://schemas.microsoft.com/office/drawing/2014/main" xmlns="" id="{535A2F2F-518B-7161-6FA0-5B310A6D53EC}"/>
               </a:ext>
             </a:extLst>
           </p:cNvPr>
@@ -496,7 +499,7 @@
           <p:cNvPr id="6" name="슬라이드 번호 개체 틀 5">
             <a:extLst>
               <a:ext uri="{FF2B5EF4-FFF2-40B4-BE49-F238E27FC236}">
-                <a16:creationId xmlns:a16="http://schemas.microsoft.com/office/drawing/2014/main" id="{2DC52A9C-1DD3-A81F-35C6-30AE2C838596}"/>
+                <a16:creationId xmlns:a16="http://schemas.microsoft.com/office/drawing/2014/main" xmlns="" id="{2DC52A9C-1DD3-A81F-35C6-30AE2C838596}"/>
               </a:ext>
             </a:extLst>
           </p:cNvPr>
@@ -514,6 +517,7 @@
           <a:p>
             <a:fld id="{945AE9E5-43D2-4159-94B7-EA18236B865A}" type="slidenum">
               <a:rPr lang="ko-KR" altLang="en-US" smtClean="0"/>
+              <a:pPr/>
               <a:t>‹#›</a:t>
             </a:fld>
             <a:endParaRPr lang="ko-KR" altLang="en-US"/>
@@ -523,7 +527,7 @@
     </p:spTree>
     <p:extLst>
       <p:ext uri="{BB962C8B-B14F-4D97-AF65-F5344CB8AC3E}">
-        <p14:creationId xmlns:p14="http://schemas.microsoft.com/office/powerpoint/2010/main" val="1816511328"/>
+        <p14:creationId xmlns:p14="http://schemas.microsoft.com/office/powerpoint/2010/main" xmlns="" val="1816511328"/>
       </p:ext>
     </p:extLst>
   </p:cSld>
@@ -555,7 +559,7 @@
           <p:cNvPr id="2" name="세로 제목 1">
             <a:extLst>
               <a:ext uri="{FF2B5EF4-FFF2-40B4-BE49-F238E27FC236}">
-                <a16:creationId xmlns:a16="http://schemas.microsoft.com/office/drawing/2014/main" id="{BB64122E-F76C-D69E-8612-00E3B24A05E7}"/>
+                <a16:creationId xmlns:a16="http://schemas.microsoft.com/office/drawing/2014/main" xmlns="" id="{BB64122E-F76C-D69E-8612-00E3B24A05E7}"/>
               </a:ext>
             </a:extLst>
           </p:cNvPr>
@@ -588,7 +592,7 @@
           <p:cNvPr id="3" name="세로 텍스트 개체 틀 2">
             <a:extLst>
               <a:ext uri="{FF2B5EF4-FFF2-40B4-BE49-F238E27FC236}">
-                <a16:creationId xmlns:a16="http://schemas.microsoft.com/office/drawing/2014/main" id="{FE68F6FA-2986-8882-707C-3ACB1F0485B2}"/>
+                <a16:creationId xmlns:a16="http://schemas.microsoft.com/office/drawing/2014/main" xmlns="" id="{FE68F6FA-2986-8882-707C-3ACB1F0485B2}"/>
               </a:ext>
             </a:extLst>
           </p:cNvPr>
@@ -650,7 +654,7 @@
           <p:cNvPr id="4" name="날짜 개체 틀 3">
             <a:extLst>
               <a:ext uri="{FF2B5EF4-FFF2-40B4-BE49-F238E27FC236}">
-                <a16:creationId xmlns:a16="http://schemas.microsoft.com/office/drawing/2014/main" id="{E01EE918-2005-BA81-AF90-19072D259255}"/>
+                <a16:creationId xmlns:a16="http://schemas.microsoft.com/office/drawing/2014/main" xmlns="" id="{E01EE918-2005-BA81-AF90-19072D259255}"/>
               </a:ext>
             </a:extLst>
           </p:cNvPr>
@@ -668,7 +672,8 @@
           <a:p>
             <a:fld id="{527E487E-FB29-46CC-86DB-8016FC2560E5}" type="datetimeFigureOut">
               <a:rPr lang="ko-KR" altLang="en-US" smtClean="0"/>
-              <a:t>2023-03-10</a:t>
+              <a:pPr/>
+              <a:t>2023-12-22</a:t>
             </a:fld>
             <a:endParaRPr lang="ko-KR" altLang="en-US"/>
           </a:p>
@@ -679,7 +684,7 @@
           <p:cNvPr id="5" name="바닥글 개체 틀 4">
             <a:extLst>
               <a:ext uri="{FF2B5EF4-FFF2-40B4-BE49-F238E27FC236}">
-                <a16:creationId xmlns:a16="http://schemas.microsoft.com/office/drawing/2014/main" id="{32CB83DE-9BEC-597E-E901-C6D34F3047AA}"/>
+                <a16:creationId xmlns:a16="http://schemas.microsoft.com/office/drawing/2014/main" xmlns="" id="{32CB83DE-9BEC-597E-E901-C6D34F3047AA}"/>
               </a:ext>
             </a:extLst>
           </p:cNvPr>
@@ -704,7 +709,7 @@
           <p:cNvPr id="6" name="슬라이드 번호 개체 틀 5">
             <a:extLst>
               <a:ext uri="{FF2B5EF4-FFF2-40B4-BE49-F238E27FC236}">
-                <a16:creationId xmlns:a16="http://schemas.microsoft.com/office/drawing/2014/main" id="{56971BEE-3762-FC18-8D46-9C7A219B6A23}"/>
+                <a16:creationId xmlns:a16="http://schemas.microsoft.com/office/drawing/2014/main" xmlns="" id="{56971BEE-3762-FC18-8D46-9C7A219B6A23}"/>
               </a:ext>
             </a:extLst>
           </p:cNvPr>
@@ -722,6 +727,7 @@
           <a:p>
             <a:fld id="{945AE9E5-43D2-4159-94B7-EA18236B865A}" type="slidenum">
               <a:rPr lang="ko-KR" altLang="en-US" smtClean="0"/>
+              <a:pPr/>
               <a:t>‹#›</a:t>
             </a:fld>
             <a:endParaRPr lang="ko-KR" altLang="en-US"/>
@@ -731,7 +737,7 @@
     </p:spTree>
     <p:extLst>
       <p:ext uri="{BB962C8B-B14F-4D97-AF65-F5344CB8AC3E}">
-        <p14:creationId xmlns:p14="http://schemas.microsoft.com/office/powerpoint/2010/main" val="2882462353"/>
+        <p14:creationId xmlns:p14="http://schemas.microsoft.com/office/powerpoint/2010/main" xmlns="" val="2882462353"/>
       </p:ext>
     </p:extLst>
   </p:cSld>
@@ -763,7 +769,7 @@
           <p:cNvPr id="2" name="제목 1">
             <a:extLst>
               <a:ext uri="{FF2B5EF4-FFF2-40B4-BE49-F238E27FC236}">
-                <a16:creationId xmlns:a16="http://schemas.microsoft.com/office/drawing/2014/main" id="{9FC20E52-A2D2-4E60-5562-3F44389AE19A}"/>
+                <a16:creationId xmlns:a16="http://schemas.microsoft.com/office/drawing/2014/main" xmlns="" id="{9FC20E52-A2D2-4E60-5562-3F44389AE19A}"/>
               </a:ext>
             </a:extLst>
           </p:cNvPr>
@@ -791,7 +797,7 @@
           <p:cNvPr id="3" name="내용 개체 틀 2">
             <a:extLst>
               <a:ext uri="{FF2B5EF4-FFF2-40B4-BE49-F238E27FC236}">
-                <a16:creationId xmlns:a16="http://schemas.microsoft.com/office/drawing/2014/main" id="{917E9EDA-F2CF-C145-94C7-7F6CAC50E1C2}"/>
+                <a16:creationId xmlns:a16="http://schemas.microsoft.com/office/drawing/2014/main" xmlns="" id="{917E9EDA-F2CF-C145-94C7-7F6CAC50E1C2}"/>
               </a:ext>
             </a:extLst>
           </p:cNvPr>
@@ -848,7 +854,7 @@
           <p:cNvPr id="4" name="날짜 개체 틀 3">
             <a:extLst>
               <a:ext uri="{FF2B5EF4-FFF2-40B4-BE49-F238E27FC236}">
-                <a16:creationId xmlns:a16="http://schemas.microsoft.com/office/drawing/2014/main" id="{C3665E8B-10B4-32F2-40F7-8CB3B949708C}"/>
+                <a16:creationId xmlns:a16="http://schemas.microsoft.com/office/drawing/2014/main" xmlns="" id="{C3665E8B-10B4-32F2-40F7-8CB3B949708C}"/>
               </a:ext>
             </a:extLst>
           </p:cNvPr>
@@ -866,7 +872,8 @@
           <a:p>
             <a:fld id="{527E487E-FB29-46CC-86DB-8016FC2560E5}" type="datetimeFigureOut">
               <a:rPr lang="ko-KR" altLang="en-US" smtClean="0"/>
-              <a:t>2023-03-10</a:t>
+              <a:pPr/>
+              <a:t>2023-12-22</a:t>
             </a:fld>
             <a:endParaRPr lang="ko-KR" altLang="en-US"/>
           </a:p>
@@ -877,7 +884,7 @@
           <p:cNvPr id="5" name="바닥글 개체 틀 4">
             <a:extLst>
               <a:ext uri="{FF2B5EF4-FFF2-40B4-BE49-F238E27FC236}">
-                <a16:creationId xmlns:a16="http://schemas.microsoft.com/office/drawing/2014/main" id="{6F6898D6-A27F-77CF-8E4A-9AE7293A4EB0}"/>
+                <a16:creationId xmlns:a16="http://schemas.microsoft.com/office/drawing/2014/main" xmlns="" id="{6F6898D6-A27F-77CF-8E4A-9AE7293A4EB0}"/>
               </a:ext>
             </a:extLst>
           </p:cNvPr>
@@ -902,7 +909,7 @@
           <p:cNvPr id="6" name="슬라이드 번호 개체 틀 5">
             <a:extLst>
               <a:ext uri="{FF2B5EF4-FFF2-40B4-BE49-F238E27FC236}">
-                <a16:creationId xmlns:a16="http://schemas.microsoft.com/office/drawing/2014/main" id="{08BB7205-62F2-C3A9-6103-434AA03AC0ED}"/>
+                <a16:creationId xmlns:a16="http://schemas.microsoft.com/office/drawing/2014/main" xmlns="" id="{08BB7205-62F2-C3A9-6103-434AA03AC0ED}"/>
               </a:ext>
             </a:extLst>
           </p:cNvPr>
@@ -920,6 +927,7 @@
           <a:p>
             <a:fld id="{945AE9E5-43D2-4159-94B7-EA18236B865A}" type="slidenum">
               <a:rPr lang="ko-KR" altLang="en-US" smtClean="0"/>
+              <a:pPr/>
               <a:t>‹#›</a:t>
             </a:fld>
             <a:endParaRPr lang="ko-KR" altLang="en-US"/>
@@ -929,7 +937,7 @@
     </p:spTree>
     <p:extLst>
       <p:ext uri="{BB962C8B-B14F-4D97-AF65-F5344CB8AC3E}">
-        <p14:creationId xmlns:p14="http://schemas.microsoft.com/office/powerpoint/2010/main" val="971597656"/>
+        <p14:creationId xmlns:p14="http://schemas.microsoft.com/office/powerpoint/2010/main" xmlns="" val="971597656"/>
       </p:ext>
     </p:extLst>
   </p:cSld>
@@ -961,7 +969,7 @@
           <p:cNvPr id="2" name="제목 1">
             <a:extLst>
               <a:ext uri="{FF2B5EF4-FFF2-40B4-BE49-F238E27FC236}">
-                <a16:creationId xmlns:a16="http://schemas.microsoft.com/office/drawing/2014/main" id="{4286476B-F03F-A2D2-92F4-DB8BD725EAC5}"/>
+                <a16:creationId xmlns:a16="http://schemas.microsoft.com/office/drawing/2014/main" xmlns="" id="{4286476B-F03F-A2D2-92F4-DB8BD725EAC5}"/>
               </a:ext>
             </a:extLst>
           </p:cNvPr>
@@ -998,7 +1006,7 @@
           <p:cNvPr id="3" name="텍스트 개체 틀 2">
             <a:extLst>
               <a:ext uri="{FF2B5EF4-FFF2-40B4-BE49-F238E27FC236}">
-                <a16:creationId xmlns:a16="http://schemas.microsoft.com/office/drawing/2014/main" id="{7950D368-8ADD-5744-1C65-FBD97F1C6054}"/>
+                <a16:creationId xmlns:a16="http://schemas.microsoft.com/office/drawing/2014/main" xmlns="" id="{7950D368-8ADD-5744-1C65-FBD97F1C6054}"/>
               </a:ext>
             </a:extLst>
           </p:cNvPr>
@@ -1123,7 +1131,7 @@
           <p:cNvPr id="4" name="날짜 개체 틀 3">
             <a:extLst>
               <a:ext uri="{FF2B5EF4-FFF2-40B4-BE49-F238E27FC236}">
-                <a16:creationId xmlns:a16="http://schemas.microsoft.com/office/drawing/2014/main" id="{441363C7-7A56-6A81-F09E-3293A5A98A9B}"/>
+                <a16:creationId xmlns:a16="http://schemas.microsoft.com/office/drawing/2014/main" xmlns="" id="{441363C7-7A56-6A81-F09E-3293A5A98A9B}"/>
               </a:ext>
             </a:extLst>
           </p:cNvPr>
@@ -1141,7 +1149,8 @@
           <a:p>
             <a:fld id="{527E487E-FB29-46CC-86DB-8016FC2560E5}" type="datetimeFigureOut">
               <a:rPr lang="ko-KR" altLang="en-US" smtClean="0"/>
-              <a:t>2023-03-10</a:t>
+              <a:pPr/>
+              <a:t>2023-12-22</a:t>
             </a:fld>
             <a:endParaRPr lang="ko-KR" altLang="en-US"/>
           </a:p>
@@ -1152,7 +1161,7 @@
           <p:cNvPr id="5" name="바닥글 개체 틀 4">
             <a:extLst>
               <a:ext uri="{FF2B5EF4-FFF2-40B4-BE49-F238E27FC236}">
-                <a16:creationId xmlns:a16="http://schemas.microsoft.com/office/drawing/2014/main" id="{323AFC29-0E38-3460-F954-6633EB1A5973}"/>
+                <a16:creationId xmlns:a16="http://schemas.microsoft.com/office/drawing/2014/main" xmlns="" id="{323AFC29-0E38-3460-F954-6633EB1A5973}"/>
               </a:ext>
             </a:extLst>
           </p:cNvPr>
@@ -1177,7 +1186,7 @@
           <p:cNvPr id="6" name="슬라이드 번호 개체 틀 5">
             <a:extLst>
               <a:ext uri="{FF2B5EF4-FFF2-40B4-BE49-F238E27FC236}">
-                <a16:creationId xmlns:a16="http://schemas.microsoft.com/office/drawing/2014/main" id="{9B112A3C-53FB-1AB4-7CAA-B88A1D30BD84}"/>
+                <a16:creationId xmlns:a16="http://schemas.microsoft.com/office/drawing/2014/main" xmlns="" id="{9B112A3C-53FB-1AB4-7CAA-B88A1D30BD84}"/>
               </a:ext>
             </a:extLst>
           </p:cNvPr>
@@ -1195,6 +1204,7 @@
           <a:p>
             <a:fld id="{945AE9E5-43D2-4159-94B7-EA18236B865A}" type="slidenum">
               <a:rPr lang="ko-KR" altLang="en-US" smtClean="0"/>
+              <a:pPr/>
               <a:t>‹#›</a:t>
             </a:fld>
             <a:endParaRPr lang="ko-KR" altLang="en-US"/>
@@ -1204,7 +1214,7 @@
     </p:spTree>
     <p:extLst>
       <p:ext uri="{BB962C8B-B14F-4D97-AF65-F5344CB8AC3E}">
-        <p14:creationId xmlns:p14="http://schemas.microsoft.com/office/powerpoint/2010/main" val="2255388647"/>
+        <p14:creationId xmlns:p14="http://schemas.microsoft.com/office/powerpoint/2010/main" xmlns="" val="2255388647"/>
       </p:ext>
     </p:extLst>
   </p:cSld>
@@ -1236,7 +1246,7 @@
           <p:cNvPr id="2" name="제목 1">
             <a:extLst>
               <a:ext uri="{FF2B5EF4-FFF2-40B4-BE49-F238E27FC236}">
-                <a16:creationId xmlns:a16="http://schemas.microsoft.com/office/drawing/2014/main" id="{8848DBFB-349D-1623-35A9-33202C459EDD}"/>
+                <a16:creationId xmlns:a16="http://schemas.microsoft.com/office/drawing/2014/main" xmlns="" id="{8848DBFB-349D-1623-35A9-33202C459EDD}"/>
               </a:ext>
             </a:extLst>
           </p:cNvPr>
@@ -1264,7 +1274,7 @@
           <p:cNvPr id="3" name="내용 개체 틀 2">
             <a:extLst>
               <a:ext uri="{FF2B5EF4-FFF2-40B4-BE49-F238E27FC236}">
-                <a16:creationId xmlns:a16="http://schemas.microsoft.com/office/drawing/2014/main" id="{94118C10-BD94-F1FF-6203-2FEBBCC67183}"/>
+                <a16:creationId xmlns:a16="http://schemas.microsoft.com/office/drawing/2014/main" xmlns="" id="{94118C10-BD94-F1FF-6203-2FEBBCC67183}"/>
               </a:ext>
             </a:extLst>
           </p:cNvPr>
@@ -1326,7 +1336,7 @@
           <p:cNvPr id="4" name="내용 개체 틀 3">
             <a:extLst>
               <a:ext uri="{FF2B5EF4-FFF2-40B4-BE49-F238E27FC236}">
-                <a16:creationId xmlns:a16="http://schemas.microsoft.com/office/drawing/2014/main" id="{DFD25993-F77A-EE1F-45EF-0CC2642125E0}"/>
+                <a16:creationId xmlns:a16="http://schemas.microsoft.com/office/drawing/2014/main" xmlns="" id="{DFD25993-F77A-EE1F-45EF-0CC2642125E0}"/>
               </a:ext>
             </a:extLst>
           </p:cNvPr>
@@ -1388,7 +1398,7 @@
           <p:cNvPr id="5" name="날짜 개체 틀 4">
             <a:extLst>
               <a:ext uri="{FF2B5EF4-FFF2-40B4-BE49-F238E27FC236}">
-                <a16:creationId xmlns:a16="http://schemas.microsoft.com/office/drawing/2014/main" id="{70536E9E-A1D9-634E-388E-3F14C298F08E}"/>
+                <a16:creationId xmlns:a16="http://schemas.microsoft.com/office/drawing/2014/main" xmlns="" id="{70536E9E-A1D9-634E-388E-3F14C298F08E}"/>
               </a:ext>
             </a:extLst>
           </p:cNvPr>
@@ -1406,7 +1416,8 @@
           <a:p>
             <a:fld id="{527E487E-FB29-46CC-86DB-8016FC2560E5}" type="datetimeFigureOut">
               <a:rPr lang="ko-KR" altLang="en-US" smtClean="0"/>
-              <a:t>2023-03-10</a:t>
+              <a:pPr/>
+              <a:t>2023-12-22</a:t>
             </a:fld>
             <a:endParaRPr lang="ko-KR" altLang="en-US"/>
           </a:p>
@@ -1417,7 +1428,7 @@
           <p:cNvPr id="6" name="바닥글 개체 틀 5">
             <a:extLst>
               <a:ext uri="{FF2B5EF4-FFF2-40B4-BE49-F238E27FC236}">
-                <a16:creationId xmlns:a16="http://schemas.microsoft.com/office/drawing/2014/main" id="{7973E391-5B55-5F41-630E-1CF7E2BF46F7}"/>
+                <a16:creationId xmlns:a16="http://schemas.microsoft.com/office/drawing/2014/main" xmlns="" id="{7973E391-5B55-5F41-630E-1CF7E2BF46F7}"/>
               </a:ext>
             </a:extLst>
           </p:cNvPr>
@@ -1442,7 +1453,7 @@
           <p:cNvPr id="7" name="슬라이드 번호 개체 틀 6">
             <a:extLst>
               <a:ext uri="{FF2B5EF4-FFF2-40B4-BE49-F238E27FC236}">
-                <a16:creationId xmlns:a16="http://schemas.microsoft.com/office/drawing/2014/main" id="{C0346865-0777-D4E5-4476-70E2C2CF6050}"/>
+                <a16:creationId xmlns:a16="http://schemas.microsoft.com/office/drawing/2014/main" xmlns="" id="{C0346865-0777-D4E5-4476-70E2C2CF6050}"/>
               </a:ext>
             </a:extLst>
           </p:cNvPr>
@@ -1460,6 +1471,7 @@
           <a:p>
             <a:fld id="{945AE9E5-43D2-4159-94B7-EA18236B865A}" type="slidenum">
               <a:rPr lang="ko-KR" altLang="en-US" smtClean="0"/>
+              <a:pPr/>
               <a:t>‹#›</a:t>
             </a:fld>
             <a:endParaRPr lang="ko-KR" altLang="en-US"/>
@@ -1469,7 +1481,7 @@
     </p:spTree>
     <p:extLst>
       <p:ext uri="{BB962C8B-B14F-4D97-AF65-F5344CB8AC3E}">
-        <p14:creationId xmlns:p14="http://schemas.microsoft.com/office/powerpoint/2010/main" val="693414870"/>
+        <p14:creationId xmlns:p14="http://schemas.microsoft.com/office/powerpoint/2010/main" xmlns="" val="693414870"/>
       </p:ext>
     </p:extLst>
   </p:cSld>
@@ -1501,7 +1513,7 @@
           <p:cNvPr id="2" name="제목 1">
             <a:extLst>
               <a:ext uri="{FF2B5EF4-FFF2-40B4-BE49-F238E27FC236}">
-                <a16:creationId xmlns:a16="http://schemas.microsoft.com/office/drawing/2014/main" id="{0FF94057-E000-A868-176C-307C069CAB69}"/>
+                <a16:creationId xmlns:a16="http://schemas.microsoft.com/office/drawing/2014/main" xmlns="" id="{0FF94057-E000-A868-176C-307C069CAB69}"/>
               </a:ext>
             </a:extLst>
           </p:cNvPr>
@@ -1534,7 +1546,7 @@
           <p:cNvPr id="3" name="텍스트 개체 틀 2">
             <a:extLst>
               <a:ext uri="{FF2B5EF4-FFF2-40B4-BE49-F238E27FC236}">
-                <a16:creationId xmlns:a16="http://schemas.microsoft.com/office/drawing/2014/main" id="{A5298EB0-D286-6CC1-B513-FAF6823F3743}"/>
+                <a16:creationId xmlns:a16="http://schemas.microsoft.com/office/drawing/2014/main" xmlns="" id="{A5298EB0-D286-6CC1-B513-FAF6823F3743}"/>
               </a:ext>
             </a:extLst>
           </p:cNvPr>
@@ -1605,7 +1617,7 @@
           <p:cNvPr id="4" name="내용 개체 틀 3">
             <a:extLst>
               <a:ext uri="{FF2B5EF4-FFF2-40B4-BE49-F238E27FC236}">
-                <a16:creationId xmlns:a16="http://schemas.microsoft.com/office/drawing/2014/main" id="{358FEDEB-47A3-3078-3A23-7E2D282DF634}"/>
+                <a16:creationId xmlns:a16="http://schemas.microsoft.com/office/drawing/2014/main" xmlns="" id="{358FEDEB-47A3-3078-3A23-7E2D282DF634}"/>
               </a:ext>
             </a:extLst>
           </p:cNvPr>
@@ -1667,7 +1679,7 @@
           <p:cNvPr id="5" name="텍스트 개체 틀 4">
             <a:extLst>
               <a:ext uri="{FF2B5EF4-FFF2-40B4-BE49-F238E27FC236}">
-                <a16:creationId xmlns:a16="http://schemas.microsoft.com/office/drawing/2014/main" id="{46FE5BE7-37D1-1266-B4F1-F0FB0E37A2E1}"/>
+                <a16:creationId xmlns:a16="http://schemas.microsoft.com/office/drawing/2014/main" xmlns="" id="{46FE5BE7-37D1-1266-B4F1-F0FB0E37A2E1}"/>
               </a:ext>
             </a:extLst>
           </p:cNvPr>
@@ -1738,7 +1750,7 @@
           <p:cNvPr id="6" name="내용 개체 틀 5">
             <a:extLst>
               <a:ext uri="{FF2B5EF4-FFF2-40B4-BE49-F238E27FC236}">
-                <a16:creationId xmlns:a16="http://schemas.microsoft.com/office/drawing/2014/main" id="{81C7900C-87A1-AFAE-A08B-415AF40C7A66}"/>
+                <a16:creationId xmlns:a16="http://schemas.microsoft.com/office/drawing/2014/main" xmlns="" id="{81C7900C-87A1-AFAE-A08B-415AF40C7A66}"/>
               </a:ext>
             </a:extLst>
           </p:cNvPr>
@@ -1800,7 +1812,7 @@
           <p:cNvPr id="7" name="날짜 개체 틀 6">
             <a:extLst>
               <a:ext uri="{FF2B5EF4-FFF2-40B4-BE49-F238E27FC236}">
-                <a16:creationId xmlns:a16="http://schemas.microsoft.com/office/drawing/2014/main" id="{FA9EFAA0-400F-D5D8-1B4B-75C10E09E882}"/>
+                <a16:creationId xmlns:a16="http://schemas.microsoft.com/office/drawing/2014/main" xmlns="" id="{FA9EFAA0-400F-D5D8-1B4B-75C10E09E882}"/>
               </a:ext>
             </a:extLst>
           </p:cNvPr>
@@ -1818,7 +1830,8 @@
           <a:p>
             <a:fld id="{527E487E-FB29-46CC-86DB-8016FC2560E5}" type="datetimeFigureOut">
               <a:rPr lang="ko-KR" altLang="en-US" smtClean="0"/>
-              <a:t>2023-03-10</a:t>
+              <a:pPr/>
+              <a:t>2023-12-22</a:t>
             </a:fld>
             <a:endParaRPr lang="ko-KR" altLang="en-US"/>
           </a:p>
@@ -1829,7 +1842,7 @@
           <p:cNvPr id="8" name="바닥글 개체 틀 7">
             <a:extLst>
               <a:ext uri="{FF2B5EF4-FFF2-40B4-BE49-F238E27FC236}">
-                <a16:creationId xmlns:a16="http://schemas.microsoft.com/office/drawing/2014/main" id="{DE89197C-2195-1F5F-01F2-248253C23F7C}"/>
+                <a16:creationId xmlns:a16="http://schemas.microsoft.com/office/drawing/2014/main" xmlns="" id="{DE89197C-2195-1F5F-01F2-248253C23F7C}"/>
               </a:ext>
             </a:extLst>
           </p:cNvPr>
@@ -1854,7 +1867,7 @@
           <p:cNvPr id="9" name="슬라이드 번호 개체 틀 8">
             <a:extLst>
               <a:ext uri="{FF2B5EF4-FFF2-40B4-BE49-F238E27FC236}">
-                <a16:creationId xmlns:a16="http://schemas.microsoft.com/office/drawing/2014/main" id="{7FD6E92B-1B63-CFC4-FF7A-0A852DEAD7BC}"/>
+                <a16:creationId xmlns:a16="http://schemas.microsoft.com/office/drawing/2014/main" xmlns="" id="{7FD6E92B-1B63-CFC4-FF7A-0A852DEAD7BC}"/>
               </a:ext>
             </a:extLst>
           </p:cNvPr>
@@ -1872,6 +1885,7 @@
           <a:p>
             <a:fld id="{945AE9E5-43D2-4159-94B7-EA18236B865A}" type="slidenum">
               <a:rPr lang="ko-KR" altLang="en-US" smtClean="0"/>
+              <a:pPr/>
               <a:t>‹#›</a:t>
             </a:fld>
             <a:endParaRPr lang="ko-KR" altLang="en-US"/>
@@ -1881,7 +1895,7 @@
     </p:spTree>
     <p:extLst>
       <p:ext uri="{BB962C8B-B14F-4D97-AF65-F5344CB8AC3E}">
-        <p14:creationId xmlns:p14="http://schemas.microsoft.com/office/powerpoint/2010/main" val="3345839701"/>
+        <p14:creationId xmlns:p14="http://schemas.microsoft.com/office/powerpoint/2010/main" xmlns="" val="3345839701"/>
       </p:ext>
     </p:extLst>
   </p:cSld>
@@ -1913,7 +1927,7 @@
           <p:cNvPr id="2" name="제목 1">
             <a:extLst>
               <a:ext uri="{FF2B5EF4-FFF2-40B4-BE49-F238E27FC236}">
-                <a16:creationId xmlns:a16="http://schemas.microsoft.com/office/drawing/2014/main" id="{79F50653-6F40-4F70-2B93-5F463CE314E6}"/>
+                <a16:creationId xmlns:a16="http://schemas.microsoft.com/office/drawing/2014/main" xmlns="" id="{79F50653-6F40-4F70-2B93-5F463CE314E6}"/>
               </a:ext>
             </a:extLst>
           </p:cNvPr>
@@ -1941,7 +1955,7 @@
           <p:cNvPr id="3" name="날짜 개체 틀 2">
             <a:extLst>
               <a:ext uri="{FF2B5EF4-FFF2-40B4-BE49-F238E27FC236}">
-                <a16:creationId xmlns:a16="http://schemas.microsoft.com/office/drawing/2014/main" id="{BE29B615-D731-269F-2314-614CDF6E09AB}"/>
+                <a16:creationId xmlns:a16="http://schemas.microsoft.com/office/drawing/2014/main" xmlns="" id="{BE29B615-D731-269F-2314-614CDF6E09AB}"/>
               </a:ext>
             </a:extLst>
           </p:cNvPr>
@@ -1959,7 +1973,8 @@
           <a:p>
             <a:fld id="{527E487E-FB29-46CC-86DB-8016FC2560E5}" type="datetimeFigureOut">
               <a:rPr lang="ko-KR" altLang="en-US" smtClean="0"/>
-              <a:t>2023-03-10</a:t>
+              <a:pPr/>
+              <a:t>2023-12-22</a:t>
             </a:fld>
             <a:endParaRPr lang="ko-KR" altLang="en-US"/>
           </a:p>
@@ -1970,7 +1985,7 @@
           <p:cNvPr id="4" name="바닥글 개체 틀 3">
             <a:extLst>
               <a:ext uri="{FF2B5EF4-FFF2-40B4-BE49-F238E27FC236}">
-                <a16:creationId xmlns:a16="http://schemas.microsoft.com/office/drawing/2014/main" id="{CF854B2D-4F59-31EB-751A-051552BC9C3A}"/>
+                <a16:creationId xmlns:a16="http://schemas.microsoft.com/office/drawing/2014/main" xmlns="" id="{CF854B2D-4F59-31EB-751A-051552BC9C3A}"/>
               </a:ext>
             </a:extLst>
           </p:cNvPr>
@@ -1995,7 +2010,7 @@
           <p:cNvPr id="5" name="슬라이드 번호 개체 틀 4">
             <a:extLst>
               <a:ext uri="{FF2B5EF4-FFF2-40B4-BE49-F238E27FC236}">
-                <a16:creationId xmlns:a16="http://schemas.microsoft.com/office/drawing/2014/main" id="{EED674B1-8F7E-B99B-7CD1-A1A78C81E8E9}"/>
+                <a16:creationId xmlns:a16="http://schemas.microsoft.com/office/drawing/2014/main" xmlns="" id="{EED674B1-8F7E-B99B-7CD1-A1A78C81E8E9}"/>
               </a:ext>
             </a:extLst>
           </p:cNvPr>
@@ -2013,6 +2028,7 @@
           <a:p>
             <a:fld id="{945AE9E5-43D2-4159-94B7-EA18236B865A}" type="slidenum">
               <a:rPr lang="ko-KR" altLang="en-US" smtClean="0"/>
+              <a:pPr/>
               <a:t>‹#›</a:t>
             </a:fld>
             <a:endParaRPr lang="ko-KR" altLang="en-US"/>
@@ -2022,7 +2038,7 @@
     </p:spTree>
     <p:extLst>
       <p:ext uri="{BB962C8B-B14F-4D97-AF65-F5344CB8AC3E}">
-        <p14:creationId xmlns:p14="http://schemas.microsoft.com/office/powerpoint/2010/main" val="3140959458"/>
+        <p14:creationId xmlns:p14="http://schemas.microsoft.com/office/powerpoint/2010/main" xmlns="" val="3140959458"/>
       </p:ext>
     </p:extLst>
   </p:cSld>
@@ -2054,7 +2070,7 @@
           <p:cNvPr id="5" name="TextBox 4">
             <a:extLst>
               <a:ext uri="{FF2B5EF4-FFF2-40B4-BE49-F238E27FC236}">
-                <a16:creationId xmlns:a16="http://schemas.microsoft.com/office/drawing/2014/main" id="{68253517-9423-7DA8-D736-FA9EDCA1B858}"/>
+                <a16:creationId xmlns:a16="http://schemas.microsoft.com/office/drawing/2014/main" xmlns="" id="{68253517-9423-7DA8-D736-FA9EDCA1B858}"/>
               </a:ext>
             </a:extLst>
           </p:cNvPr>
@@ -2161,7 +2177,7 @@
           <p:cNvPr id="2" name="날짜 개체 틀 1">
             <a:extLst>
               <a:ext uri="{FF2B5EF4-FFF2-40B4-BE49-F238E27FC236}">
-                <a16:creationId xmlns:a16="http://schemas.microsoft.com/office/drawing/2014/main" id="{25F80F51-A6D5-9218-0900-820BA565F30B}"/>
+                <a16:creationId xmlns:a16="http://schemas.microsoft.com/office/drawing/2014/main" xmlns="" id="{25F80F51-A6D5-9218-0900-820BA565F30B}"/>
               </a:ext>
             </a:extLst>
           </p:cNvPr>
@@ -2179,7 +2195,8 @@
           <a:p>
             <a:fld id="{527E487E-FB29-46CC-86DB-8016FC2560E5}" type="datetimeFigureOut">
               <a:rPr lang="ko-KR" altLang="en-US" smtClean="0"/>
-              <a:t>2023-03-10</a:t>
+              <a:pPr/>
+              <a:t>2023-12-22</a:t>
             </a:fld>
             <a:endParaRPr lang="ko-KR" altLang="en-US"/>
           </a:p>
@@ -2190,7 +2207,7 @@
           <p:cNvPr id="3" name="바닥글 개체 틀 2">
             <a:extLst>
               <a:ext uri="{FF2B5EF4-FFF2-40B4-BE49-F238E27FC236}">
-                <a16:creationId xmlns:a16="http://schemas.microsoft.com/office/drawing/2014/main" id="{D3458EF2-A9D4-AD9C-069F-9ABD07D16946}"/>
+                <a16:creationId xmlns:a16="http://schemas.microsoft.com/office/drawing/2014/main" xmlns="" id="{D3458EF2-A9D4-AD9C-069F-9ABD07D16946}"/>
               </a:ext>
             </a:extLst>
           </p:cNvPr>
@@ -2215,7 +2232,7 @@
           <p:cNvPr id="4" name="슬라이드 번호 개체 틀 3">
             <a:extLst>
               <a:ext uri="{FF2B5EF4-FFF2-40B4-BE49-F238E27FC236}">
-                <a16:creationId xmlns:a16="http://schemas.microsoft.com/office/drawing/2014/main" id="{081EC1F9-A875-0F81-D559-1E770C7502E6}"/>
+                <a16:creationId xmlns:a16="http://schemas.microsoft.com/office/drawing/2014/main" xmlns="" id="{081EC1F9-A875-0F81-D559-1E770C7502E6}"/>
               </a:ext>
             </a:extLst>
           </p:cNvPr>
@@ -2233,6 +2250,7 @@
           <a:p>
             <a:fld id="{945AE9E5-43D2-4159-94B7-EA18236B865A}" type="slidenum">
               <a:rPr lang="ko-KR" altLang="en-US" smtClean="0"/>
+              <a:pPr/>
               <a:t>‹#›</a:t>
             </a:fld>
             <a:endParaRPr lang="ko-KR" altLang="en-US"/>
@@ -2242,7 +2260,7 @@
     </p:spTree>
     <p:extLst>
       <p:ext uri="{BB962C8B-B14F-4D97-AF65-F5344CB8AC3E}">
-        <p14:creationId xmlns:p14="http://schemas.microsoft.com/office/powerpoint/2010/main" val="1215623857"/>
+        <p14:creationId xmlns:p14="http://schemas.microsoft.com/office/powerpoint/2010/main" xmlns="" val="1215623857"/>
       </p:ext>
     </p:extLst>
   </p:cSld>
@@ -2251,7 +2269,7 @@
   </p:clrMapOvr>
   <p:extLst>
     <p:ext uri="{DCECCB84-F9BA-43D5-87BE-67443E8EF086}">
-      <p15:sldGuideLst xmlns:p15="http://schemas.microsoft.com/office/powerpoint/2012/main">
+      <p15:sldGuideLst xmlns:p15="http://schemas.microsoft.com/office/powerpoint/2012/main" xmlns="">
         <p15:guide id="1" orient="horz" pos="2160" userDrawn="1">
           <p15:clr>
             <a:srgbClr val="FBAE40"/>
@@ -2290,7 +2308,7 @@
           <p:cNvPr id="2" name="제목 1">
             <a:extLst>
               <a:ext uri="{FF2B5EF4-FFF2-40B4-BE49-F238E27FC236}">
-                <a16:creationId xmlns:a16="http://schemas.microsoft.com/office/drawing/2014/main" id="{2F6EE91B-A4E2-2E26-607E-B390987102D7}"/>
+                <a16:creationId xmlns:a16="http://schemas.microsoft.com/office/drawing/2014/main" xmlns="" id="{2F6EE91B-A4E2-2E26-607E-B390987102D7}"/>
               </a:ext>
             </a:extLst>
           </p:cNvPr>
@@ -2327,7 +2345,7 @@
           <p:cNvPr id="3" name="내용 개체 틀 2">
             <a:extLst>
               <a:ext uri="{FF2B5EF4-FFF2-40B4-BE49-F238E27FC236}">
-                <a16:creationId xmlns:a16="http://schemas.microsoft.com/office/drawing/2014/main" id="{90EA2F9C-43D3-0B14-4D34-55151D271344}"/>
+                <a16:creationId xmlns:a16="http://schemas.microsoft.com/office/drawing/2014/main" xmlns="" id="{90EA2F9C-43D3-0B14-4D34-55151D271344}"/>
               </a:ext>
             </a:extLst>
           </p:cNvPr>
@@ -2417,7 +2435,7 @@
           <p:cNvPr id="4" name="텍스트 개체 틀 3">
             <a:extLst>
               <a:ext uri="{FF2B5EF4-FFF2-40B4-BE49-F238E27FC236}">
-                <a16:creationId xmlns:a16="http://schemas.microsoft.com/office/drawing/2014/main" id="{ECBA8786-4C54-BB63-91DD-29C95CD06F04}"/>
+                <a16:creationId xmlns:a16="http://schemas.microsoft.com/office/drawing/2014/main" xmlns="" id="{ECBA8786-4C54-BB63-91DD-29C95CD06F04}"/>
               </a:ext>
             </a:extLst>
           </p:cNvPr>
@@ -2488,7 +2506,7 @@
           <p:cNvPr id="5" name="날짜 개체 틀 4">
             <a:extLst>
               <a:ext uri="{FF2B5EF4-FFF2-40B4-BE49-F238E27FC236}">
-                <a16:creationId xmlns:a16="http://schemas.microsoft.com/office/drawing/2014/main" id="{DBDBD252-D7D5-FCA0-7545-6CE44E7429B2}"/>
+                <a16:creationId xmlns:a16="http://schemas.microsoft.com/office/drawing/2014/main" xmlns="" id="{DBDBD252-D7D5-FCA0-7545-6CE44E7429B2}"/>
               </a:ext>
             </a:extLst>
           </p:cNvPr>
@@ -2506,7 +2524,8 @@
           <a:p>
             <a:fld id="{527E487E-FB29-46CC-86DB-8016FC2560E5}" type="datetimeFigureOut">
               <a:rPr lang="ko-KR" altLang="en-US" smtClean="0"/>
-              <a:t>2023-03-10</a:t>
+              <a:pPr/>
+              <a:t>2023-12-22</a:t>
             </a:fld>
             <a:endParaRPr lang="ko-KR" altLang="en-US"/>
           </a:p>
@@ -2517,7 +2536,7 @@
           <p:cNvPr id="6" name="바닥글 개체 틀 5">
             <a:extLst>
               <a:ext uri="{FF2B5EF4-FFF2-40B4-BE49-F238E27FC236}">
-                <a16:creationId xmlns:a16="http://schemas.microsoft.com/office/drawing/2014/main" id="{69998B52-8581-4B3C-8DCF-887A6965B15C}"/>
+                <a16:creationId xmlns:a16="http://schemas.microsoft.com/office/drawing/2014/main" xmlns="" id="{69998B52-8581-4B3C-8DCF-887A6965B15C}"/>
               </a:ext>
             </a:extLst>
           </p:cNvPr>
@@ -2542,7 +2561,7 @@
           <p:cNvPr id="7" name="슬라이드 번호 개체 틀 6">
             <a:extLst>
               <a:ext uri="{FF2B5EF4-FFF2-40B4-BE49-F238E27FC236}">
-                <a16:creationId xmlns:a16="http://schemas.microsoft.com/office/drawing/2014/main" id="{6EBC568F-35B6-016A-B984-4511C2AA4424}"/>
+                <a16:creationId xmlns:a16="http://schemas.microsoft.com/office/drawing/2014/main" xmlns="" id="{6EBC568F-35B6-016A-B984-4511C2AA4424}"/>
               </a:ext>
             </a:extLst>
           </p:cNvPr>
@@ -2560,6 +2579,7 @@
           <a:p>
             <a:fld id="{945AE9E5-43D2-4159-94B7-EA18236B865A}" type="slidenum">
               <a:rPr lang="ko-KR" altLang="en-US" smtClean="0"/>
+              <a:pPr/>
               <a:t>‹#›</a:t>
             </a:fld>
             <a:endParaRPr lang="ko-KR" altLang="en-US"/>
@@ -2569,7 +2589,7 @@
     </p:spTree>
     <p:extLst>
       <p:ext uri="{BB962C8B-B14F-4D97-AF65-F5344CB8AC3E}">
-        <p14:creationId xmlns:p14="http://schemas.microsoft.com/office/powerpoint/2010/main" val="4204575315"/>
+        <p14:creationId xmlns:p14="http://schemas.microsoft.com/office/powerpoint/2010/main" xmlns="" val="4204575315"/>
       </p:ext>
     </p:extLst>
   </p:cSld>
@@ -2601,7 +2621,7 @@
           <p:cNvPr id="2" name="제목 1">
             <a:extLst>
               <a:ext uri="{FF2B5EF4-FFF2-40B4-BE49-F238E27FC236}">
-                <a16:creationId xmlns:a16="http://schemas.microsoft.com/office/drawing/2014/main" id="{EF8A8FCF-9D21-F417-5FF4-986F306BD0B6}"/>
+                <a16:creationId xmlns:a16="http://schemas.microsoft.com/office/drawing/2014/main" xmlns="" id="{EF8A8FCF-9D21-F417-5FF4-986F306BD0B6}"/>
               </a:ext>
             </a:extLst>
           </p:cNvPr>
@@ -2638,7 +2658,7 @@
           <p:cNvPr id="3" name="그림 개체 틀 2">
             <a:extLst>
               <a:ext uri="{FF2B5EF4-FFF2-40B4-BE49-F238E27FC236}">
-                <a16:creationId xmlns:a16="http://schemas.microsoft.com/office/drawing/2014/main" id="{37867C4A-2550-4E3B-FA23-CE80396F26CE}"/>
+                <a16:creationId xmlns:a16="http://schemas.microsoft.com/office/drawing/2014/main" xmlns="" id="{37867C4A-2550-4E3B-FA23-CE80396F26CE}"/>
               </a:ext>
             </a:extLst>
           </p:cNvPr>
@@ -2705,7 +2725,7 @@
           <p:cNvPr id="4" name="텍스트 개체 틀 3">
             <a:extLst>
               <a:ext uri="{FF2B5EF4-FFF2-40B4-BE49-F238E27FC236}">
-                <a16:creationId xmlns:a16="http://schemas.microsoft.com/office/drawing/2014/main" id="{46D67851-AA1C-D476-431F-A9CC65123DA1}"/>
+                <a16:creationId xmlns:a16="http://schemas.microsoft.com/office/drawing/2014/main" xmlns="" id="{46D67851-AA1C-D476-431F-A9CC65123DA1}"/>
               </a:ext>
             </a:extLst>
           </p:cNvPr>
@@ -2776,7 +2796,7 @@
           <p:cNvPr id="5" name="날짜 개체 틀 4">
             <a:extLst>
               <a:ext uri="{FF2B5EF4-FFF2-40B4-BE49-F238E27FC236}">
-                <a16:creationId xmlns:a16="http://schemas.microsoft.com/office/drawing/2014/main" id="{94345234-E6AC-8198-FA8F-05BF28435D4A}"/>
+                <a16:creationId xmlns:a16="http://schemas.microsoft.com/office/drawing/2014/main" xmlns="" id="{94345234-E6AC-8198-FA8F-05BF28435D4A}"/>
               </a:ext>
             </a:extLst>
           </p:cNvPr>
@@ -2794,7 +2814,8 @@
           <a:p>
             <a:fld id="{527E487E-FB29-46CC-86DB-8016FC2560E5}" type="datetimeFigureOut">
               <a:rPr lang="ko-KR" altLang="en-US" smtClean="0"/>
-              <a:t>2023-03-10</a:t>
+              <a:pPr/>
+              <a:t>2023-12-22</a:t>
             </a:fld>
             <a:endParaRPr lang="ko-KR" altLang="en-US"/>
           </a:p>
@@ -2805,7 +2826,7 @@
           <p:cNvPr id="6" name="바닥글 개체 틀 5">
             <a:extLst>
               <a:ext uri="{FF2B5EF4-FFF2-40B4-BE49-F238E27FC236}">
-                <a16:creationId xmlns:a16="http://schemas.microsoft.com/office/drawing/2014/main" id="{9E56ACA8-7628-545B-EE9C-4E6EFCDB7283}"/>
+                <a16:creationId xmlns:a16="http://schemas.microsoft.com/office/drawing/2014/main" xmlns="" id="{9E56ACA8-7628-545B-EE9C-4E6EFCDB7283}"/>
               </a:ext>
             </a:extLst>
           </p:cNvPr>
@@ -2830,7 +2851,7 @@
           <p:cNvPr id="7" name="슬라이드 번호 개체 틀 6">
             <a:extLst>
               <a:ext uri="{FF2B5EF4-FFF2-40B4-BE49-F238E27FC236}">
-                <a16:creationId xmlns:a16="http://schemas.microsoft.com/office/drawing/2014/main" id="{2EF28EEE-793A-CD28-CF3F-77ED818C0E7D}"/>
+                <a16:creationId xmlns:a16="http://schemas.microsoft.com/office/drawing/2014/main" xmlns="" id="{2EF28EEE-793A-CD28-CF3F-77ED818C0E7D}"/>
               </a:ext>
             </a:extLst>
           </p:cNvPr>
@@ -2848,6 +2869,7 @@
           <a:p>
             <a:fld id="{945AE9E5-43D2-4159-94B7-EA18236B865A}" type="slidenum">
               <a:rPr lang="ko-KR" altLang="en-US" smtClean="0"/>
+              <a:pPr/>
               <a:t>‹#›</a:t>
             </a:fld>
             <a:endParaRPr lang="ko-KR" altLang="en-US"/>
@@ -2857,7 +2879,7 @@
     </p:spTree>
     <p:extLst>
       <p:ext uri="{BB962C8B-B14F-4D97-AF65-F5344CB8AC3E}">
-        <p14:creationId xmlns:p14="http://schemas.microsoft.com/office/powerpoint/2010/main" val="2571969537"/>
+        <p14:creationId xmlns:p14="http://schemas.microsoft.com/office/powerpoint/2010/main" xmlns="" val="2571969537"/>
       </p:ext>
     </p:extLst>
   </p:cSld>
@@ -2868,7 +2890,7 @@
 </file>
 
 <file path=ppt/slideMasters/slideMaster1.xml><?xml version="1.0" encoding="utf-8"?>
-<p:sldMaster xmlns:r="http://schemas.openxmlformats.org/officeDocument/2006/relationships" xmlns:c="http://schemas.openxmlformats.org/drawingml/2006/chart" xmlns:a="http://schemas.openxmlformats.org/drawingml/2006/main" xmlns:dgm="http://schemas.openxmlformats.org/drawingml/2006/diagram" xmlns:dsp="http://schemas.microsoft.com/office/drawing/2008/diagram" xmlns:p="http://schemas.openxmlformats.org/presentationml/2006/main">
+<p:sldMaster xmlns:a="http://schemas.openxmlformats.org/drawingml/2006/main" xmlns:r="http://schemas.openxmlformats.org/officeDocument/2006/relationships" xmlns:p="http://schemas.openxmlformats.org/presentationml/2006/main">
   <p:cSld name="Office 테마">
     <p:bg>
       <p:bgRef idx="1001">
@@ -2896,7 +2918,7 @@
             <a:spLocks noGrp="1"/>
           </p:cNvSpPr>
           <p:nvPr>
-            <p:ph type="title" idx="0"/>
+            <p:ph type="title"/>
           </p:nvPr>
         </p:nvSpPr>
         <p:spPr>
@@ -2921,7 +2943,6 @@
               <a:rPr lang="ko-KR" altLang="en-US"/>
               <a:t>마스터 제목 스타일 편집</a:t>
             </a:r>
-            <a:endParaRPr lang="ko-KR" altLang="en-US"/>
           </a:p>
         </p:txBody>
       </p:sp>
@@ -2957,7 +2978,6 @@
               <a:rPr lang="ko-KR" altLang="en-US"/>
               <a:t>마스터 텍스트 스타일을 편집하려면 클릭</a:t>
             </a:r>
-            <a:endParaRPr lang="ko-KR" altLang="en-US"/>
           </a:p>
           <a:p>
             <a:pPr lvl="1">
@@ -2967,7 +2987,6 @@
               <a:rPr lang="ko-KR" altLang="en-US"/>
               <a:t>두 번째 수준</a:t>
             </a:r>
-            <a:endParaRPr lang="ko-KR" altLang="en-US"/>
           </a:p>
           <a:p>
             <a:pPr lvl="2">
@@ -2977,7 +2996,6 @@
               <a:rPr lang="ko-KR" altLang="en-US"/>
               <a:t>세 번째 수준</a:t>
             </a:r>
-            <a:endParaRPr lang="ko-KR" altLang="en-US"/>
           </a:p>
           <a:p>
             <a:pPr lvl="3">
@@ -2987,7 +3005,6 @@
               <a:rPr lang="ko-KR" altLang="en-US"/>
               <a:t>네 번째 수준</a:t>
             </a:r>
-            <a:endParaRPr lang="ko-KR" altLang="en-US"/>
           </a:p>
           <a:p>
             <a:pPr lvl="4">
@@ -2997,7 +3014,6 @@
               <a:rPr lang="ko-KR" altLang="en-US"/>
               <a:t>다섯 번째 수준</a:t>
             </a:r>
-            <a:endParaRPr lang="ko-KR" altLang="en-US"/>
           </a:p>
         </p:txBody>
       </p:sp>
@@ -3042,7 +3058,7 @@
               <a:pPr lvl="0">
                 <a:defRPr/>
               </a:pPr>
-              <a:t>2023-12-20</a:t>
+              <a:t>2023-12-22</a:t>
             </a:fld>
             <a:endParaRPr lang="ko-KR" altLang="en-US"/>
           </a:p>
@@ -3084,10 +3100,6 @@
             <a:pPr lvl="0">
               <a:defRPr/>
             </a:pPr>
-            <a:r>
-              <a:rPr lang="ko-KR" altLang="en-US"/>
-              <a:t/>
-            </a:r>
             <a:endParaRPr lang="ko-KR" altLang="en-US"/>
           </a:p>
         </p:txBody>
@@ -3155,7 +3167,7 @@
     <p:sldLayoutId id="2147483741" r:id="rId10"/>
     <p:sldLayoutId id="2147483742" r:id="rId11"/>
   </p:sldLayoutIdLst>
-  <p:transition xmlns:mc="http://schemas.openxmlformats.org/markup-compatibility/2006" xmlns:hp="http://schemas.haansoft.com/office/presentation/8.0" mc:Ignorable="hp" hp:hslDur="500"/>
+  <p:transition/>
   <p:txStyles>
     <p:titleStyle>
       <a:lvl1pPr algn="l" defTabSz="914400" rtl="0" eaLnBrk="1" latinLnBrk="1" hangingPunct="1">
@@ -3440,16 +3452,17 @@
 </file>
 
 <file path=ppt/slides/slide1.xml><?xml version="1.0" encoding="utf-8"?>
-<p:sld xmlns:r="http://schemas.openxmlformats.org/officeDocument/2006/relationships" xmlns:c="http://schemas.openxmlformats.org/drawingml/2006/chart" xmlns:a="http://schemas.openxmlformats.org/drawingml/2006/main" xmlns:dgm="http://schemas.openxmlformats.org/drawingml/2006/diagram" xmlns:dsp="http://schemas.microsoft.com/office/drawing/2008/diagram" xmlns:p="http://schemas.openxmlformats.org/presentationml/2006/main" showMasterSp="0">
+<p:sld xmlns:a="http://schemas.openxmlformats.org/drawingml/2006/main" xmlns:r="http://schemas.openxmlformats.org/officeDocument/2006/relationships" xmlns:p="http://schemas.openxmlformats.org/presentationml/2006/main" showMasterSp="0">
   <p:cSld>
     <p:bg>
-      <p:bgPr shadeToTitle="0">
+      <p:bgPr>
         <a:solidFill>
           <a:schemeClr val="accent2">
             <a:lumMod val="20000"/>
             <a:lumOff val="80000"/>
           </a:schemeClr>
         </a:solidFill>
+        <a:effectLst/>
       </p:bgPr>
     </p:bg>
     <p:spTree>
@@ -3682,13 +3695,6 @@
               </a:rPr>
               <a:t>File</a:t>
             </a:r>
-            <a:endParaRPr lang="en-US" altLang="ko-KR" sz="6600" b="1">
-              <a:solidFill>
-                <a:schemeClr val="bg1"/>
-              </a:solidFill>
-              <a:latin typeface="+mj-ea"/>
-              <a:ea typeface="+mj-ea"/>
-            </a:endParaRPr>
           </a:p>
         </p:txBody>
       </p:sp>
@@ -3707,7 +3713,7 @@
             <a:avLst/>
           </a:prstGeom>
           <a:solidFill>
-            <a:srgbClr val="ff0000"/>
+            <a:srgbClr val="FF0000"/>
           </a:solidFill>
           <a:ln>
             <a:noFill/>
@@ -3762,7 +3768,7 @@
             <a:avLst/>
           </a:prstGeom>
           <a:solidFill>
-            <a:srgbClr val="ffc000"/>
+            <a:srgbClr val="FFC000"/>
           </a:solidFill>
           <a:ln>
             <a:noFill/>
@@ -3817,7 +3823,7 @@
             <a:avLst/>
           </a:prstGeom>
           <a:solidFill>
-            <a:srgbClr val="00b050"/>
+            <a:srgbClr val="00B050"/>
           </a:solidFill>
           <a:ln>
             <a:noFill/>
@@ -3863,13 +3869,13 @@
     <a:masterClrMapping/>
   </p:clrMapOvr>
   <mc:AlternateContent xmlns:mc="http://schemas.openxmlformats.org/markup-compatibility/2006">
-    <mc:Choice xmlns:p14="http://schemas.microsoft.com/office/powerpoint/2010/main" Requires="p14">
+    <mc:Choice xmlns:p14="http://schemas.microsoft.com/office/powerpoint/2010/main" xmlns:dsp="http://schemas.microsoft.com/office/drawing/2008/diagram" xmlns:dgm="http://schemas.openxmlformats.org/drawingml/2006/diagram" xmlns:c="http://schemas.openxmlformats.org/drawingml/2006/chart" xmlns="" Requires="p14">
       <p:transition xmlns:mc="http://schemas.openxmlformats.org/markup-compatibility/2006" xmlns:p14="http://schemas.microsoft.com/office/powerpoint/2010/main" mc:Ignorable="p14" p14:dur="700">
         <p:fade/>
       </p:transition>
     </mc:Choice>
     <mc:Fallback>
-      <p:transition xmlns:mc="http://schemas.openxmlformats.org/markup-compatibility/2006" xmlns:hp="http://schemas.haansoft.com/office/presentation/8.0" mc:Ignorable="hp" hp:hslDur="700">
+      <p:transition>
         <p:fade/>
       </p:transition>
     </mc:Fallback>
@@ -4226,7 +4232,7 @@
       </p:sp>
       <p:grpSp>
         <p:nvGrpSpPr>
-          <p:cNvPr id="22" name=""/>
+          <p:cNvPr id="22" name="그룹 21"/>
           <p:cNvGrpSpPr/>
           <p:nvPr/>
         </p:nvGrpSpPr>
@@ -4497,7 +4503,7 @@
         <p:spPr>
           <a:xfrm>
             <a:off x="4426105" y="3429000"/>
-            <a:ext cx="2780509" cy="574226"/>
+            <a:ext cx="4127002" cy="569595"/>
           </a:xfrm>
           <a:prstGeom prst="rect">
             <a:avLst/>
@@ -4701,16 +4707,17 @@
 </file>
 
 <file path=ppt/slides/slide3.xml><?xml version="1.0" encoding="utf-8"?>
-<p:sld xmlns:r="http://schemas.openxmlformats.org/officeDocument/2006/relationships" xmlns:c="http://schemas.openxmlformats.org/drawingml/2006/chart" xmlns:a="http://schemas.openxmlformats.org/drawingml/2006/main" xmlns:dgm="http://schemas.openxmlformats.org/drawingml/2006/diagram" xmlns:dsp="http://schemas.microsoft.com/office/drawing/2008/diagram" xmlns:p="http://schemas.openxmlformats.org/presentationml/2006/main" showMasterSp="0">
+<p:sld xmlns:a="http://schemas.openxmlformats.org/drawingml/2006/main" xmlns:r="http://schemas.openxmlformats.org/officeDocument/2006/relationships" xmlns:p="http://schemas.openxmlformats.org/presentationml/2006/main" showMasterSp="0">
   <p:cSld>
     <p:bg>
-      <p:bgPr shadeToTitle="0">
+      <p:bgPr>
         <a:solidFill>
           <a:schemeClr val="accent2">
             <a:lumMod val="20000"/>
             <a:lumOff val="80000"/>
           </a:schemeClr>
         </a:solidFill>
+        <a:effectLst/>
       </p:bgPr>
     </p:bg>
     <p:spTree>
@@ -4848,7 +4855,7 @@
             <a:avLst/>
           </a:prstGeom>
           <a:solidFill>
-            <a:srgbClr val="ff0000"/>
+            <a:srgbClr val="FF0000"/>
           </a:solidFill>
           <a:ln>
             <a:noFill/>
@@ -4903,7 +4910,7 @@
             <a:avLst/>
           </a:prstGeom>
           <a:solidFill>
-            <a:srgbClr val="ffc000"/>
+            <a:srgbClr val="FFC000"/>
           </a:solidFill>
           <a:ln>
             <a:noFill/>
@@ -4958,7 +4965,7 @@
             <a:avLst/>
           </a:prstGeom>
           <a:solidFill>
-            <a:srgbClr val="00b050"/>
+            <a:srgbClr val="00B050"/>
           </a:solidFill>
           <a:ln>
             <a:noFill/>
@@ -5088,27 +5095,17 @@
               </a:rPr>
               <a:t>?</a:t>
             </a:r>
-            <a:endParaRPr lang="en-US" altLang="ko-KR" sz="2400" b="1">
-              <a:solidFill>
-                <a:schemeClr val="tx1">
-                  <a:lumMod val="75000"/>
-                  <a:lumOff val="25000"/>
-                </a:schemeClr>
-              </a:solidFill>
-              <a:latin typeface="+mj-ea"/>
-              <a:ea typeface="+mj-ea"/>
-            </a:endParaRPr>
           </a:p>
         </p:txBody>
       </p:sp>
       <p:grpSp>
         <p:nvGrpSpPr>
-          <p:cNvPr id="40" name=""/>
+          <p:cNvPr id="40" name="그룹 39"/>
           <p:cNvGrpSpPr/>
           <p:nvPr/>
         </p:nvGrpSpPr>
         <p:grpSpPr>
-          <a:xfrm rot="0">
+          <a:xfrm>
             <a:off x="1451012" y="1960537"/>
             <a:ext cx="9289976" cy="3807604"/>
             <a:chOff x="1451012" y="1960537"/>
@@ -5400,21 +5397,12 @@
                 </a:rPr>
                 <a:t>.</a:t>
               </a:r>
-              <a:endParaRPr lang="en-US" altLang="ko-KR" sz="1400" b="0" spc="-50">
-                <a:solidFill>
-                  <a:schemeClr val="tx1">
-                    <a:lumMod val="75000"/>
-                    <a:lumOff val="25000"/>
-                  </a:schemeClr>
-                </a:solidFill>
-                <a:latin typeface="+mn-ea"/>
-              </a:endParaRPr>
             </a:p>
           </p:txBody>
         </p:sp>
         <p:pic>
           <p:nvPicPr>
-            <p:cNvPr id="38" name=""/>
+            <p:cNvPr id="38" name="그림 37"/>
             <p:cNvPicPr>
               <a:picLocks noChangeAspect="1"/>
             </p:cNvPicPr>
@@ -5443,13 +5431,13 @@
     <a:masterClrMapping/>
   </p:clrMapOvr>
   <mc:AlternateContent xmlns:mc="http://schemas.openxmlformats.org/markup-compatibility/2006">
-    <mc:Choice xmlns:p14="http://schemas.microsoft.com/office/powerpoint/2010/main" Requires="p14">
+    <mc:Choice xmlns:p14="http://schemas.microsoft.com/office/powerpoint/2010/main" xmlns:dsp="http://schemas.microsoft.com/office/drawing/2008/diagram" xmlns:dgm="http://schemas.openxmlformats.org/drawingml/2006/diagram" xmlns:c="http://schemas.openxmlformats.org/drawingml/2006/chart" xmlns="" Requires="p14">
       <p:transition xmlns:mc="http://schemas.openxmlformats.org/markup-compatibility/2006" xmlns:p14="http://schemas.microsoft.com/office/powerpoint/2010/main" mc:Ignorable="p14" p14:dur="700">
         <p:fade/>
       </p:transition>
     </mc:Choice>
     <mc:Fallback>
-      <p:transition xmlns:mc="http://schemas.openxmlformats.org/markup-compatibility/2006" xmlns:hp="http://schemas.haansoft.com/office/presentation/8.0" mc:Ignorable="hp" hp:hslDur="700">
+      <p:transition>
         <p:fade/>
       </p:transition>
     </mc:Fallback>
@@ -5458,16 +5446,17 @@
 </file>
 
 <file path=ppt/slides/slide4.xml><?xml version="1.0" encoding="utf-8"?>
-<p:sld xmlns:r="http://schemas.openxmlformats.org/officeDocument/2006/relationships" xmlns:c="http://schemas.openxmlformats.org/drawingml/2006/chart" xmlns:a="http://schemas.openxmlformats.org/drawingml/2006/main" xmlns:dgm="http://schemas.openxmlformats.org/drawingml/2006/diagram" xmlns:dsp="http://schemas.microsoft.com/office/drawing/2008/diagram" xmlns:p="http://schemas.openxmlformats.org/presentationml/2006/main" showMasterSp="0">
+<p:sld xmlns:a="http://schemas.openxmlformats.org/drawingml/2006/main" xmlns:r="http://schemas.openxmlformats.org/officeDocument/2006/relationships" xmlns:p="http://schemas.openxmlformats.org/presentationml/2006/main" showMasterSp="0">
   <p:cSld>
     <p:bg>
-      <p:bgPr shadeToTitle="0">
+      <p:bgPr>
         <a:solidFill>
           <a:schemeClr val="accent2">
             <a:lumMod val="20000"/>
             <a:lumOff val="80000"/>
           </a:schemeClr>
         </a:solidFill>
+        <a:effectLst/>
       </p:bgPr>
     </p:bg>
     <p:spTree>
@@ -5603,7 +5592,7 @@
             <a:avLst/>
           </a:prstGeom>
           <a:solidFill>
-            <a:srgbClr val="ff0000"/>
+            <a:srgbClr val="FF0000"/>
           </a:solidFill>
           <a:ln>
             <a:noFill/>
@@ -5658,7 +5647,7 @@
             <a:avLst/>
           </a:prstGeom>
           <a:solidFill>
-            <a:srgbClr val="ffc000"/>
+            <a:srgbClr val="FFC000"/>
           </a:solidFill>
           <a:ln>
             <a:noFill/>
@@ -5713,7 +5702,7 @@
             <a:avLst/>
           </a:prstGeom>
           <a:solidFill>
-            <a:srgbClr val="00b050"/>
+            <a:srgbClr val="00B050"/>
           </a:solidFill>
           <a:ln>
             <a:noFill/>
@@ -5830,16 +5819,6 @@
               </a:rPr>
               <a:t> 파일 형식</a:t>
             </a:r>
-            <a:endParaRPr lang="ko-KR" altLang="en-US" sz="2400" b="1">
-              <a:solidFill>
-                <a:schemeClr val="tx1">
-                  <a:lumMod val="75000"/>
-                  <a:lumOff val="25000"/>
-                </a:schemeClr>
-              </a:solidFill>
-              <a:latin typeface="+mj-ea"/>
-              <a:ea typeface="+mj-ea"/>
-            </a:endParaRPr>
           </a:p>
         </p:txBody>
       </p:sp>
@@ -5853,7 +5832,7 @@
         </p:nvGraphicFramePr>
         <p:xfrm>
           <a:off x="1132537" y="1907475"/>
-          <a:ext cx="9934824" cy="3846489"/>
+          <a:ext cx="9934823" cy="3846489"/>
         </p:xfrm>
         <a:graphic>
           <a:graphicData uri="http://schemas.openxmlformats.org/drawingml/2006/table">
@@ -5868,7 +5847,8 @@
               <a:tr h="658766">
                 <a:tc>
                   <a:txBody>
-                    <a:bodyPr vert="horz" lIns="95655" tIns="47827" rIns="95655" bIns="47827" anchor="ctr" anchorCtr="0"/>
+                    <a:bodyPr/>
+                    <a:lstStyle/>
                     <a:p>
                       <a:pPr algn="ctr" latinLnBrk="1">
                         <a:defRPr/>
@@ -5883,13 +5863,6 @@
                         </a:rPr>
                         <a:t>부분</a:t>
                       </a:r>
-                      <a:endParaRPr lang="ko-KR" altLang="en-US" sz="2000" b="0" spc="-300">
-                        <a:solidFill>
-                          <a:schemeClr val="bg1"/>
-                        </a:solidFill>
-                        <a:latin typeface="+mj-ea"/>
-                        <a:ea typeface="+mj-ea"/>
-                      </a:endParaRPr>
                     </a:p>
                   </a:txBody>
                   <a:tcPr marL="95655" marR="95655" marT="47827" marB="47827" anchor="ctr">
@@ -5905,7 +5878,7 @@
                     </a:lnR>
                     <a:lnT w="12700" cap="flat" cmpd="sng" algn="ctr">
                       <a:solidFill>
-                        <a:srgbClr val="a6a6a6"/>
+                        <a:srgbClr val="A6A6A6"/>
                       </a:solidFill>
                       <a:prstDash val="solid"/>
                       <a:round/>
@@ -5927,7 +5900,8 @@
                 </a:tc>
                 <a:tc>
                   <a:txBody>
-                    <a:bodyPr vert="horz" lIns="95655" tIns="47827" rIns="95655" bIns="47827" anchor="ctr" anchorCtr="0"/>
+                    <a:bodyPr/>
+                    <a:lstStyle/>
                     <a:p>
                       <a:pPr marL="0" marR="0" lvl="0" indent="0" algn="ctr" defTabSz="914400" rtl="0" eaLnBrk="1" latinLnBrk="1" hangingPunct="1">
                         <a:lnSpc>
@@ -5954,13 +5928,6 @@
                         </a:rPr>
                         <a:t>설명</a:t>
                       </a:r>
-                      <a:endParaRPr lang="ko-KR" altLang="en-US" sz="2000" b="0" spc="-300">
-                        <a:solidFill>
-                          <a:schemeClr val="bg1"/>
-                        </a:solidFill>
-                        <a:latin typeface="+mj-ea"/>
-                        <a:ea typeface="+mj-ea"/>
-                      </a:endParaRPr>
                     </a:p>
                   </a:txBody>
                   <a:tcPr marL="95655" marR="95655" marT="47827" marB="47827" anchor="ctr">
@@ -5981,7 +5948,7 @@
                     </a:lnR>
                     <a:lnT w="12700" cap="flat" cmpd="sng" algn="ctr">
                       <a:solidFill>
-                        <a:srgbClr val="a6a6a6"/>
+                        <a:srgbClr val="A6A6A6"/>
                       </a:solidFill>
                       <a:prstDash val="solid"/>
                       <a:round/>
@@ -6005,7 +5972,8 @@
               <a:tr h="1092734">
                 <a:tc>
                   <a:txBody>
-                    <a:bodyPr vert="horz" lIns="95655" tIns="47827" rIns="95655" bIns="47827" anchor="ctr" anchorCtr="0"/>
+                    <a:bodyPr/>
+                    <a:lstStyle/>
                     <a:p>
                       <a:pPr algn="ctr" latinLnBrk="1">
                         <a:defRPr/>
@@ -6013,20 +5981,13 @@
                       <a:r>
                         <a:rPr lang="ko-KR" altLang="en-US" sz="2000" b="0" spc="-150">
                           <a:solidFill>
-                            <a:srgbClr val="40474d"/>
+                            <a:srgbClr val="40474D"/>
                           </a:solidFill>
                           <a:latin typeface="+mn-ea"/>
                           <a:ea typeface="+mn-ea"/>
                         </a:rPr>
                         <a:t>파일 헤더</a:t>
                       </a:r>
-                      <a:endParaRPr lang="ko-KR" altLang="en-US" sz="2000" b="0" spc="-150">
-                        <a:solidFill>
-                          <a:srgbClr val="40474d"/>
-                        </a:solidFill>
-                        <a:latin typeface="+mn-ea"/>
-                        <a:ea typeface="+mn-ea"/>
-                      </a:endParaRPr>
                     </a:p>
                   </a:txBody>
                   <a:tcPr marL="95655" marR="95655" marT="47827" marB="47827" anchor="ctr">
@@ -6067,7 +6028,8 @@
                 </a:tc>
                 <a:tc>
                   <a:txBody>
-                    <a:bodyPr vert="horz" lIns="95655" tIns="47827" rIns="95655" bIns="47827" anchor="ctr" anchorCtr="0"/>
+                    <a:bodyPr/>
+                    <a:lstStyle/>
                     <a:p>
                       <a:pPr latinLnBrk="1">
                         <a:defRPr/>
@@ -6075,7 +6037,7 @@
                       <a:r>
                         <a:rPr lang="ko-KR" altLang="en-US" sz="2000" b="0" spc="-150">
                           <a:solidFill>
-                            <a:srgbClr val="40474d"/>
+                            <a:srgbClr val="40474D"/>
                           </a:solidFill>
                           <a:latin typeface="+mn-ea"/>
                           <a:ea typeface="+mn-ea"/>
@@ -6085,7 +6047,7 @@
                       <a:r>
                         <a:rPr lang="en-US" altLang="ko-KR" sz="2000" b="0" spc="-150">
                           <a:solidFill>
-                            <a:srgbClr val="40474d"/>
+                            <a:srgbClr val="40474D"/>
                           </a:solidFill>
                           <a:latin typeface="+mn-ea"/>
                           <a:ea typeface="+mn-ea"/>
@@ -6095,7 +6057,7 @@
                       <a:r>
                         <a:rPr lang="ko-KR" altLang="en-US" sz="2000" b="0" spc="-150">
                           <a:solidFill>
-                            <a:srgbClr val="40474d"/>
+                            <a:srgbClr val="40474D"/>
                           </a:solidFill>
                           <a:latin typeface="+mn-ea"/>
                           <a:ea typeface="+mn-ea"/>
@@ -6105,7 +6067,7 @@
                       <a:r>
                         <a:rPr lang="en-US" altLang="ko-KR" sz="2000" b="0" spc="-150">
                           <a:solidFill>
-                            <a:srgbClr val="40474d"/>
+                            <a:srgbClr val="40474D"/>
                           </a:solidFill>
                           <a:latin typeface="+mn-ea"/>
                           <a:ea typeface="+mn-ea"/>
@@ -6115,7 +6077,7 @@
                       <a:r>
                         <a:rPr lang="ko-KR" altLang="en-US" sz="2000" b="0" spc="-150">
                           <a:solidFill>
-                            <a:srgbClr val="40474d"/>
+                            <a:srgbClr val="40474D"/>
                           </a:solidFill>
                           <a:latin typeface="+mn-ea"/>
                           <a:ea typeface="+mn-ea"/>
@@ -6125,7 +6087,7 @@
                       <a:r>
                         <a:rPr lang="en-US" altLang="ko-KR" sz="2000" b="0" spc="-150">
                           <a:solidFill>
-                            <a:srgbClr val="40474d"/>
+                            <a:srgbClr val="40474D"/>
                           </a:solidFill>
                           <a:latin typeface="+mn-ea"/>
                           <a:ea typeface="+mn-ea"/>
@@ -6135,7 +6097,7 @@
                       <a:r>
                         <a:rPr lang="ko-KR" altLang="en-US" sz="2000" b="0" spc="-150">
                           <a:solidFill>
-                            <a:srgbClr val="40474d"/>
+                            <a:srgbClr val="40474D"/>
                           </a:solidFill>
                           <a:latin typeface="+mn-ea"/>
                           <a:ea typeface="+mn-ea"/>
@@ -6145,7 +6107,7 @@
                       <a:r>
                         <a:rPr lang="en-US" altLang="ko-KR" sz="2000" b="0" spc="-150">
                           <a:solidFill>
-                            <a:srgbClr val="40474d"/>
+                            <a:srgbClr val="40474D"/>
                           </a:solidFill>
                           <a:latin typeface="+mn-ea"/>
                           <a:ea typeface="+mn-ea"/>
@@ -6155,7 +6117,7 @@
                       <a:r>
                         <a:rPr lang="ko-KR" altLang="en-US" sz="2000" b="0" spc="-150">
                           <a:solidFill>
-                            <a:srgbClr val="40474d"/>
+                            <a:srgbClr val="40474D"/>
                           </a:solidFill>
                           <a:latin typeface="+mn-ea"/>
                           <a:ea typeface="+mn-ea"/>
@@ -6165,7 +6127,7 @@
                       <a:r>
                         <a:rPr lang="en-US" altLang="ko-KR" sz="2000" b="0" spc="-150">
                           <a:solidFill>
-                            <a:srgbClr val="40474d"/>
+                            <a:srgbClr val="40474D"/>
                           </a:solidFill>
                           <a:latin typeface="+mn-ea"/>
                           <a:ea typeface="+mn-ea"/>
@@ -6175,7 +6137,7 @@
                       <a:r>
                         <a:rPr lang="ko-KR" altLang="en-US" sz="2000" b="0" spc="-150">
                           <a:solidFill>
-                            <a:srgbClr val="40474d"/>
+                            <a:srgbClr val="40474D"/>
                           </a:solidFill>
                           <a:latin typeface="+mn-ea"/>
                           <a:ea typeface="+mn-ea"/>
@@ -6184,7 +6146,7 @@
                       </a:r>
                       <a:endParaRPr lang="en-US" altLang="ko-KR" sz="2000" b="0" spc="-150">
                         <a:solidFill>
-                          <a:srgbClr val="40474d"/>
+                          <a:srgbClr val="40474D"/>
                         </a:solidFill>
                         <a:latin typeface="+mn-ea"/>
                         <a:ea typeface="+mn-ea"/>
@@ -6236,7 +6198,8 @@
               <a:tr h="1092734">
                 <a:tc>
                   <a:txBody>
-                    <a:bodyPr vert="horz" lIns="95655" tIns="47827" rIns="95655" bIns="47827" anchor="ctr" anchorCtr="0"/>
+                    <a:bodyPr/>
+                    <a:lstStyle/>
                     <a:p>
                       <a:pPr algn="ctr" latinLnBrk="1">
                         <a:defRPr/>
@@ -6244,7 +6207,7 @@
                       <a:r>
                         <a:rPr lang="en-US" altLang="ko-KR" sz="2000" b="0" spc="-150">
                           <a:solidFill>
-                            <a:srgbClr val="40474d"/>
+                            <a:srgbClr val="40474D"/>
                           </a:solidFill>
                           <a:latin typeface="+mn-ea"/>
                           <a:ea typeface="+mn-ea"/>
@@ -6254,7 +6217,7 @@
                       <a:r>
                         <a:rPr lang="ko-KR" altLang="en-US" sz="2000" b="0" spc="-150">
                           <a:solidFill>
-                            <a:srgbClr val="40474d"/>
+                            <a:srgbClr val="40474D"/>
                           </a:solidFill>
                           <a:latin typeface="+mn-ea"/>
                           <a:ea typeface="+mn-ea"/>
@@ -6264,20 +6227,13 @@
                       <a:r>
                         <a:rPr lang="en-US" altLang="ko-KR" sz="2000" b="0" spc="-150">
                           <a:solidFill>
-                            <a:srgbClr val="40474d"/>
+                            <a:srgbClr val="40474D"/>
                           </a:solidFill>
                           <a:latin typeface="+mn-ea"/>
                           <a:ea typeface="+mn-ea"/>
                         </a:rPr>
                         <a:t>)</a:t>
                       </a:r>
-                      <a:endParaRPr lang="en-US" altLang="ko-KR" sz="2000" b="0" spc="-150">
-                        <a:solidFill>
-                          <a:srgbClr val="40474d"/>
-                        </a:solidFill>
-                        <a:latin typeface="+mn-ea"/>
-                        <a:ea typeface="+mn-ea"/>
-                      </a:endParaRPr>
                     </a:p>
                   </a:txBody>
                   <a:tcPr marL="95655" marR="95655" marT="47827" marB="47827" anchor="ctr">
@@ -6318,7 +6274,8 @@
                 </a:tc>
                 <a:tc>
                   <a:txBody>
-                    <a:bodyPr vert="horz" lIns="95655" tIns="47827" rIns="95655" bIns="47827" anchor="ctr" anchorCtr="0"/>
+                    <a:bodyPr/>
+                    <a:lstStyle/>
                     <a:p>
                       <a:pPr latinLnBrk="1">
                         <a:defRPr/>
@@ -6326,7 +6283,7 @@
                       <a:r>
                         <a:rPr lang="en-US" altLang="ko-KR" sz="2000" b="0" spc="-150">
                           <a:solidFill>
-                            <a:srgbClr val="40474d"/>
+                            <a:srgbClr val="40474D"/>
                           </a:solidFill>
                           <a:latin typeface="+mn-ea"/>
                           <a:ea typeface="+mn-ea"/>
@@ -6336,7 +6293,7 @@
                       <a:r>
                         <a:rPr lang="ko-KR" altLang="en-US" sz="2000" b="0" spc="-150">
                           <a:solidFill>
-                            <a:srgbClr val="40474d"/>
+                            <a:srgbClr val="40474D"/>
                           </a:solidFill>
                           <a:latin typeface="+mn-ea"/>
                           <a:ea typeface="+mn-ea"/>
@@ -6346,7 +6303,7 @@
                       <a:r>
                         <a:rPr lang="en-US" altLang="ko-KR" sz="2000" b="0" spc="-150">
                           <a:solidFill>
-                            <a:srgbClr val="40474d"/>
+                            <a:srgbClr val="40474D"/>
                           </a:solidFill>
                           <a:latin typeface="+mn-ea"/>
                           <a:ea typeface="+mn-ea"/>
@@ -6356,7 +6313,7 @@
                       <a:r>
                         <a:rPr lang="ko-KR" altLang="en-US" sz="2000" b="0" spc="-150">
                           <a:solidFill>
-                            <a:srgbClr val="40474d"/>
+                            <a:srgbClr val="40474D"/>
                           </a:solidFill>
                           <a:latin typeface="+mn-ea"/>
                           <a:ea typeface="+mn-ea"/>
@@ -6366,7 +6323,7 @@
                       <a:r>
                         <a:rPr lang="en-US" altLang="ko-KR" sz="2000" b="0" spc="-150">
                           <a:solidFill>
-                            <a:srgbClr val="40474d"/>
+                            <a:srgbClr val="40474D"/>
                           </a:solidFill>
                           <a:latin typeface="+mn-ea"/>
                           <a:ea typeface="+mn-ea"/>
@@ -6376,7 +6333,7 @@
                       <a:r>
                         <a:rPr lang="ko-KR" altLang="en-US" sz="2000" b="0" spc="-150">
                           <a:solidFill>
-                            <a:srgbClr val="40474d"/>
+                            <a:srgbClr val="40474D"/>
                           </a:solidFill>
                           <a:latin typeface="+mn-ea"/>
                           <a:ea typeface="+mn-ea"/>
@@ -6386,7 +6343,7 @@
                       <a:r>
                         <a:rPr lang="en-US" altLang="ko-KR" sz="2000" b="0" spc="-150">
                           <a:solidFill>
-                            <a:srgbClr val="40474d"/>
+                            <a:srgbClr val="40474D"/>
                           </a:solidFill>
                           <a:latin typeface="+mn-ea"/>
                           <a:ea typeface="+mn-ea"/>
@@ -6396,7 +6353,7 @@
                       <a:r>
                         <a:rPr lang="ko-KR" altLang="en-US" sz="2000" b="0" spc="-150">
                           <a:solidFill>
-                            <a:srgbClr val="40474d"/>
+                            <a:srgbClr val="40474D"/>
                           </a:solidFill>
                           <a:latin typeface="+mn-ea"/>
                           <a:ea typeface="+mn-ea"/>
@@ -6405,7 +6362,7 @@
                       </a:r>
                       <a:endParaRPr lang="en-US" altLang="ko-KR" sz="2000" b="0" spc="-150">
                         <a:solidFill>
-                          <a:srgbClr val="40474d"/>
+                          <a:srgbClr val="40474D"/>
                         </a:solidFill>
                         <a:latin typeface="+mn-ea"/>
                         <a:ea typeface="+mn-ea"/>
@@ -6457,7 +6414,8 @@
               <a:tr h="1002255">
                 <a:tc>
                   <a:txBody>
-                    <a:bodyPr vert="horz" lIns="95655" tIns="47827" rIns="95655" bIns="47827" anchor="ctr" anchorCtr="0"/>
+                    <a:bodyPr/>
+                    <a:lstStyle/>
                     <a:p>
                       <a:pPr algn="ctr" latinLnBrk="1">
                         <a:defRPr/>
@@ -6465,20 +6423,13 @@
                       <a:r>
                         <a:rPr lang="ko-KR" altLang="en-US" sz="2000" b="0" spc="-150">
                           <a:solidFill>
-                            <a:srgbClr val="40474d"/>
+                            <a:srgbClr val="40474D"/>
                           </a:solidFill>
                           <a:latin typeface="+mn-ea"/>
                           <a:ea typeface="+mn-ea"/>
                         </a:rPr>
                         <a:t>포인트 데이터 기록</a:t>
                       </a:r>
-                      <a:endParaRPr lang="ko-KR" altLang="en-US" sz="2000" b="0" spc="-150">
-                        <a:solidFill>
-                          <a:srgbClr val="40474d"/>
-                        </a:solidFill>
-                        <a:latin typeface="+mn-ea"/>
-                        <a:ea typeface="+mn-ea"/>
-                      </a:endParaRPr>
                     </a:p>
                   </a:txBody>
                   <a:tcPr marL="95655" marR="95655" marT="47827" marB="47827" anchor="ctr">
@@ -6519,7 +6470,8 @@
                 </a:tc>
                 <a:tc>
                   <a:txBody>
-                    <a:bodyPr vert="horz" lIns="95655" tIns="47827" rIns="95655" bIns="47827" anchor="ctr" anchorCtr="0"/>
+                    <a:bodyPr/>
+                    <a:lstStyle/>
                     <a:p>
                       <a:pPr latinLnBrk="1">
                         <a:defRPr/>
@@ -6527,7 +6479,7 @@
                       <a:r>
                         <a:rPr lang="ko-KR" altLang="en-US" sz="2000" b="0" spc="-150">
                           <a:solidFill>
-                            <a:srgbClr val="40474d"/>
+                            <a:srgbClr val="40474D"/>
                           </a:solidFill>
                           <a:latin typeface="+mn-ea"/>
                           <a:ea typeface="+mn-ea"/>
@@ -6537,7 +6489,7 @@
                       <a:r>
                         <a:rPr lang="en-US" altLang="ko-KR" sz="2000" b="0" spc="-150">
                           <a:solidFill>
-                            <a:srgbClr val="40474d"/>
+                            <a:srgbClr val="40474D"/>
                           </a:solidFill>
                           <a:latin typeface="+mn-ea"/>
                           <a:ea typeface="+mn-ea"/>
@@ -6547,7 +6499,7 @@
                       <a:r>
                         <a:rPr lang="ko-KR" altLang="en-US" sz="2000" b="0" spc="-150">
                           <a:solidFill>
-                            <a:srgbClr val="40474d"/>
+                            <a:srgbClr val="40474D"/>
                           </a:solidFill>
                           <a:latin typeface="+mn-ea"/>
                           <a:ea typeface="+mn-ea"/>
@@ -6557,7 +6509,7 @@
                       <a:r>
                         <a:rPr lang="en-US" altLang="ko-KR" sz="2000" b="0" spc="-150">
                           <a:solidFill>
-                            <a:srgbClr val="40474d"/>
+                            <a:srgbClr val="40474D"/>
                           </a:solidFill>
                           <a:latin typeface="+mn-ea"/>
                           <a:ea typeface="+mn-ea"/>
@@ -6567,20 +6519,13 @@
                       <a:r>
                         <a:rPr lang="ko-KR" altLang="en-US" sz="2000" b="0" spc="-150">
                           <a:solidFill>
-                            <a:srgbClr val="40474d"/>
+                            <a:srgbClr val="40474D"/>
                           </a:solidFill>
                           <a:latin typeface="+mn-ea"/>
                           <a:ea typeface="+mn-ea"/>
                         </a:rPr>
                         <a:t> 비행 및 스캔 데이터 등을 포함하여 포인트 클라우드의 각 개별 포인트에 대한 데이터이다</a:t>
                       </a:r>
-                      <a:endParaRPr lang="ko-KR" altLang="en-US" sz="2000" b="0" spc="-150">
-                        <a:solidFill>
-                          <a:srgbClr val="40474d"/>
-                        </a:solidFill>
-                        <a:latin typeface="+mn-ea"/>
-                        <a:ea typeface="+mn-ea"/>
-                      </a:endParaRPr>
                     </a:p>
                   </a:txBody>
                   <a:tcPr marL="95655" marR="95655" marT="47827" marB="47827" anchor="ctr">
@@ -6635,13 +6580,13 @@
     <a:masterClrMapping/>
   </p:clrMapOvr>
   <mc:AlternateContent xmlns:mc="http://schemas.openxmlformats.org/markup-compatibility/2006">
-    <mc:Choice xmlns:p14="http://schemas.microsoft.com/office/powerpoint/2010/main" Requires="p14">
+    <mc:Choice xmlns:p14="http://schemas.microsoft.com/office/powerpoint/2010/main" xmlns:dsp="http://schemas.microsoft.com/office/drawing/2008/diagram" xmlns:dgm="http://schemas.openxmlformats.org/drawingml/2006/diagram" xmlns:c="http://schemas.openxmlformats.org/drawingml/2006/chart" xmlns="" Requires="p14">
       <p:transition xmlns:mc="http://schemas.openxmlformats.org/markup-compatibility/2006" xmlns:p14="http://schemas.microsoft.com/office/powerpoint/2010/main" mc:Ignorable="p14" p14:dur="700">
         <p:fade/>
       </p:transition>
     </mc:Choice>
     <mc:Fallback>
-      <p:transition xmlns:mc="http://schemas.openxmlformats.org/markup-compatibility/2006" xmlns:hp="http://schemas.haansoft.com/office/presentation/8.0" mc:Ignorable="hp" hp:hslDur="700">
+      <p:transition>
         <p:fade/>
       </p:transition>
     </mc:Fallback>
@@ -6650,16 +6595,17 @@
 </file>
 
 <file path=ppt/slides/slide5.xml><?xml version="1.0" encoding="utf-8"?>
-<p:sld xmlns:r="http://schemas.openxmlformats.org/officeDocument/2006/relationships" xmlns:c="http://schemas.openxmlformats.org/drawingml/2006/chart" xmlns:a="http://schemas.openxmlformats.org/drawingml/2006/main" xmlns:dgm="http://schemas.openxmlformats.org/drawingml/2006/diagram" xmlns:dsp="http://schemas.microsoft.com/office/drawing/2008/diagram" xmlns:p="http://schemas.openxmlformats.org/presentationml/2006/main" showMasterSp="0">
+<p:sld xmlns:a="http://schemas.openxmlformats.org/drawingml/2006/main" xmlns:r="http://schemas.openxmlformats.org/officeDocument/2006/relationships" xmlns:p="http://schemas.openxmlformats.org/presentationml/2006/main" showMasterSp="0">
   <p:cSld>
     <p:bg>
-      <p:bgPr shadeToTitle="0">
+      <p:bgPr>
         <a:solidFill>
           <a:schemeClr val="accent2">
             <a:lumMod val="20000"/>
             <a:lumOff val="80000"/>
           </a:schemeClr>
         </a:solidFill>
+        <a:effectLst/>
       </p:bgPr>
     </p:bg>
     <p:spTree>
@@ -6795,7 +6741,7 @@
             <a:avLst/>
           </a:prstGeom>
           <a:solidFill>
-            <a:srgbClr val="ff0000"/>
+            <a:srgbClr val="FF0000"/>
           </a:solidFill>
           <a:ln>
             <a:noFill/>
@@ -6850,7 +6796,7 @@
             <a:avLst/>
           </a:prstGeom>
           <a:solidFill>
-            <a:srgbClr val="ffc000"/>
+            <a:srgbClr val="FFC000"/>
           </a:solidFill>
           <a:ln>
             <a:noFill/>
@@ -6905,7 +6851,7 @@
             <a:avLst/>
           </a:prstGeom>
           <a:solidFill>
-            <a:srgbClr val="00b050"/>
+            <a:srgbClr val="00B050"/>
           </a:solidFill>
           <a:ln>
             <a:noFill/>
@@ -7022,16 +6968,6 @@
               </a:rPr>
               <a:t> 파일 형식</a:t>
             </a:r>
-            <a:endParaRPr lang="ko-KR" altLang="en-US" sz="2400" b="1">
-              <a:solidFill>
-                <a:schemeClr val="tx1">
-                  <a:lumMod val="75000"/>
-                  <a:lumOff val="25000"/>
-                </a:schemeClr>
-              </a:solidFill>
-              <a:latin typeface="+mj-ea"/>
-              <a:ea typeface="+mj-ea"/>
-            </a:endParaRPr>
           </a:p>
         </p:txBody>
       </p:sp>
@@ -7045,7 +6981,7 @@
         </p:nvGraphicFramePr>
         <p:xfrm>
           <a:off x="945473" y="1749413"/>
-          <a:ext cx="3182160" cy="4320772"/>
+          <a:ext cx="3182160" cy="4318867"/>
         </p:xfrm>
         <a:graphic>
           <a:graphicData uri="http://schemas.openxmlformats.org/drawingml/2006/table">
@@ -7060,7 +6996,8 @@
               <a:tr h="358753">
                 <a:tc gridSpan="2">
                   <a:txBody>
-                    <a:bodyPr vert="horz" lIns="95655" tIns="47827" rIns="95655" bIns="47827" anchor="ctr" anchorCtr="0"/>
+                    <a:bodyPr/>
+                    <a:lstStyle/>
                     <a:p>
                       <a:pPr algn="ctr" latinLnBrk="1">
                         <a:defRPr/>
@@ -7075,40 +7012,33 @@
                         </a:rPr>
                         <a:t>Header</a:t>
                       </a:r>
-                      <a:endParaRPr lang="en-US" altLang="ko-KR" b="0" spc="0">
-                        <a:solidFill>
-                          <a:schemeClr val="bg1"/>
-                        </a:solidFill>
-                        <a:latin typeface="+mj-ea"/>
-                        <a:ea typeface="+mj-ea"/>
-                      </a:endParaRPr>
                     </a:p>
                   </a:txBody>
                   <a:tcPr marL="95655" marR="95655" marT="47827" marB="47827" anchor="ctr">
                     <a:lnL w="12700" cap="flat" cmpd="sng" algn="ctr">
                       <a:solidFill>
-                        <a:srgbClr val="a6a6a6"/>
+                        <a:srgbClr val="A6A6A6"/>
                       </a:solidFill>
                       <a:prstDash val="solid"/>
                       <a:round/>
                     </a:lnL>
                     <a:lnR w="12700" cap="flat" cmpd="sng" algn="ctr">
                       <a:solidFill>
-                        <a:srgbClr val="a6a6a6"/>
+                        <a:srgbClr val="A6A6A6"/>
                       </a:solidFill>
                       <a:prstDash val="solid"/>
                       <a:round/>
                     </a:lnR>
                     <a:lnT w="12700" cap="flat" cmpd="sng" algn="ctr">
                       <a:solidFill>
-                        <a:srgbClr val="a6a6a6"/>
+                        <a:srgbClr val="A6A6A6"/>
                       </a:solidFill>
                       <a:prstDash val="solid"/>
                       <a:round/>
                     </a:lnT>
                     <a:lnB w="12700" cap="flat" cmpd="sng" algn="ctr">
                       <a:solidFill>
-                        <a:srgbClr val="a6a6a6"/>
+                        <a:srgbClr val="A6A6A6"/>
                       </a:solidFill>
                       <a:prstDash val="solid"/>
                       <a:round/>
@@ -7120,7 +7050,8 @@
                 </a:tc>
                 <a:tc hMerge="1">
                   <a:txBody>
-                    <a:bodyPr vert="horz" lIns="95655" tIns="47827" rIns="95655" bIns="47827" anchor="ctr" anchorCtr="0"/>
+                    <a:bodyPr/>
+                    <a:lstStyle/>
                     <a:p>
                       <a:pPr>
                         <a:defRPr/>
@@ -7173,7 +7104,8 @@
               <a:tr h="380406">
                 <a:tc>
                   <a:txBody>
-                    <a:bodyPr vert="horz" lIns="95655" tIns="47827" rIns="95655" bIns="47827" anchor="ctr" anchorCtr="0"/>
+                    <a:bodyPr/>
+                    <a:lstStyle/>
                     <a:p>
                       <a:pPr algn="ctr" latinLnBrk="1">
                         <a:defRPr/>
@@ -7188,40 +7120,33 @@
                         </a:rPr>
                         <a:t>필드 이름</a:t>
                       </a:r>
-                      <a:endParaRPr lang="ko-KR" altLang="en-US" sz="1200" b="0" spc="-300">
-                        <a:solidFill>
-                          <a:schemeClr val="bg1"/>
-                        </a:solidFill>
-                        <a:latin typeface="+mj-ea"/>
-                        <a:ea typeface="+mj-ea"/>
-                      </a:endParaRPr>
                     </a:p>
                   </a:txBody>
                   <a:tcPr marL="95655" marR="95655" marT="47827" marB="47827" anchor="ctr">
                     <a:lnL w="12700" cap="flat" cmpd="sng" algn="ctr">
                       <a:solidFill>
-                        <a:srgbClr val="a6a6a6"/>
+                        <a:srgbClr val="A6A6A6"/>
                       </a:solidFill>
                       <a:prstDash val="solid"/>
                       <a:round/>
                     </a:lnL>
                     <a:lnR w="12700" cap="flat" cmpd="sng" algn="ctr">
                       <a:solidFill>
-                        <a:srgbClr val="a6a6a6"/>
+                        <a:srgbClr val="A6A6A6"/>
                       </a:solidFill>
                       <a:prstDash val="solid"/>
                       <a:round/>
                     </a:lnR>
                     <a:lnT w="12700" cap="flat" cmpd="sng" algn="ctr">
                       <a:solidFill>
-                        <a:srgbClr val="a6a6a6"/>
+                        <a:srgbClr val="A6A6A6"/>
                       </a:solidFill>
                       <a:prstDash val="solid"/>
                       <a:round/>
                     </a:lnT>
                     <a:lnB w="12700" cap="flat" cmpd="sng" algn="ctr">
                       <a:solidFill>
-                        <a:srgbClr val="a6a6a6"/>
+                        <a:srgbClr val="A6A6A6"/>
                       </a:solidFill>
                       <a:prstDash val="solid"/>
                       <a:round/>
@@ -7233,7 +7158,8 @@
                 </a:tc>
                 <a:tc>
                   <a:txBody>
-                    <a:bodyPr vert="horz" lIns="95655" tIns="47827" rIns="95655" bIns="47827" anchor="ctr" anchorCtr="0"/>
+                    <a:bodyPr/>
+                    <a:lstStyle/>
                     <a:p>
                       <a:pPr marL="0" marR="0" lvl="0" indent="0" algn="ctr" defTabSz="914400" rtl="0" eaLnBrk="1" latinLnBrk="1" hangingPunct="1">
                         <a:lnSpc>
@@ -7260,40 +7186,33 @@
                         </a:rPr>
                         <a:t>설명</a:t>
                       </a:r>
-                      <a:endParaRPr lang="ko-KR" altLang="en-US" sz="1200" b="0" spc="-300">
-                        <a:solidFill>
-                          <a:schemeClr val="bg1"/>
-                        </a:solidFill>
-                        <a:latin typeface="+mj-ea"/>
-                        <a:ea typeface="+mj-ea"/>
-                      </a:endParaRPr>
                     </a:p>
                   </a:txBody>
                   <a:tcPr marL="95655" marR="95655" marT="47827" marB="47827" anchor="ctr">
                     <a:lnL w="12700" cap="flat" cmpd="sng" algn="ctr">
                       <a:solidFill>
-                        <a:srgbClr val="a6a6a6"/>
+                        <a:srgbClr val="A6A6A6"/>
                       </a:solidFill>
                       <a:prstDash val="solid"/>
                       <a:round/>
                     </a:lnL>
                     <a:lnR w="12700" cap="flat" cmpd="sng" algn="ctr">
                       <a:solidFill>
-                        <a:srgbClr val="a6a6a6"/>
+                        <a:srgbClr val="A6A6A6"/>
                       </a:solidFill>
                       <a:prstDash val="solid"/>
                       <a:round/>
                     </a:lnR>
                     <a:lnT w="12700" cap="flat" cmpd="sng" algn="ctr">
                       <a:solidFill>
-                        <a:srgbClr val="a6a6a6"/>
+                        <a:srgbClr val="A6A6A6"/>
                       </a:solidFill>
                       <a:prstDash val="solid"/>
                       <a:round/>
                     </a:lnT>
                     <a:lnB w="12700" cap="flat" cmpd="sng" algn="ctr">
                       <a:solidFill>
-                        <a:srgbClr val="a6a6a6"/>
+                        <a:srgbClr val="A6A6A6"/>
                       </a:solidFill>
                       <a:prstDash val="solid"/>
                       <a:round/>
@@ -7307,7 +7226,8 @@
               <a:tr h="380406">
                 <a:tc>
                   <a:txBody>
-                    <a:bodyPr vert="horz" lIns="95655" tIns="47827" rIns="95655" bIns="47827" anchor="ctr" anchorCtr="0"/>
+                    <a:bodyPr/>
+                    <a:lstStyle/>
                     <a:p>
                       <a:pPr algn="ctr" latinLnBrk="1">
                         <a:defRPr/>
@@ -7315,47 +7235,40 @@
                       <a:r>
                         <a:rPr lang="en-US" altLang="ko-KR" sz="1000" b="0" spc="-50">
                           <a:solidFill>
-                            <a:srgbClr val="40474d"/>
+                            <a:srgbClr val="40474D"/>
                           </a:solidFill>
                           <a:latin typeface="+mn-ea"/>
                           <a:ea typeface="+mn-ea"/>
                         </a:rPr>
                         <a:t>File Signature</a:t>
                       </a:r>
-                      <a:endParaRPr lang="en-US" altLang="ko-KR" sz="1000" b="0" spc="-50">
-                        <a:solidFill>
-                          <a:srgbClr val="40474d"/>
-                        </a:solidFill>
-                        <a:latin typeface="+mn-ea"/>
-                        <a:ea typeface="+mn-ea"/>
-                      </a:endParaRPr>
                     </a:p>
                   </a:txBody>
                   <a:tcPr marL="95655" marR="95655" marT="47827" marB="47827" anchor="ctr">
                     <a:lnL w="12700" cap="flat" cmpd="sng" algn="ctr">
                       <a:solidFill>
-                        <a:srgbClr val="a6a6a6"/>
+                        <a:srgbClr val="A6A6A6"/>
                       </a:solidFill>
                       <a:prstDash val="solid"/>
                       <a:round/>
                     </a:lnL>
                     <a:lnR w="12700" cap="flat" cmpd="sng" algn="ctr">
                       <a:solidFill>
-                        <a:srgbClr val="a6a6a6"/>
+                        <a:srgbClr val="A6A6A6"/>
                       </a:solidFill>
                       <a:prstDash val="solid"/>
                       <a:round/>
                     </a:lnR>
                     <a:lnT w="12700" cap="flat" cmpd="sng" algn="ctr">
                       <a:solidFill>
-                        <a:srgbClr val="a6a6a6"/>
+                        <a:srgbClr val="A6A6A6"/>
                       </a:solidFill>
                       <a:prstDash val="solid"/>
                       <a:round/>
                     </a:lnT>
                     <a:lnB w="12700" cap="flat" cmpd="sng" algn="ctr">
                       <a:solidFill>
-                        <a:srgbClr val="a6a6a6"/>
+                        <a:srgbClr val="A6A6A6"/>
                       </a:solidFill>
                       <a:prstDash val="solid"/>
                       <a:round/>
@@ -7367,7 +7280,8 @@
                 </a:tc>
                 <a:tc>
                   <a:txBody>
-                    <a:bodyPr vert="horz" lIns="95655" tIns="47827" rIns="95655" bIns="47827" anchor="ctr" anchorCtr="0"/>
+                    <a:bodyPr/>
+                    <a:lstStyle/>
                     <a:p>
                       <a:pPr latinLnBrk="1">
                         <a:defRPr/>
@@ -7375,7 +7289,7 @@
                       <a:r>
                         <a:rPr lang="en-US" altLang="ko-KR" sz="1000" b="0" spc="-150">
                           <a:solidFill>
-                            <a:srgbClr val="40474d"/>
+                            <a:srgbClr val="40474D"/>
                           </a:solidFill>
                           <a:latin typeface="+mn-ea"/>
                           <a:ea typeface="+mn-ea"/>
@@ -7385,7 +7299,7 @@
                       <a:r>
                         <a:rPr lang="ko-KR" altLang="en-US" sz="1000" b="0" spc="-150">
                           <a:solidFill>
-                            <a:srgbClr val="40474d"/>
+                            <a:srgbClr val="40474D"/>
                           </a:solidFill>
                           <a:latin typeface="+mn-ea"/>
                           <a:ea typeface="+mn-ea"/>
@@ -7395,7 +7309,7 @@
                       <a:r>
                         <a:rPr lang="en-US" altLang="ko-KR" sz="1000" b="0" spc="-150">
                           <a:solidFill>
-                            <a:srgbClr val="40474d"/>
+                            <a:srgbClr val="40474D"/>
                           </a:solidFill>
                           <a:latin typeface="+mn-ea"/>
                           <a:ea typeface="+mn-ea"/>
@@ -7405,7 +7319,7 @@
                       <a:r>
                         <a:rPr lang="ko-KR" altLang="en-US" sz="1000" b="0" spc="-150">
                           <a:solidFill>
-                            <a:srgbClr val="40474d"/>
+                            <a:srgbClr val="40474D"/>
                           </a:solidFill>
                           <a:latin typeface="+mn-ea"/>
                           <a:ea typeface="+mn-ea"/>
@@ -7415,47 +7329,40 @@
                       <a:r>
                         <a:rPr lang="en-US" altLang="ko-KR" sz="1000" b="0" spc="-150">
                           <a:solidFill>
-                            <a:srgbClr val="40474d"/>
+                            <a:srgbClr val="40474D"/>
                           </a:solidFill>
                           <a:latin typeface="+mn-ea"/>
                           <a:ea typeface="+mn-ea"/>
                         </a:rPr>
                         <a:t>)</a:t>
                       </a:r>
-                      <a:endParaRPr lang="en-US" altLang="ko-KR" sz="1000" b="0" spc="-150">
-                        <a:solidFill>
-                          <a:srgbClr val="40474d"/>
-                        </a:solidFill>
-                        <a:latin typeface="+mn-ea"/>
-                        <a:ea typeface="+mn-ea"/>
-                      </a:endParaRPr>
                     </a:p>
                   </a:txBody>
                   <a:tcPr marL="95655" marR="95655" marT="47827" marB="47827" anchor="ctr">
                     <a:lnL w="12700" cap="flat" cmpd="sng" algn="ctr">
                       <a:solidFill>
-                        <a:srgbClr val="a6a6a6"/>
+                        <a:srgbClr val="A6A6A6"/>
                       </a:solidFill>
                       <a:prstDash val="solid"/>
                       <a:round/>
                     </a:lnL>
                     <a:lnR w="12700" cap="flat" cmpd="sng" algn="ctr">
                       <a:solidFill>
-                        <a:srgbClr val="a6a6a6"/>
+                        <a:srgbClr val="A6A6A6"/>
                       </a:solidFill>
                       <a:prstDash val="solid"/>
                       <a:round/>
                     </a:lnR>
                     <a:lnT w="12700" cap="flat" cmpd="sng" algn="ctr">
                       <a:solidFill>
-                        <a:srgbClr val="a6a6a6"/>
+                        <a:srgbClr val="A6A6A6"/>
                       </a:solidFill>
                       <a:prstDash val="solid"/>
                       <a:round/>
                     </a:lnT>
                     <a:lnB w="12700" cap="flat" cmpd="sng" algn="ctr">
                       <a:solidFill>
-                        <a:srgbClr val="a6a6a6"/>
+                        <a:srgbClr val="A6A6A6"/>
                       </a:solidFill>
                       <a:prstDash val="solid"/>
                       <a:round/>
@@ -7469,7 +7376,8 @@
               <a:tr h="404951">
                 <a:tc>
                   <a:txBody>
-                    <a:bodyPr vert="horz" lIns="95655" tIns="47827" rIns="95655" bIns="47827" anchor="ctr" anchorCtr="0"/>
+                    <a:bodyPr/>
+                    <a:lstStyle/>
                     <a:p>
                       <a:pPr algn="ctr" latinLnBrk="1">
                         <a:defRPr/>
@@ -7477,47 +7385,40 @@
                       <a:r>
                         <a:rPr lang="en-US" altLang="ko-KR" sz="1000" b="0" spc="-50">
                           <a:solidFill>
-                            <a:srgbClr val="40474d"/>
+                            <a:srgbClr val="40474D"/>
                           </a:solidFill>
                           <a:latin typeface="+mn-ea"/>
                           <a:ea typeface="+mn-ea"/>
                         </a:rPr>
                         <a:t>File Source ID</a:t>
                       </a:r>
-                      <a:endParaRPr lang="en-US" altLang="ko-KR" sz="1000" b="0" spc="-50">
-                        <a:solidFill>
-                          <a:srgbClr val="40474d"/>
-                        </a:solidFill>
-                        <a:latin typeface="+mn-ea"/>
-                        <a:ea typeface="+mn-ea"/>
-                      </a:endParaRPr>
                     </a:p>
                   </a:txBody>
                   <a:tcPr marL="95655" marR="95655" marT="47827" marB="47827" anchor="ctr">
                     <a:lnL w="12700" cap="flat" cmpd="sng" algn="ctr">
                       <a:solidFill>
-                        <a:srgbClr val="a6a6a6"/>
+                        <a:srgbClr val="A6A6A6"/>
                       </a:solidFill>
                       <a:prstDash val="solid"/>
                       <a:round/>
                     </a:lnL>
                     <a:lnR w="12700" cap="flat" cmpd="sng" algn="ctr">
                       <a:solidFill>
-                        <a:srgbClr val="a6a6a6"/>
+                        <a:srgbClr val="A6A6A6"/>
                       </a:solidFill>
                       <a:prstDash val="solid"/>
                       <a:round/>
                     </a:lnR>
                     <a:lnT w="12700" cap="flat" cmpd="sng" algn="ctr">
                       <a:solidFill>
-                        <a:srgbClr val="a6a6a6"/>
+                        <a:srgbClr val="A6A6A6"/>
                       </a:solidFill>
                       <a:prstDash val="solid"/>
                       <a:round/>
                     </a:lnT>
                     <a:lnB w="12700" cap="flat" cmpd="sng" algn="ctr">
                       <a:solidFill>
-                        <a:srgbClr val="a6a6a6"/>
+                        <a:srgbClr val="A6A6A6"/>
                       </a:solidFill>
                       <a:prstDash val="solid"/>
                       <a:round/>
@@ -7529,7 +7430,8 @@
                 </a:tc>
                 <a:tc>
                   <a:txBody>
-                    <a:bodyPr vert="horz" lIns="95655" tIns="47827" rIns="95655" bIns="47827" anchor="ctr" anchorCtr="0"/>
+                    <a:bodyPr/>
+                    <a:lstStyle/>
                     <a:p>
                       <a:pPr latinLnBrk="1">
                         <a:defRPr/>
@@ -7537,7 +7439,7 @@
                       <a:r>
                         <a:rPr lang="en-US" altLang="ko-KR" sz="1000" b="0" spc="-50">
                           <a:solidFill>
-                            <a:srgbClr val="40474d"/>
+                            <a:srgbClr val="40474D"/>
                           </a:solidFill>
                           <a:latin typeface="+mn-ea"/>
                           <a:ea typeface="+mn-ea"/>
@@ -7547,47 +7449,40 @@
                       <a:r>
                         <a:rPr lang="ko-KR" altLang="en-US" sz="1000" b="0" spc="-50">
                           <a:solidFill>
-                            <a:srgbClr val="40474d"/>
+                            <a:srgbClr val="40474D"/>
                           </a:solidFill>
                           <a:latin typeface="+mn-ea"/>
                           <a:ea typeface="+mn-ea"/>
                         </a:rPr>
                         <a:t> 파일의 원본을 식별하는 고유 식별자</a:t>
                       </a:r>
-                      <a:endParaRPr lang="ko-KR" altLang="en-US" sz="1000" b="0" spc="-50">
-                        <a:solidFill>
-                          <a:srgbClr val="40474d"/>
-                        </a:solidFill>
-                        <a:latin typeface="+mn-ea"/>
-                        <a:ea typeface="+mn-ea"/>
-                      </a:endParaRPr>
                     </a:p>
                   </a:txBody>
                   <a:tcPr marL="95655" marR="95655" marT="47827" marB="47827" anchor="ctr">
                     <a:lnL w="12700" cap="flat" cmpd="sng" algn="ctr">
                       <a:solidFill>
-                        <a:srgbClr val="a6a6a6"/>
+                        <a:srgbClr val="A6A6A6"/>
                       </a:solidFill>
                       <a:prstDash val="solid"/>
                       <a:round/>
                     </a:lnL>
                     <a:lnR w="12700" cap="flat" cmpd="sng" algn="ctr">
                       <a:solidFill>
-                        <a:srgbClr val="a6a6a6"/>
+                        <a:srgbClr val="A6A6A6"/>
                       </a:solidFill>
                       <a:prstDash val="solid"/>
                       <a:round/>
                     </a:lnR>
                     <a:lnT w="12700" cap="flat" cmpd="sng" algn="ctr">
                       <a:solidFill>
-                        <a:srgbClr val="a6a6a6"/>
+                        <a:srgbClr val="A6A6A6"/>
                       </a:solidFill>
                       <a:prstDash val="solid"/>
                       <a:round/>
                     </a:lnT>
                     <a:lnB w="12700" cap="flat" cmpd="sng" algn="ctr">
                       <a:solidFill>
-                        <a:srgbClr val="a6a6a6"/>
+                        <a:srgbClr val="A6A6A6"/>
                       </a:solidFill>
                       <a:prstDash val="solid"/>
                       <a:round/>
@@ -7601,7 +7496,8 @@
               <a:tr h="380406">
                 <a:tc>
                   <a:txBody>
-                    <a:bodyPr vert="horz" lIns="95655" tIns="47827" rIns="95655" bIns="47827" anchor="ctr" anchorCtr="0"/>
+                    <a:bodyPr/>
+                    <a:lstStyle/>
                     <a:p>
                       <a:pPr algn="ctr" latinLnBrk="1">
                         <a:defRPr/>
@@ -7609,47 +7505,40 @@
                       <a:r>
                         <a:rPr lang="en-US" altLang="ko-KR" sz="1000" b="0" spc="-50">
                           <a:solidFill>
-                            <a:srgbClr val="40474d"/>
+                            <a:srgbClr val="40474D"/>
                           </a:solidFill>
                           <a:latin typeface="+mn-ea"/>
                           <a:ea typeface="+mn-ea"/>
                         </a:rPr>
                         <a:t>Global Encoding</a:t>
                       </a:r>
-                      <a:endParaRPr lang="en-US" altLang="ko-KR" sz="1000" b="0" spc="-50">
-                        <a:solidFill>
-                          <a:srgbClr val="40474d"/>
-                        </a:solidFill>
-                        <a:latin typeface="+mn-ea"/>
-                        <a:ea typeface="+mn-ea"/>
-                      </a:endParaRPr>
                     </a:p>
                   </a:txBody>
                   <a:tcPr marL="95655" marR="95655" marT="47827" marB="47827" anchor="ctr">
                     <a:lnL w="12700" cap="flat" cmpd="sng" algn="ctr">
                       <a:solidFill>
-                        <a:srgbClr val="a6a6a6"/>
+                        <a:srgbClr val="A6A6A6"/>
                       </a:solidFill>
                       <a:prstDash val="solid"/>
                       <a:round/>
                     </a:lnL>
                     <a:lnR w="12700" cap="flat" cmpd="sng" algn="ctr">
                       <a:solidFill>
-                        <a:srgbClr val="a6a6a6"/>
+                        <a:srgbClr val="A6A6A6"/>
                       </a:solidFill>
                       <a:prstDash val="solid"/>
                       <a:round/>
                     </a:lnR>
                     <a:lnT w="12700" cap="flat" cmpd="sng" algn="ctr">
                       <a:solidFill>
-                        <a:srgbClr val="a6a6a6"/>
+                        <a:srgbClr val="A6A6A6"/>
                       </a:solidFill>
                       <a:prstDash val="solid"/>
                       <a:round/>
                     </a:lnT>
                     <a:lnB w="12700" cap="flat" cmpd="sng" algn="ctr">
                       <a:solidFill>
-                        <a:srgbClr val="a6a6a6"/>
+                        <a:srgbClr val="A6A6A6"/>
                       </a:solidFill>
                       <a:prstDash val="solid"/>
                       <a:round/>
@@ -7661,7 +7550,8 @@
                 </a:tc>
                 <a:tc>
                   <a:txBody>
-                    <a:bodyPr vert="horz" lIns="95655" tIns="47827" rIns="95655" bIns="47827" anchor="ctr" anchorCtr="0"/>
+                    <a:bodyPr/>
+                    <a:lstStyle/>
                     <a:p>
                       <a:pPr latinLnBrk="1">
                         <a:defRPr/>
@@ -7669,47 +7559,40 @@
                       <a:r>
                         <a:rPr lang="ko-KR" altLang="en-US" sz="1000" b="0" spc="-50">
                           <a:solidFill>
-                            <a:srgbClr val="40474d"/>
+                            <a:srgbClr val="40474D"/>
                           </a:solidFill>
                           <a:latin typeface="+mn-ea"/>
                           <a:ea typeface="+mn-ea"/>
                         </a:rPr>
                         <a:t>전역 인코딩 정보</a:t>
                       </a:r>
-                      <a:endParaRPr lang="ko-KR" altLang="en-US" sz="1000" b="0" spc="-50">
-                        <a:solidFill>
-                          <a:srgbClr val="40474d"/>
-                        </a:solidFill>
-                        <a:latin typeface="+mn-ea"/>
-                        <a:ea typeface="+mn-ea"/>
-                      </a:endParaRPr>
                     </a:p>
                   </a:txBody>
                   <a:tcPr marL="95655" marR="95655" marT="47827" marB="47827" anchor="ctr">
                     <a:lnL w="12700" cap="flat" cmpd="sng" algn="ctr">
                       <a:solidFill>
-                        <a:srgbClr val="a6a6a6"/>
+                        <a:srgbClr val="A6A6A6"/>
                       </a:solidFill>
                       <a:prstDash val="solid"/>
                       <a:round/>
                     </a:lnL>
                     <a:lnR w="12700" cap="flat" cmpd="sng" algn="ctr">
                       <a:solidFill>
-                        <a:srgbClr val="a6a6a6"/>
+                        <a:srgbClr val="A6A6A6"/>
                       </a:solidFill>
                       <a:prstDash val="solid"/>
                       <a:round/>
                     </a:lnR>
                     <a:lnT w="12700" cap="flat" cmpd="sng" algn="ctr">
                       <a:solidFill>
-                        <a:srgbClr val="a6a6a6"/>
+                        <a:srgbClr val="A6A6A6"/>
                       </a:solidFill>
                       <a:prstDash val="solid"/>
                       <a:round/>
                     </a:lnT>
                     <a:lnB w="12700" cap="flat" cmpd="sng" algn="ctr">
                       <a:solidFill>
-                        <a:srgbClr val="a6a6a6"/>
+                        <a:srgbClr val="A6A6A6"/>
                       </a:solidFill>
                       <a:prstDash val="solid"/>
                       <a:round/>
@@ -7723,7 +7606,8 @@
               <a:tr h="380406">
                 <a:tc>
                   <a:txBody>
-                    <a:bodyPr vert="horz" lIns="95655" tIns="47827" rIns="95655" bIns="47827" anchor="ctr" anchorCtr="0"/>
+                    <a:bodyPr/>
+                    <a:lstStyle/>
                     <a:p>
                       <a:pPr algn="ctr" latinLnBrk="1">
                         <a:defRPr/>
@@ -7731,47 +7615,40 @@
                       <a:r>
                         <a:rPr lang="en-US" altLang="ko-KR" sz="1000" b="0" spc="-50">
                           <a:solidFill>
-                            <a:srgbClr val="40474d"/>
+                            <a:srgbClr val="40474D"/>
                           </a:solidFill>
                           <a:latin typeface="+mn-ea"/>
                           <a:ea typeface="+mn-ea"/>
                         </a:rPr>
                         <a:t>Project ID GUID Data</a:t>
                       </a:r>
-                      <a:endParaRPr lang="en-US" altLang="ko-KR" sz="1000" b="0" spc="-50">
-                        <a:solidFill>
-                          <a:srgbClr val="40474d"/>
-                        </a:solidFill>
-                        <a:latin typeface="+mn-ea"/>
-                        <a:ea typeface="+mn-ea"/>
-                      </a:endParaRPr>
                     </a:p>
                   </a:txBody>
                   <a:tcPr marL="95655" marR="95655" marT="47827" marB="47827" anchor="ctr">
                     <a:lnL w="12700" cap="flat" cmpd="sng" algn="ctr">
                       <a:solidFill>
-                        <a:srgbClr val="a6a6a6"/>
+                        <a:srgbClr val="A6A6A6"/>
                       </a:solidFill>
                       <a:prstDash val="solid"/>
                       <a:round/>
                     </a:lnL>
                     <a:lnR w="12700" cap="flat" cmpd="sng" algn="ctr">
                       <a:solidFill>
-                        <a:srgbClr val="a6a6a6"/>
+                        <a:srgbClr val="A6A6A6"/>
                       </a:solidFill>
                       <a:prstDash val="solid"/>
                       <a:round/>
                     </a:lnR>
                     <a:lnT w="12700" cap="flat" cmpd="sng" algn="ctr">
                       <a:solidFill>
-                        <a:srgbClr val="a6a6a6"/>
+                        <a:srgbClr val="A6A6A6"/>
                       </a:solidFill>
                       <a:prstDash val="solid"/>
                       <a:round/>
                     </a:lnT>
                     <a:lnB w="12700" cap="flat" cmpd="sng" algn="ctr">
                       <a:solidFill>
-                        <a:srgbClr val="a6a6a6"/>
+                        <a:srgbClr val="A6A6A6"/>
                       </a:solidFill>
                       <a:prstDash val="solid"/>
                       <a:round/>
@@ -7783,7 +7660,8 @@
                 </a:tc>
                 <a:tc>
                   <a:txBody>
-                    <a:bodyPr vert="horz" lIns="95655" tIns="47827" rIns="95655" bIns="47827" anchor="ctr" anchorCtr="0"/>
+                    <a:bodyPr/>
+                    <a:lstStyle/>
                     <a:p>
                       <a:pPr latinLnBrk="1">
                         <a:defRPr/>
@@ -7791,7 +7669,7 @@
                       <a:r>
                         <a:rPr lang="ko-KR" altLang="en-US" sz="1000" b="0" spc="-50">
                           <a:solidFill>
-                            <a:srgbClr val="40474d"/>
+                            <a:srgbClr val="40474D"/>
                           </a:solidFill>
                           <a:latin typeface="+mn-ea"/>
                           <a:ea typeface="+mn-ea"/>
@@ -7801,7 +7679,7 @@
                       <a:r>
                         <a:rPr lang="en-US" altLang="ko-KR" sz="1000" b="0" spc="-50">
                           <a:solidFill>
-                            <a:srgbClr val="40474d"/>
+                            <a:srgbClr val="40474D"/>
                           </a:solidFill>
                           <a:latin typeface="+mn-ea"/>
                           <a:ea typeface="+mn-ea"/>
@@ -7811,47 +7689,40 @@
                       <a:r>
                         <a:rPr lang="ko-KR" altLang="en-US" sz="1000" b="0" spc="-50">
                           <a:solidFill>
-                            <a:srgbClr val="40474d"/>
+                            <a:srgbClr val="40474D"/>
                           </a:solidFill>
                           <a:latin typeface="+mn-ea"/>
                           <a:ea typeface="+mn-ea"/>
                         </a:rPr>
                         <a:t> 데이터</a:t>
                       </a:r>
-                      <a:endParaRPr lang="ko-KR" altLang="en-US" sz="1000" b="0" spc="-50">
-                        <a:solidFill>
-                          <a:srgbClr val="40474d"/>
-                        </a:solidFill>
-                        <a:latin typeface="+mn-ea"/>
-                        <a:ea typeface="+mn-ea"/>
-                      </a:endParaRPr>
                     </a:p>
                   </a:txBody>
                   <a:tcPr marL="95655" marR="95655" marT="47827" marB="47827" anchor="ctr">
                     <a:lnL w="12700" cap="flat" cmpd="sng" algn="ctr">
                       <a:solidFill>
-                        <a:srgbClr val="a6a6a6"/>
+                        <a:srgbClr val="A6A6A6"/>
                       </a:solidFill>
                       <a:prstDash val="solid"/>
                       <a:round/>
                     </a:lnL>
                     <a:lnR w="12700" cap="flat" cmpd="sng" algn="ctr">
                       <a:solidFill>
-                        <a:srgbClr val="a6a6a6"/>
+                        <a:srgbClr val="A6A6A6"/>
                       </a:solidFill>
                       <a:prstDash val="solid"/>
                       <a:round/>
                     </a:lnR>
                     <a:lnT w="12700" cap="flat" cmpd="sng" algn="ctr">
                       <a:solidFill>
-                        <a:srgbClr val="a6a6a6"/>
+                        <a:srgbClr val="A6A6A6"/>
                       </a:solidFill>
                       <a:prstDash val="solid"/>
                       <a:round/>
                     </a:lnT>
                     <a:lnB w="12700" cap="flat" cmpd="sng" algn="ctr">
                       <a:solidFill>
-                        <a:srgbClr val="a6a6a6"/>
+                        <a:srgbClr val="A6A6A6"/>
                       </a:solidFill>
                       <a:prstDash val="solid"/>
                       <a:round/>
@@ -7865,7 +7736,8 @@
               <a:tr h="380406">
                 <a:tc>
                   <a:txBody>
-                    <a:bodyPr vert="horz" lIns="95655" tIns="47827" rIns="95655" bIns="47827" anchor="ctr" anchorCtr="0"/>
+                    <a:bodyPr/>
+                    <a:lstStyle/>
                     <a:p>
                       <a:pPr algn="ctr" latinLnBrk="1">
                         <a:defRPr/>
@@ -7873,47 +7745,40 @@
                       <a:r>
                         <a:rPr lang="en-US" altLang="ko-KR" sz="1000" b="0" spc="-50">
                           <a:solidFill>
-                            <a:srgbClr val="40474d"/>
+                            <a:srgbClr val="40474D"/>
                           </a:solidFill>
                           <a:latin typeface="+mn-ea"/>
                           <a:ea typeface="+mn-ea"/>
                         </a:rPr>
                         <a:t>System Identifier</a:t>
                       </a:r>
-                      <a:endParaRPr lang="en-US" altLang="ko-KR" sz="1000" b="0" spc="-50">
-                        <a:solidFill>
-                          <a:srgbClr val="40474d"/>
-                        </a:solidFill>
-                        <a:latin typeface="+mn-ea"/>
-                        <a:ea typeface="+mn-ea"/>
-                      </a:endParaRPr>
                     </a:p>
                   </a:txBody>
                   <a:tcPr marL="95655" marR="95655" marT="47827" marB="47827" anchor="ctr">
                     <a:lnL w="12700" cap="flat" cmpd="sng" algn="ctr">
                       <a:solidFill>
-                        <a:srgbClr val="a6a6a6"/>
+                        <a:srgbClr val="A6A6A6"/>
                       </a:solidFill>
                       <a:prstDash val="solid"/>
                       <a:round/>
                     </a:lnL>
                     <a:lnR w="12700" cap="flat" cmpd="sng" algn="ctr">
                       <a:solidFill>
-                        <a:srgbClr val="a6a6a6"/>
+                        <a:srgbClr val="A6A6A6"/>
                       </a:solidFill>
                       <a:prstDash val="solid"/>
                       <a:round/>
                     </a:lnR>
                     <a:lnT w="12700" cap="flat" cmpd="sng" algn="ctr">
                       <a:solidFill>
-                        <a:srgbClr val="a6a6a6"/>
+                        <a:srgbClr val="A6A6A6"/>
                       </a:solidFill>
                       <a:prstDash val="solid"/>
                       <a:round/>
                     </a:lnT>
                     <a:lnB w="12700" cap="flat" cmpd="sng" algn="ctr">
                       <a:solidFill>
-                        <a:srgbClr val="a6a6a6"/>
+                        <a:srgbClr val="A6A6A6"/>
                       </a:solidFill>
                       <a:prstDash val="solid"/>
                       <a:round/>
@@ -7925,7 +7790,8 @@
                 </a:tc>
                 <a:tc>
                   <a:txBody>
-                    <a:bodyPr vert="horz" lIns="95655" tIns="47827" rIns="95655" bIns="47827" anchor="ctr" anchorCtr="0"/>
+                    <a:bodyPr/>
+                    <a:lstStyle/>
                     <a:p>
                       <a:pPr latinLnBrk="1">
                         <a:defRPr/>
@@ -7933,47 +7799,40 @@
                       <a:r>
                         <a:rPr lang="ko-KR" altLang="en-US" sz="1000" b="0" spc="-50">
                           <a:solidFill>
-                            <a:srgbClr val="40474d"/>
+                            <a:srgbClr val="40474D"/>
                           </a:solidFill>
                           <a:latin typeface="+mn-ea"/>
                           <a:ea typeface="+mn-ea"/>
                         </a:rPr>
                         <a:t>파일을 생성한 시스템의 식별자</a:t>
                       </a:r>
-                      <a:endParaRPr lang="ko-KR" altLang="en-US" sz="1000" b="0" spc="-50">
-                        <a:solidFill>
-                          <a:srgbClr val="40474d"/>
-                        </a:solidFill>
-                        <a:latin typeface="+mn-ea"/>
-                        <a:ea typeface="+mn-ea"/>
-                      </a:endParaRPr>
                     </a:p>
                   </a:txBody>
                   <a:tcPr marL="95655" marR="95655" marT="47827" marB="47827" anchor="ctr">
                     <a:lnL w="12700" cap="flat" cmpd="sng" algn="ctr">
                       <a:solidFill>
-                        <a:srgbClr val="a6a6a6"/>
+                        <a:srgbClr val="A6A6A6"/>
                       </a:solidFill>
                       <a:prstDash val="solid"/>
                       <a:round/>
                     </a:lnL>
                     <a:lnR w="12700" cap="flat" cmpd="sng" algn="ctr">
                       <a:solidFill>
-                        <a:srgbClr val="a6a6a6"/>
+                        <a:srgbClr val="A6A6A6"/>
                       </a:solidFill>
                       <a:prstDash val="solid"/>
                       <a:round/>
                     </a:lnR>
                     <a:lnT w="12700" cap="flat" cmpd="sng" algn="ctr">
                       <a:solidFill>
-                        <a:srgbClr val="a6a6a6"/>
+                        <a:srgbClr val="A6A6A6"/>
                       </a:solidFill>
                       <a:prstDash val="solid"/>
                       <a:round/>
                     </a:lnT>
                     <a:lnB w="12700" cap="flat" cmpd="sng" algn="ctr">
                       <a:solidFill>
-                        <a:srgbClr val="a6a6a6"/>
+                        <a:srgbClr val="A6A6A6"/>
                       </a:solidFill>
                       <a:prstDash val="solid"/>
                       <a:round/>
@@ -7987,7 +7846,8 @@
               <a:tr h="380406">
                 <a:tc>
                   <a:txBody>
-                    <a:bodyPr vert="horz" lIns="95655" tIns="47827" rIns="95655" bIns="47827" anchor="ctr" anchorCtr="0"/>
+                    <a:bodyPr/>
+                    <a:lstStyle/>
                     <a:p>
                       <a:pPr algn="ctr" latinLnBrk="1">
                         <a:defRPr/>
@@ -7995,47 +7855,40 @@
                       <a:r>
                         <a:rPr lang="en-US" altLang="ko-KR" sz="1000" b="0" spc="-50">
                           <a:solidFill>
-                            <a:srgbClr val="40474d"/>
+                            <a:srgbClr val="40474D"/>
                           </a:solidFill>
                           <a:latin typeface="+mn-ea"/>
                           <a:ea typeface="+mn-ea"/>
                         </a:rPr>
                         <a:t>Generating Software</a:t>
                       </a:r>
-                      <a:endParaRPr lang="en-US" altLang="ko-KR" sz="1000" b="0" spc="-50">
-                        <a:solidFill>
-                          <a:srgbClr val="40474d"/>
-                        </a:solidFill>
-                        <a:latin typeface="+mn-ea"/>
-                        <a:ea typeface="+mn-ea"/>
-                      </a:endParaRPr>
                     </a:p>
                   </a:txBody>
                   <a:tcPr marL="95655" marR="95655" marT="47827" marB="47827" anchor="ctr">
                     <a:lnL w="12700" cap="flat" cmpd="sng" algn="ctr">
                       <a:solidFill>
-                        <a:srgbClr val="a6a6a6"/>
+                        <a:srgbClr val="A6A6A6"/>
                       </a:solidFill>
                       <a:prstDash val="solid"/>
                       <a:round/>
                     </a:lnL>
                     <a:lnR w="12700" cap="flat" cmpd="sng" algn="ctr">
                       <a:solidFill>
-                        <a:srgbClr val="a6a6a6"/>
+                        <a:srgbClr val="A6A6A6"/>
                       </a:solidFill>
                       <a:prstDash val="solid"/>
                       <a:round/>
                     </a:lnR>
                     <a:lnT w="12700" cap="flat" cmpd="sng" algn="ctr">
                       <a:solidFill>
-                        <a:srgbClr val="a6a6a6"/>
+                        <a:srgbClr val="A6A6A6"/>
                       </a:solidFill>
                       <a:prstDash val="solid"/>
                       <a:round/>
                     </a:lnT>
                     <a:lnB w="12700" cap="flat" cmpd="sng" algn="ctr">
                       <a:solidFill>
-                        <a:srgbClr val="a6a6a6"/>
+                        <a:srgbClr val="A6A6A6"/>
                       </a:solidFill>
                       <a:prstDash val="solid"/>
                       <a:round/>
@@ -8047,7 +7900,8 @@
                 </a:tc>
                 <a:tc>
                   <a:txBody>
-                    <a:bodyPr vert="horz" lIns="95655" tIns="47827" rIns="95655" bIns="47827" anchor="ctr" anchorCtr="0"/>
+                    <a:bodyPr/>
+                    <a:lstStyle/>
                     <a:p>
                       <a:pPr latinLnBrk="1">
                         <a:defRPr/>
@@ -8055,7 +7909,7 @@
                       <a:r>
                         <a:rPr lang="en-US" altLang="ko-KR" sz="1000" b="0" spc="-50">
                           <a:solidFill>
-                            <a:srgbClr val="40474d"/>
+                            <a:srgbClr val="40474D"/>
                           </a:solidFill>
                           <a:latin typeface="+mn-ea"/>
                           <a:ea typeface="+mn-ea"/>
@@ -8065,47 +7919,40 @@
                       <a:r>
                         <a:rPr lang="ko-KR" altLang="en-US" sz="1000" b="0" spc="-50">
                           <a:solidFill>
-                            <a:srgbClr val="40474d"/>
+                            <a:srgbClr val="40474D"/>
                           </a:solidFill>
                           <a:latin typeface="+mn-ea"/>
                           <a:ea typeface="+mn-ea"/>
                         </a:rPr>
                         <a:t> 파일을 생성한 소프트웨어의 이름</a:t>
                       </a:r>
-                      <a:endParaRPr lang="ko-KR" altLang="en-US" sz="1000" b="0" spc="-50">
-                        <a:solidFill>
-                          <a:srgbClr val="40474d"/>
-                        </a:solidFill>
-                        <a:latin typeface="+mn-ea"/>
-                        <a:ea typeface="+mn-ea"/>
-                      </a:endParaRPr>
                     </a:p>
                   </a:txBody>
                   <a:tcPr marL="95655" marR="95655" marT="47827" marB="47827" anchor="ctr">
                     <a:lnL w="12700" cap="flat" cmpd="sng" algn="ctr">
                       <a:solidFill>
-                        <a:srgbClr val="a6a6a6"/>
+                        <a:srgbClr val="A6A6A6"/>
                       </a:solidFill>
                       <a:prstDash val="solid"/>
                       <a:round/>
                     </a:lnL>
                     <a:lnR w="12700" cap="flat" cmpd="sng" algn="ctr">
                       <a:solidFill>
-                        <a:srgbClr val="a6a6a6"/>
+                        <a:srgbClr val="A6A6A6"/>
                       </a:solidFill>
                       <a:prstDash val="solid"/>
                       <a:round/>
                     </a:lnR>
                     <a:lnT w="12700" cap="flat" cmpd="sng" algn="ctr">
                       <a:solidFill>
-                        <a:srgbClr val="a6a6a6"/>
+                        <a:srgbClr val="A6A6A6"/>
                       </a:solidFill>
                       <a:prstDash val="solid"/>
                       <a:round/>
                     </a:lnT>
                     <a:lnB w="12700" cap="flat" cmpd="sng" algn="ctr">
                       <a:solidFill>
-                        <a:srgbClr val="a6a6a6"/>
+                        <a:srgbClr val="A6A6A6"/>
                       </a:solidFill>
                       <a:prstDash val="solid"/>
                       <a:round/>
@@ -8119,7 +7966,8 @@
               <a:tr h="380406">
                 <a:tc>
                   <a:txBody>
-                    <a:bodyPr vert="horz" lIns="95655" tIns="47827" rIns="95655" bIns="47827" anchor="ctr" anchorCtr="0"/>
+                    <a:bodyPr/>
+                    <a:lstStyle/>
                     <a:p>
                       <a:pPr algn="ctr" latinLnBrk="1">
                         <a:defRPr/>
@@ -8127,47 +7975,40 @@
                       <a:r>
                         <a:rPr lang="en-US" altLang="ko-KR" sz="1000" b="0" spc="-50">
                           <a:solidFill>
-                            <a:srgbClr val="40474d"/>
+                            <a:srgbClr val="40474D"/>
                           </a:solidFill>
                           <a:latin typeface="+mn-ea"/>
                           <a:ea typeface="+mn-ea"/>
                         </a:rPr>
                         <a:t>Header Size</a:t>
                       </a:r>
-                      <a:endParaRPr lang="en-US" altLang="ko-KR" sz="1000" b="0" spc="-50">
-                        <a:solidFill>
-                          <a:srgbClr val="40474d"/>
-                        </a:solidFill>
-                        <a:latin typeface="+mn-ea"/>
-                        <a:ea typeface="+mn-ea"/>
-                      </a:endParaRPr>
                     </a:p>
                   </a:txBody>
                   <a:tcPr marL="95655" marR="95655" marT="47827" marB="47827" anchor="ctr">
                     <a:lnL w="12700" cap="flat" cmpd="sng" algn="ctr">
                       <a:solidFill>
-                        <a:srgbClr val="a6a6a6"/>
+                        <a:srgbClr val="A6A6A6"/>
                       </a:solidFill>
                       <a:prstDash val="solid"/>
                       <a:round/>
                     </a:lnL>
                     <a:lnR w="12700" cap="flat" cmpd="sng" algn="ctr">
                       <a:solidFill>
-                        <a:srgbClr val="a6a6a6"/>
+                        <a:srgbClr val="A6A6A6"/>
                       </a:solidFill>
                       <a:prstDash val="solid"/>
                       <a:round/>
                     </a:lnR>
                     <a:lnT w="12700" cap="flat" cmpd="sng" algn="ctr">
                       <a:solidFill>
-                        <a:srgbClr val="a6a6a6"/>
+                        <a:srgbClr val="A6A6A6"/>
                       </a:solidFill>
                       <a:prstDash val="solid"/>
                       <a:round/>
                     </a:lnT>
                     <a:lnB w="12700" cap="flat" cmpd="sng" algn="ctr">
                       <a:solidFill>
-                        <a:srgbClr val="a6a6a6"/>
+                        <a:srgbClr val="A6A6A6"/>
                       </a:solidFill>
                       <a:prstDash val="solid"/>
                       <a:round/>
@@ -8179,7 +8020,8 @@
                 </a:tc>
                 <a:tc>
                   <a:txBody>
-                    <a:bodyPr vert="horz" lIns="95655" tIns="47827" rIns="95655" bIns="47827" anchor="ctr" anchorCtr="0"/>
+                    <a:bodyPr/>
+                    <a:lstStyle/>
                     <a:p>
                       <a:pPr latinLnBrk="1">
                         <a:defRPr/>
@@ -8187,47 +8029,40 @@
                       <a:r>
                         <a:rPr lang="ko-KR" altLang="en-US" sz="1000" b="0" spc="-50">
                           <a:solidFill>
-                            <a:srgbClr val="40474d"/>
+                            <a:srgbClr val="40474D"/>
                           </a:solidFill>
                           <a:latin typeface="+mn-ea"/>
                           <a:ea typeface="+mn-ea"/>
                         </a:rPr>
                         <a:t>파일 헤더의 크기</a:t>
                       </a:r>
-                      <a:endParaRPr lang="ko-KR" altLang="en-US" sz="1000" b="0" spc="-50">
-                        <a:solidFill>
-                          <a:srgbClr val="40474d"/>
-                        </a:solidFill>
-                        <a:latin typeface="+mn-ea"/>
-                        <a:ea typeface="+mn-ea"/>
-                      </a:endParaRPr>
                     </a:p>
                   </a:txBody>
                   <a:tcPr marL="95655" marR="95655" marT="47827" marB="47827" anchor="ctr">
                     <a:lnL w="12700" cap="flat" cmpd="sng" algn="ctr">
                       <a:solidFill>
-                        <a:srgbClr val="a6a6a6"/>
+                        <a:srgbClr val="A6A6A6"/>
                       </a:solidFill>
                       <a:prstDash val="solid"/>
                       <a:round/>
                     </a:lnL>
                     <a:lnR w="12700" cap="flat" cmpd="sng" algn="ctr">
                       <a:solidFill>
-                        <a:srgbClr val="a6a6a6"/>
+                        <a:srgbClr val="A6A6A6"/>
                       </a:solidFill>
                       <a:prstDash val="solid"/>
                       <a:round/>
                     </a:lnR>
                     <a:lnT w="12700" cap="flat" cmpd="sng" algn="ctr">
                       <a:solidFill>
-                        <a:srgbClr val="a6a6a6"/>
+                        <a:srgbClr val="A6A6A6"/>
                       </a:solidFill>
                       <a:prstDash val="solid"/>
                       <a:round/>
                     </a:lnT>
                     <a:lnB w="12700" cap="flat" cmpd="sng" algn="ctr">
                       <a:solidFill>
-                        <a:srgbClr val="a6a6a6"/>
+                        <a:srgbClr val="A6A6A6"/>
                       </a:solidFill>
                       <a:prstDash val="solid"/>
                       <a:round/>
@@ -8241,7 +8076,8 @@
               <a:tr h="380406">
                 <a:tc>
                   <a:txBody>
-                    <a:bodyPr vert="horz" lIns="95655" tIns="47827" rIns="95655" bIns="47827" anchor="ctr" anchorCtr="0"/>
+                    <a:bodyPr/>
+                    <a:lstStyle/>
                     <a:p>
                       <a:pPr algn="ctr" latinLnBrk="1">
                         <a:defRPr/>
@@ -8249,47 +8085,40 @@
                       <a:r>
                         <a:rPr lang="en-US" altLang="ko-KR" sz="1000" b="0" spc="-50">
                           <a:solidFill>
-                            <a:srgbClr val="40474d"/>
+                            <a:srgbClr val="40474D"/>
                           </a:solidFill>
                           <a:latin typeface="+mn-ea"/>
                           <a:ea typeface="+mn-ea"/>
                         </a:rPr>
                         <a:t>Number of VLRs</a:t>
                       </a:r>
-                      <a:endParaRPr lang="en-US" altLang="ko-KR" sz="1000" b="0" spc="-50">
-                        <a:solidFill>
-                          <a:srgbClr val="40474d"/>
-                        </a:solidFill>
-                        <a:latin typeface="+mn-ea"/>
-                        <a:ea typeface="+mn-ea"/>
-                      </a:endParaRPr>
                     </a:p>
                   </a:txBody>
                   <a:tcPr marL="95655" marR="95655" marT="47827" marB="47827" anchor="ctr">
                     <a:lnL w="12700" cap="flat" cmpd="sng" algn="ctr">
                       <a:solidFill>
-                        <a:srgbClr val="a6a6a6"/>
+                        <a:srgbClr val="A6A6A6"/>
                       </a:solidFill>
                       <a:prstDash val="solid"/>
                       <a:round/>
                     </a:lnL>
                     <a:lnR w="12700" cap="flat" cmpd="sng" algn="ctr">
                       <a:solidFill>
-                        <a:srgbClr val="a6a6a6"/>
+                        <a:srgbClr val="A6A6A6"/>
                       </a:solidFill>
                       <a:prstDash val="solid"/>
                       <a:round/>
                     </a:lnR>
                     <a:lnT w="12700" cap="flat" cmpd="sng" algn="ctr">
                       <a:solidFill>
-                        <a:srgbClr val="a6a6a6"/>
+                        <a:srgbClr val="A6A6A6"/>
                       </a:solidFill>
                       <a:prstDash val="solid"/>
                       <a:round/>
                     </a:lnT>
                     <a:lnB w="12700" cap="flat" cmpd="sng" algn="ctr">
                       <a:solidFill>
-                        <a:srgbClr val="a6a6a6"/>
+                        <a:srgbClr val="A6A6A6"/>
                       </a:solidFill>
                       <a:prstDash val="solid"/>
                       <a:round/>
@@ -8301,7 +8130,8 @@
                 </a:tc>
                 <a:tc>
                   <a:txBody>
-                    <a:bodyPr vert="horz" lIns="95655" tIns="47827" rIns="95655" bIns="47827" anchor="ctr" anchorCtr="0"/>
+                    <a:bodyPr/>
+                    <a:lstStyle/>
                     <a:p>
                       <a:pPr latinLnBrk="1">
                         <a:defRPr/>
@@ -8309,7 +8139,7 @@
                       <a:r>
                         <a:rPr lang="ko-KR" altLang="en-US" sz="1000" b="0" spc="-50">
                           <a:solidFill>
-                            <a:srgbClr val="40474d"/>
+                            <a:srgbClr val="40474D"/>
                           </a:solidFill>
                           <a:latin typeface="+mn-ea"/>
                           <a:ea typeface="+mn-ea"/>
@@ -8319,7 +8149,7 @@
                       <a:r>
                         <a:rPr lang="en-US" altLang="ko-KR" sz="1000" b="0" spc="-50">
                           <a:solidFill>
-                            <a:srgbClr val="40474d"/>
+                            <a:srgbClr val="40474D"/>
                           </a:solidFill>
                           <a:latin typeface="+mn-ea"/>
                           <a:ea typeface="+mn-ea"/>
@@ -8329,47 +8159,40 @@
                       <a:r>
                         <a:rPr lang="ko-KR" altLang="en-US" sz="1000" b="0" spc="-50">
                           <a:solidFill>
-                            <a:srgbClr val="40474d"/>
+                            <a:srgbClr val="40474D"/>
                           </a:solidFill>
                           <a:latin typeface="+mn-ea"/>
                           <a:ea typeface="+mn-ea"/>
                         </a:rPr>
                         <a:t>의 수</a:t>
                       </a:r>
-                      <a:endParaRPr lang="ko-KR" altLang="en-US" sz="1000" b="0" spc="-50">
-                        <a:solidFill>
-                          <a:srgbClr val="40474d"/>
-                        </a:solidFill>
-                        <a:latin typeface="+mn-ea"/>
-                        <a:ea typeface="+mn-ea"/>
-                      </a:endParaRPr>
                     </a:p>
                   </a:txBody>
                   <a:tcPr marL="95655" marR="95655" marT="47827" marB="47827" anchor="ctr">
                     <a:lnL w="12700" cap="flat" cmpd="sng" algn="ctr">
                       <a:solidFill>
-                        <a:srgbClr val="a6a6a6"/>
+                        <a:srgbClr val="A6A6A6"/>
                       </a:solidFill>
                       <a:prstDash val="solid"/>
                       <a:round/>
                     </a:lnL>
                     <a:lnR w="12700" cap="flat" cmpd="sng" algn="ctr">
                       <a:solidFill>
-                        <a:srgbClr val="a6a6a6"/>
+                        <a:srgbClr val="A6A6A6"/>
                       </a:solidFill>
                       <a:prstDash val="solid"/>
                       <a:round/>
                     </a:lnR>
                     <a:lnT w="12700" cap="flat" cmpd="sng" algn="ctr">
                       <a:solidFill>
-                        <a:srgbClr val="a6a6a6"/>
+                        <a:srgbClr val="A6A6A6"/>
                       </a:solidFill>
                       <a:prstDash val="solid"/>
                       <a:round/>
                     </a:lnT>
                     <a:lnB w="12700" cap="flat" cmpd="sng" algn="ctr">
                       <a:solidFill>
-                        <a:srgbClr val="a6a6a6"/>
+                        <a:srgbClr val="A6A6A6"/>
                       </a:solidFill>
                       <a:prstDash val="solid"/>
                       <a:round/>
@@ -8383,7 +8206,8 @@
               <a:tr h="380406">
                 <a:tc>
                   <a:txBody>
-                    <a:bodyPr vert="horz" lIns="95655" tIns="47827" rIns="95655" bIns="47827" anchor="ctr" anchorCtr="0"/>
+                    <a:bodyPr/>
+                    <a:lstStyle/>
                     <a:p>
                       <a:pPr algn="ctr" latinLnBrk="1">
                         <a:defRPr/>
@@ -8391,47 +8215,40 @@
                       <a:r>
                         <a:rPr lang="en-US" altLang="ko-KR" sz="1000" b="0" spc="-50">
                           <a:solidFill>
-                            <a:srgbClr val="40474d"/>
+                            <a:srgbClr val="40474D"/>
                           </a:solidFill>
                           <a:latin typeface="+mn-ea"/>
                           <a:ea typeface="+mn-ea"/>
                         </a:rPr>
                         <a:t>Number of Point Records</a:t>
                       </a:r>
-                      <a:endParaRPr lang="en-US" altLang="ko-KR" sz="1000" b="0" spc="-50">
-                        <a:solidFill>
-                          <a:srgbClr val="40474d"/>
-                        </a:solidFill>
-                        <a:latin typeface="+mn-ea"/>
-                        <a:ea typeface="+mn-ea"/>
-                      </a:endParaRPr>
                     </a:p>
                   </a:txBody>
                   <a:tcPr marL="95655" marR="95655" marT="47827" marB="47827" anchor="ctr">
                     <a:lnL w="12700" cap="flat" cmpd="sng" algn="ctr">
                       <a:solidFill>
-                        <a:srgbClr val="a6a6a6"/>
+                        <a:srgbClr val="A6A6A6"/>
                       </a:solidFill>
                       <a:prstDash val="solid"/>
                       <a:round/>
                     </a:lnL>
                     <a:lnR w="12700" cap="flat" cmpd="sng" algn="ctr">
                       <a:solidFill>
-                        <a:srgbClr val="a6a6a6"/>
+                        <a:srgbClr val="A6A6A6"/>
                       </a:solidFill>
                       <a:prstDash val="solid"/>
                       <a:round/>
                     </a:lnR>
                     <a:lnT w="12700" cap="flat" cmpd="sng" algn="ctr">
                       <a:solidFill>
-                        <a:srgbClr val="a6a6a6"/>
+                        <a:srgbClr val="A6A6A6"/>
                       </a:solidFill>
                       <a:prstDash val="solid"/>
                       <a:round/>
                     </a:lnT>
                     <a:lnB w="12700" cap="flat" cmpd="sng" algn="ctr">
                       <a:solidFill>
-                        <a:srgbClr val="a6a6a6"/>
+                        <a:srgbClr val="A6A6A6"/>
                       </a:solidFill>
                       <a:prstDash val="solid"/>
                       <a:round/>
@@ -8443,7 +8260,8 @@
                 </a:tc>
                 <a:tc>
                   <a:txBody>
-                    <a:bodyPr vert="horz" lIns="95655" tIns="47827" rIns="95655" bIns="47827" anchor="ctr" anchorCtr="0"/>
+                    <a:bodyPr/>
+                    <a:lstStyle/>
                     <a:p>
                       <a:pPr latinLnBrk="1">
                         <a:defRPr/>
@@ -8451,47 +8269,40 @@
                       <a:r>
                         <a:rPr lang="ko-KR" altLang="en-US" sz="1000" b="0" spc="-50">
                           <a:solidFill>
-                            <a:srgbClr val="40474d"/>
+                            <a:srgbClr val="40474D"/>
                           </a:solidFill>
                           <a:latin typeface="+mn-ea"/>
                           <a:ea typeface="+mn-ea"/>
                         </a:rPr>
                         <a:t>전체 포인트 레코드 수</a:t>
                       </a:r>
-                      <a:endParaRPr lang="ko-KR" altLang="en-US" sz="1000" b="0" spc="-50">
-                        <a:solidFill>
-                          <a:srgbClr val="40474d"/>
-                        </a:solidFill>
-                        <a:latin typeface="+mn-ea"/>
-                        <a:ea typeface="+mn-ea"/>
-                      </a:endParaRPr>
                     </a:p>
                   </a:txBody>
                   <a:tcPr marL="95655" marR="95655" marT="47827" marB="47827" anchor="ctr">
                     <a:lnL w="12700" cap="flat" cmpd="sng" algn="ctr">
                       <a:solidFill>
-                        <a:srgbClr val="a6a6a6"/>
+                        <a:srgbClr val="A6A6A6"/>
                       </a:solidFill>
                       <a:prstDash val="solid"/>
                       <a:round/>
                     </a:lnL>
                     <a:lnR w="12700" cap="flat" cmpd="sng" algn="ctr">
                       <a:solidFill>
-                        <a:srgbClr val="a6a6a6"/>
+                        <a:srgbClr val="A6A6A6"/>
                       </a:solidFill>
                       <a:prstDash val="solid"/>
                       <a:round/>
                     </a:lnR>
                     <a:lnT w="12700" cap="flat" cmpd="sng" algn="ctr">
                       <a:solidFill>
-                        <a:srgbClr val="a6a6a6"/>
+                        <a:srgbClr val="A6A6A6"/>
                       </a:solidFill>
                       <a:prstDash val="solid"/>
                       <a:round/>
                     </a:lnT>
                     <a:lnB w="12700" cap="flat" cmpd="sng" algn="ctr">
                       <a:solidFill>
-                        <a:srgbClr val="a6a6a6"/>
+                        <a:srgbClr val="A6A6A6"/>
                       </a:solidFill>
                       <a:prstDash val="solid"/>
                       <a:round/>
@@ -8516,7 +8327,7 @@
         </p:nvGraphicFramePr>
         <p:xfrm>
           <a:off x="4504920" y="1758233"/>
-          <a:ext cx="3175122" cy="2698908"/>
+          <a:ext cx="3175122" cy="2697003"/>
         </p:xfrm>
         <a:graphic>
           <a:graphicData uri="http://schemas.openxmlformats.org/drawingml/2006/table">
@@ -8531,7 +8342,8 @@
               <a:tr h="358753">
                 <a:tc gridSpan="2">
                   <a:txBody>
-                    <a:bodyPr vert="horz" lIns="95655" tIns="47827" rIns="95655" bIns="47827" anchor="ctr" anchorCtr="0"/>
+                    <a:bodyPr/>
+                    <a:lstStyle/>
                     <a:p>
                       <a:pPr algn="ctr" latinLnBrk="1">
                         <a:defRPr/>
@@ -8546,40 +8358,33 @@
                         </a:rPr>
                         <a:t>VLR</a:t>
                       </a:r>
-                      <a:endParaRPr lang="en-US" altLang="ko-KR" b="0" spc="0">
-                        <a:solidFill>
-                          <a:schemeClr val="bg1"/>
-                        </a:solidFill>
-                        <a:latin typeface="+mj-ea"/>
-                        <a:ea typeface="+mj-ea"/>
-                      </a:endParaRPr>
                     </a:p>
                   </a:txBody>
                   <a:tcPr marL="95655" marR="95655" marT="47827" marB="47827" anchor="ctr">
                     <a:lnL w="12700" cap="flat" cmpd="sng" algn="ctr">
                       <a:solidFill>
-                        <a:srgbClr val="a6a6a6"/>
+                        <a:srgbClr val="A6A6A6"/>
                       </a:solidFill>
                       <a:prstDash val="solid"/>
                       <a:round/>
                     </a:lnL>
                     <a:lnR w="12700" cap="flat" cmpd="sng" algn="ctr">
                       <a:solidFill>
-                        <a:srgbClr val="a6a6a6"/>
+                        <a:srgbClr val="A6A6A6"/>
                       </a:solidFill>
                       <a:prstDash val="solid"/>
                       <a:round/>
                     </a:lnR>
                     <a:lnT w="12700" cap="flat" cmpd="sng" algn="ctr">
                       <a:solidFill>
-                        <a:srgbClr val="a6a6a6"/>
+                        <a:srgbClr val="A6A6A6"/>
                       </a:solidFill>
                       <a:prstDash val="solid"/>
                       <a:round/>
                     </a:lnT>
                     <a:lnB w="12700" cap="flat" cmpd="sng" algn="ctr">
                       <a:solidFill>
-                        <a:srgbClr val="a6a6a6"/>
+                        <a:srgbClr val="A6A6A6"/>
                       </a:solidFill>
                       <a:prstDash val="solid"/>
                       <a:round/>
@@ -8591,7 +8396,8 @@
                 </a:tc>
                 <a:tc hMerge="1">
                   <a:txBody>
-                    <a:bodyPr vert="horz" lIns="95655" tIns="47827" rIns="95655" bIns="47827" anchor="ctr" anchorCtr="0"/>
+                    <a:bodyPr/>
+                    <a:lstStyle/>
                     <a:p>
                       <a:pPr>
                         <a:defRPr/>
@@ -8644,7 +8450,8 @@
               <a:tr h="380406">
                 <a:tc>
                   <a:txBody>
-                    <a:bodyPr vert="horz" lIns="95655" tIns="47827" rIns="95655" bIns="47827" anchor="ctr" anchorCtr="0"/>
+                    <a:bodyPr/>
+                    <a:lstStyle/>
                     <a:p>
                       <a:pPr algn="ctr" latinLnBrk="1">
                         <a:defRPr/>
@@ -8659,40 +8466,33 @@
                         </a:rPr>
                         <a:t>필드 이름</a:t>
                       </a:r>
-                      <a:endParaRPr lang="ko-KR" altLang="en-US" sz="1200" b="0" spc="-300">
-                        <a:solidFill>
-                          <a:schemeClr val="bg1"/>
-                        </a:solidFill>
-                        <a:latin typeface="+mj-ea"/>
-                        <a:ea typeface="+mj-ea"/>
-                      </a:endParaRPr>
                     </a:p>
                   </a:txBody>
                   <a:tcPr marL="95655" marR="95655" marT="47827" marB="47827" anchor="ctr">
                     <a:lnL w="12700" cap="flat" cmpd="sng" algn="ctr">
                       <a:solidFill>
-                        <a:srgbClr val="a6a6a6"/>
+                        <a:srgbClr val="A6A6A6"/>
                       </a:solidFill>
                       <a:prstDash val="solid"/>
                       <a:round/>
                     </a:lnL>
                     <a:lnR w="12700" cap="flat" cmpd="sng" algn="ctr">
                       <a:solidFill>
-                        <a:srgbClr val="a6a6a6"/>
+                        <a:srgbClr val="A6A6A6"/>
                       </a:solidFill>
                       <a:prstDash val="solid"/>
                       <a:round/>
                     </a:lnR>
                     <a:lnT w="12700" cap="flat" cmpd="sng" algn="ctr">
                       <a:solidFill>
-                        <a:srgbClr val="a6a6a6"/>
+                        <a:srgbClr val="A6A6A6"/>
                       </a:solidFill>
                       <a:prstDash val="solid"/>
                       <a:round/>
                     </a:lnT>
                     <a:lnB w="12700" cap="flat" cmpd="sng" algn="ctr">
                       <a:solidFill>
-                        <a:srgbClr val="a6a6a6"/>
+                        <a:srgbClr val="A6A6A6"/>
                       </a:solidFill>
                       <a:prstDash val="solid"/>
                       <a:round/>
@@ -8704,7 +8504,8 @@
                 </a:tc>
                 <a:tc>
                   <a:txBody>
-                    <a:bodyPr vert="horz" lIns="95655" tIns="47827" rIns="95655" bIns="47827" anchor="ctr" anchorCtr="0"/>
+                    <a:bodyPr/>
+                    <a:lstStyle/>
                     <a:p>
                       <a:pPr marL="0" marR="0" lvl="0" indent="0" algn="ctr" defTabSz="914400" rtl="0" eaLnBrk="1" latinLnBrk="1" hangingPunct="1">
                         <a:lnSpc>
@@ -8731,40 +8532,33 @@
                         </a:rPr>
                         <a:t>설명</a:t>
                       </a:r>
-                      <a:endParaRPr lang="ko-KR" altLang="en-US" sz="1200" b="0" spc="-300">
-                        <a:solidFill>
-                          <a:schemeClr val="bg1"/>
-                        </a:solidFill>
-                        <a:latin typeface="+mj-ea"/>
-                        <a:ea typeface="+mj-ea"/>
-                      </a:endParaRPr>
                     </a:p>
                   </a:txBody>
                   <a:tcPr marL="95655" marR="95655" marT="47827" marB="47827" anchor="ctr">
                     <a:lnL w="12700" cap="flat" cmpd="sng" algn="ctr">
                       <a:solidFill>
-                        <a:srgbClr val="a6a6a6"/>
+                        <a:srgbClr val="A6A6A6"/>
                       </a:solidFill>
                       <a:prstDash val="solid"/>
                       <a:round/>
                     </a:lnL>
                     <a:lnR w="12700" cap="flat" cmpd="sng" algn="ctr">
                       <a:solidFill>
-                        <a:srgbClr val="a6a6a6"/>
+                        <a:srgbClr val="A6A6A6"/>
                       </a:solidFill>
                       <a:prstDash val="solid"/>
                       <a:round/>
                     </a:lnR>
                     <a:lnT w="12700" cap="flat" cmpd="sng" algn="ctr">
                       <a:solidFill>
-                        <a:srgbClr val="a6a6a6"/>
+                        <a:srgbClr val="A6A6A6"/>
                       </a:solidFill>
                       <a:prstDash val="solid"/>
                       <a:round/>
                     </a:lnT>
                     <a:lnB w="12700" cap="flat" cmpd="sng" algn="ctr">
                       <a:solidFill>
-                        <a:srgbClr val="a6a6a6"/>
+                        <a:srgbClr val="A6A6A6"/>
                       </a:solidFill>
                       <a:prstDash val="solid"/>
                       <a:round/>
@@ -8778,7 +8572,8 @@
               <a:tr h="380406">
                 <a:tc>
                   <a:txBody>
-                    <a:bodyPr vert="horz" lIns="95655" tIns="47827" rIns="95655" bIns="47827" anchor="ctr" anchorCtr="0"/>
+                    <a:bodyPr/>
+                    <a:lstStyle/>
                     <a:p>
                       <a:pPr algn="ctr" latinLnBrk="1">
                         <a:defRPr/>
@@ -8786,47 +8581,40 @@
                       <a:r>
                         <a:rPr lang="en-US" altLang="ko-KR" sz="1000" b="0" spc="-50">
                           <a:solidFill>
-                            <a:srgbClr val="40474d"/>
+                            <a:srgbClr val="40474D"/>
                           </a:solidFill>
                           <a:latin typeface="+mn-ea"/>
                           <a:ea typeface="+mn-ea"/>
                         </a:rPr>
                         <a:t>Reserved</a:t>
                       </a:r>
-                      <a:endParaRPr lang="en-US" altLang="ko-KR" sz="1000" b="0" spc="-50">
-                        <a:solidFill>
-                          <a:srgbClr val="40474d"/>
-                        </a:solidFill>
-                        <a:latin typeface="+mn-ea"/>
-                        <a:ea typeface="+mn-ea"/>
-                      </a:endParaRPr>
                     </a:p>
                   </a:txBody>
                   <a:tcPr marL="95655" marR="95655" marT="47827" marB="47827" anchor="ctr">
                     <a:lnL w="12700" cap="flat" cmpd="sng" algn="ctr">
                       <a:solidFill>
-                        <a:srgbClr val="a6a6a6"/>
+                        <a:srgbClr val="A6A6A6"/>
                       </a:solidFill>
                       <a:prstDash val="solid"/>
                       <a:round/>
                     </a:lnL>
                     <a:lnR w="12700" cap="flat" cmpd="sng" algn="ctr">
                       <a:solidFill>
-                        <a:srgbClr val="a6a6a6"/>
+                        <a:srgbClr val="A6A6A6"/>
                       </a:solidFill>
                       <a:prstDash val="solid"/>
                       <a:round/>
                     </a:lnR>
                     <a:lnT w="12700" cap="flat" cmpd="sng" algn="ctr">
                       <a:solidFill>
-                        <a:srgbClr val="a6a6a6"/>
+                        <a:srgbClr val="A6A6A6"/>
                       </a:solidFill>
                       <a:prstDash val="solid"/>
                       <a:round/>
                     </a:lnT>
                     <a:lnB w="12700" cap="flat" cmpd="sng" algn="ctr">
                       <a:solidFill>
-                        <a:srgbClr val="a6a6a6"/>
+                        <a:srgbClr val="A6A6A6"/>
                       </a:solidFill>
                       <a:prstDash val="solid"/>
                       <a:round/>
@@ -8838,7 +8626,8 @@
                 </a:tc>
                 <a:tc>
                   <a:txBody>
-                    <a:bodyPr vert="horz" lIns="95655" tIns="47827" rIns="95655" bIns="47827" anchor="ctr" anchorCtr="0"/>
+                    <a:bodyPr/>
+                    <a:lstStyle/>
                     <a:p>
                       <a:pPr latinLnBrk="1">
                         <a:defRPr/>
@@ -8846,47 +8635,40 @@
                       <a:r>
                         <a:rPr lang="ko-KR" altLang="en-US" sz="1000" b="0" spc="-150">
                           <a:solidFill>
-                            <a:srgbClr val="40474d"/>
+                            <a:srgbClr val="40474D"/>
                           </a:solidFill>
                           <a:latin typeface="+mn-ea"/>
                           <a:ea typeface="+mn-ea"/>
                         </a:rPr>
                         <a:t>예약 영역</a:t>
                       </a:r>
-                      <a:endParaRPr lang="ko-KR" altLang="en-US" sz="1000" b="0" spc="-150">
-                        <a:solidFill>
-                          <a:srgbClr val="40474d"/>
-                        </a:solidFill>
-                        <a:latin typeface="+mn-ea"/>
-                        <a:ea typeface="+mn-ea"/>
-                      </a:endParaRPr>
                     </a:p>
                   </a:txBody>
                   <a:tcPr marL="95655" marR="95655" marT="47827" marB="47827" anchor="ctr">
                     <a:lnL w="12700" cap="flat" cmpd="sng" algn="ctr">
                       <a:solidFill>
-                        <a:srgbClr val="a6a6a6"/>
+                        <a:srgbClr val="A6A6A6"/>
                       </a:solidFill>
                       <a:prstDash val="solid"/>
                       <a:round/>
                     </a:lnL>
                     <a:lnR w="12700" cap="flat" cmpd="sng" algn="ctr">
                       <a:solidFill>
-                        <a:srgbClr val="a6a6a6"/>
+                        <a:srgbClr val="A6A6A6"/>
                       </a:solidFill>
                       <a:prstDash val="solid"/>
                       <a:round/>
                     </a:lnR>
                     <a:lnT w="12700" cap="flat" cmpd="sng" algn="ctr">
                       <a:solidFill>
-                        <a:srgbClr val="a6a6a6"/>
+                        <a:srgbClr val="A6A6A6"/>
                       </a:solidFill>
                       <a:prstDash val="solid"/>
                       <a:round/>
                     </a:lnT>
                     <a:lnB w="12700" cap="flat" cmpd="sng" algn="ctr">
                       <a:solidFill>
-                        <a:srgbClr val="a6a6a6"/>
+                        <a:srgbClr val="A6A6A6"/>
                       </a:solidFill>
                       <a:prstDash val="solid"/>
                       <a:round/>
@@ -8900,7 +8682,8 @@
               <a:tr h="404951">
                 <a:tc>
                   <a:txBody>
-                    <a:bodyPr vert="horz" lIns="95655" tIns="47827" rIns="95655" bIns="47827" anchor="ctr" anchorCtr="0"/>
+                    <a:bodyPr/>
+                    <a:lstStyle/>
                     <a:p>
                       <a:pPr algn="ctr" latinLnBrk="1">
                         <a:defRPr/>
@@ -8908,47 +8691,40 @@
                       <a:r>
                         <a:rPr lang="en-US" altLang="ko-KR" sz="1000" b="0" spc="-50">
                           <a:solidFill>
-                            <a:srgbClr val="40474d"/>
+                            <a:srgbClr val="40474D"/>
                           </a:solidFill>
                           <a:latin typeface="+mn-ea"/>
                           <a:ea typeface="+mn-ea"/>
                         </a:rPr>
                         <a:t>User ID</a:t>
                       </a:r>
-                      <a:endParaRPr lang="en-US" altLang="ko-KR" sz="1000" b="0" spc="-50">
-                        <a:solidFill>
-                          <a:srgbClr val="40474d"/>
-                        </a:solidFill>
-                        <a:latin typeface="+mn-ea"/>
-                        <a:ea typeface="+mn-ea"/>
-                      </a:endParaRPr>
                     </a:p>
                   </a:txBody>
                   <a:tcPr marL="95655" marR="95655" marT="47827" marB="47827" anchor="ctr">
                     <a:lnL w="12700" cap="flat" cmpd="sng" algn="ctr">
                       <a:solidFill>
-                        <a:srgbClr val="a6a6a6"/>
+                        <a:srgbClr val="A6A6A6"/>
                       </a:solidFill>
                       <a:prstDash val="solid"/>
                       <a:round/>
                     </a:lnL>
                     <a:lnR w="12700" cap="flat" cmpd="sng" algn="ctr">
                       <a:solidFill>
-                        <a:srgbClr val="a6a6a6"/>
+                        <a:srgbClr val="A6A6A6"/>
                       </a:solidFill>
                       <a:prstDash val="solid"/>
                       <a:round/>
                     </a:lnR>
                     <a:lnT w="12700" cap="flat" cmpd="sng" algn="ctr">
                       <a:solidFill>
-                        <a:srgbClr val="a6a6a6"/>
+                        <a:srgbClr val="A6A6A6"/>
                       </a:solidFill>
                       <a:prstDash val="solid"/>
                       <a:round/>
                     </a:lnT>
                     <a:lnB w="12700" cap="flat" cmpd="sng" algn="ctr">
                       <a:solidFill>
-                        <a:srgbClr val="a6a6a6"/>
+                        <a:srgbClr val="A6A6A6"/>
                       </a:solidFill>
                       <a:prstDash val="solid"/>
                       <a:round/>
@@ -8960,7 +8736,8 @@
                 </a:tc>
                 <a:tc>
                   <a:txBody>
-                    <a:bodyPr vert="horz" lIns="95655" tIns="47827" rIns="95655" bIns="47827" anchor="ctr" anchorCtr="0"/>
+                    <a:bodyPr/>
+                    <a:lstStyle/>
                     <a:p>
                       <a:pPr latinLnBrk="1">
                         <a:defRPr/>
@@ -8968,7 +8745,7 @@
                       <a:r>
                         <a:rPr lang="en-US" altLang="ko-KR" sz="1000" b="0" spc="-50">
                           <a:solidFill>
-                            <a:srgbClr val="40474d"/>
+                            <a:srgbClr val="40474D"/>
                           </a:solidFill>
                           <a:latin typeface="+mn-ea"/>
                           <a:ea typeface="+mn-ea"/>
@@ -8978,7 +8755,7 @@
                       <a:r>
                         <a:rPr lang="ko-KR" altLang="en-US" sz="1000" b="0" spc="-50">
                           <a:solidFill>
-                            <a:srgbClr val="40474d"/>
+                            <a:srgbClr val="40474D"/>
                           </a:solidFill>
                           <a:latin typeface="+mn-ea"/>
                           <a:ea typeface="+mn-ea"/>
@@ -8988,7 +8765,7 @@
                       <a:r>
                         <a:rPr lang="en-US" altLang="ko-KR" sz="1000" b="0" spc="-50">
                           <a:solidFill>
-                            <a:srgbClr val="40474d"/>
+                            <a:srgbClr val="40474D"/>
                           </a:solidFill>
                           <a:latin typeface="+mn-ea"/>
                           <a:ea typeface="+mn-ea"/>
@@ -8998,7 +8775,7 @@
                       <a:r>
                         <a:rPr lang="ko-KR" altLang="en-US" sz="1000" b="0" spc="-50">
                           <a:solidFill>
-                            <a:srgbClr val="40474d"/>
+                            <a:srgbClr val="40474D"/>
                           </a:solidFill>
                           <a:latin typeface="+mn-ea"/>
                           <a:ea typeface="+mn-ea"/>
@@ -9008,47 +8785,40 @@
                       <a:r>
                         <a:rPr lang="en-US" altLang="ko-KR" sz="1000" b="0" spc="-50">
                           <a:solidFill>
-                            <a:srgbClr val="40474d"/>
+                            <a:srgbClr val="40474D"/>
                           </a:solidFill>
                           <a:latin typeface="+mn-ea"/>
                           <a:ea typeface="+mn-ea"/>
                         </a:rPr>
                         <a:t>)</a:t>
                       </a:r>
-                      <a:endParaRPr lang="en-US" altLang="ko-KR" sz="1000" b="0" spc="-50">
-                        <a:solidFill>
-                          <a:srgbClr val="40474d"/>
-                        </a:solidFill>
-                        <a:latin typeface="+mn-ea"/>
-                        <a:ea typeface="+mn-ea"/>
-                      </a:endParaRPr>
                     </a:p>
                   </a:txBody>
                   <a:tcPr marL="95655" marR="95655" marT="47827" marB="47827" anchor="ctr">
                     <a:lnL w="12700" cap="flat" cmpd="sng" algn="ctr">
                       <a:solidFill>
-                        <a:srgbClr val="a6a6a6"/>
+                        <a:srgbClr val="A6A6A6"/>
                       </a:solidFill>
                       <a:prstDash val="solid"/>
                       <a:round/>
                     </a:lnL>
                     <a:lnR w="12700" cap="flat" cmpd="sng" algn="ctr">
                       <a:solidFill>
-                        <a:srgbClr val="a6a6a6"/>
+                        <a:srgbClr val="A6A6A6"/>
                       </a:solidFill>
                       <a:prstDash val="solid"/>
                       <a:round/>
                     </a:lnR>
                     <a:lnT w="12700" cap="flat" cmpd="sng" algn="ctr">
                       <a:solidFill>
-                        <a:srgbClr val="a6a6a6"/>
+                        <a:srgbClr val="A6A6A6"/>
                       </a:solidFill>
                       <a:prstDash val="solid"/>
                       <a:round/>
                     </a:lnT>
                     <a:lnB w="12700" cap="flat" cmpd="sng" algn="ctr">
                       <a:solidFill>
-                        <a:srgbClr val="a6a6a6"/>
+                        <a:srgbClr val="A6A6A6"/>
                       </a:solidFill>
                       <a:prstDash val="solid"/>
                       <a:round/>
@@ -9062,7 +8832,8 @@
               <a:tr h="380406">
                 <a:tc>
                   <a:txBody>
-                    <a:bodyPr vert="horz" lIns="95655" tIns="47827" rIns="95655" bIns="47827" anchor="ctr" anchorCtr="0"/>
+                    <a:bodyPr/>
+                    <a:lstStyle/>
                     <a:p>
                       <a:pPr algn="ctr" latinLnBrk="1">
                         <a:defRPr/>
@@ -9070,47 +8841,40 @@
                       <a:r>
                         <a:rPr lang="en-US" altLang="ko-KR" sz="1000" b="0" spc="-50">
                           <a:solidFill>
-                            <a:srgbClr val="40474d"/>
+                            <a:srgbClr val="40474D"/>
                           </a:solidFill>
                           <a:latin typeface="+mn-ea"/>
                           <a:ea typeface="+mn-ea"/>
                         </a:rPr>
                         <a:t>Record ID</a:t>
                       </a:r>
-                      <a:endParaRPr lang="en-US" altLang="ko-KR" sz="1000" b="0" spc="-50">
-                        <a:solidFill>
-                          <a:srgbClr val="40474d"/>
-                        </a:solidFill>
-                        <a:latin typeface="+mn-ea"/>
-                        <a:ea typeface="+mn-ea"/>
-                      </a:endParaRPr>
                     </a:p>
                   </a:txBody>
                   <a:tcPr marL="95655" marR="95655" marT="47827" marB="47827" anchor="ctr">
                     <a:lnL w="12700" cap="flat" cmpd="sng" algn="ctr">
                       <a:solidFill>
-                        <a:srgbClr val="a6a6a6"/>
+                        <a:srgbClr val="A6A6A6"/>
                       </a:solidFill>
                       <a:prstDash val="solid"/>
                       <a:round/>
                     </a:lnL>
                     <a:lnR w="12700" cap="flat" cmpd="sng" algn="ctr">
                       <a:solidFill>
-                        <a:srgbClr val="a6a6a6"/>
+                        <a:srgbClr val="A6A6A6"/>
                       </a:solidFill>
                       <a:prstDash val="solid"/>
                       <a:round/>
                     </a:lnR>
                     <a:lnT w="12700" cap="flat" cmpd="sng" algn="ctr">
                       <a:solidFill>
-                        <a:srgbClr val="a6a6a6"/>
+                        <a:srgbClr val="A6A6A6"/>
                       </a:solidFill>
                       <a:prstDash val="solid"/>
                       <a:round/>
                     </a:lnT>
                     <a:lnB w="12700" cap="flat" cmpd="sng" algn="ctr">
                       <a:solidFill>
-                        <a:srgbClr val="a6a6a6"/>
+                        <a:srgbClr val="A6A6A6"/>
                       </a:solidFill>
                       <a:prstDash val="solid"/>
                       <a:round/>
@@ -9122,7 +8886,8 @@
                 </a:tc>
                 <a:tc>
                   <a:txBody>
-                    <a:bodyPr vert="horz" lIns="95655" tIns="47827" rIns="95655" bIns="47827" anchor="ctr" anchorCtr="0"/>
+                    <a:bodyPr/>
+                    <a:lstStyle/>
                     <a:p>
                       <a:pPr latinLnBrk="1">
                         <a:defRPr/>
@@ -9130,7 +8895,7 @@
                       <a:r>
                         <a:rPr lang="ko-KR" altLang="en-US" sz="1000" b="0" spc="-50">
                           <a:solidFill>
-                            <a:srgbClr val="40474d"/>
+                            <a:srgbClr val="40474D"/>
                           </a:solidFill>
                           <a:latin typeface="+mn-ea"/>
                           <a:ea typeface="+mn-ea"/>
@@ -9140,7 +8905,7 @@
                       <a:r>
                         <a:rPr lang="en-US" altLang="ko-KR" sz="1000" b="0" spc="-50">
                           <a:solidFill>
-                            <a:srgbClr val="40474d"/>
+                            <a:srgbClr val="40474D"/>
                           </a:solidFill>
                           <a:latin typeface="+mn-ea"/>
                           <a:ea typeface="+mn-ea"/>
@@ -9150,7 +8915,7 @@
                       <a:r>
                         <a:rPr lang="ko-KR" altLang="en-US" sz="1000" b="0" spc="-50">
                           <a:solidFill>
-                            <a:srgbClr val="40474d"/>
+                            <a:srgbClr val="40474D"/>
                           </a:solidFill>
                           <a:latin typeface="+mn-ea"/>
                           <a:ea typeface="+mn-ea"/>
@@ -9160,47 +8925,40 @@
                       <a:r>
                         <a:rPr lang="en-US" altLang="ko-KR" sz="1000" b="0" spc="-50">
                           <a:solidFill>
-                            <a:srgbClr val="40474d"/>
+                            <a:srgbClr val="40474D"/>
                           </a:solidFill>
                           <a:latin typeface="+mn-ea"/>
                           <a:ea typeface="+mn-ea"/>
                         </a:rPr>
                         <a:t>ID</a:t>
                       </a:r>
-                      <a:endParaRPr lang="en-US" altLang="ko-KR" sz="1000" b="0" spc="-50">
-                        <a:solidFill>
-                          <a:srgbClr val="40474d"/>
-                        </a:solidFill>
-                        <a:latin typeface="+mn-ea"/>
-                        <a:ea typeface="+mn-ea"/>
-                      </a:endParaRPr>
                     </a:p>
                   </a:txBody>
                   <a:tcPr marL="95655" marR="95655" marT="47827" marB="47827" anchor="ctr">
                     <a:lnL w="12700" cap="flat" cmpd="sng" algn="ctr">
                       <a:solidFill>
-                        <a:srgbClr val="a6a6a6"/>
+                        <a:srgbClr val="A6A6A6"/>
                       </a:solidFill>
                       <a:prstDash val="solid"/>
                       <a:round/>
                     </a:lnL>
                     <a:lnR w="12700" cap="flat" cmpd="sng" algn="ctr">
                       <a:solidFill>
-                        <a:srgbClr val="a6a6a6"/>
+                        <a:srgbClr val="A6A6A6"/>
                       </a:solidFill>
                       <a:prstDash val="solid"/>
                       <a:round/>
                     </a:lnR>
                     <a:lnT w="12700" cap="flat" cmpd="sng" algn="ctr">
                       <a:solidFill>
-                        <a:srgbClr val="a6a6a6"/>
+                        <a:srgbClr val="A6A6A6"/>
                       </a:solidFill>
                       <a:prstDash val="solid"/>
                       <a:round/>
                     </a:lnT>
                     <a:lnB w="12700" cap="flat" cmpd="sng" algn="ctr">
                       <a:solidFill>
-                        <a:srgbClr val="a6a6a6"/>
+                        <a:srgbClr val="A6A6A6"/>
                       </a:solidFill>
                       <a:prstDash val="solid"/>
                       <a:round/>
@@ -9214,7 +8972,8 @@
               <a:tr h="380406">
                 <a:tc>
                   <a:txBody>
-                    <a:bodyPr vert="horz" lIns="95655" tIns="47827" rIns="95655" bIns="47827" anchor="ctr" anchorCtr="0"/>
+                    <a:bodyPr/>
+                    <a:lstStyle/>
                     <a:p>
                       <a:pPr algn="ctr" latinLnBrk="1">
                         <a:defRPr/>
@@ -9222,47 +8981,40 @@
                       <a:r>
                         <a:rPr lang="en-US" altLang="ko-KR" sz="1000" b="0" spc="-50">
                           <a:solidFill>
-                            <a:srgbClr val="40474d"/>
+                            <a:srgbClr val="40474D"/>
                           </a:solidFill>
                           <a:latin typeface="+mn-ea"/>
                           <a:ea typeface="+mn-ea"/>
                         </a:rPr>
                         <a:t>Record Length After Header</a:t>
                       </a:r>
-                      <a:endParaRPr lang="en-US" altLang="ko-KR" sz="1000" b="0" spc="-50">
-                        <a:solidFill>
-                          <a:srgbClr val="40474d"/>
-                        </a:solidFill>
-                        <a:latin typeface="+mn-ea"/>
-                        <a:ea typeface="+mn-ea"/>
-                      </a:endParaRPr>
                     </a:p>
                   </a:txBody>
                   <a:tcPr marL="95655" marR="95655" marT="47827" marB="47827" anchor="ctr">
                     <a:lnL w="12700" cap="flat" cmpd="sng" algn="ctr">
                       <a:solidFill>
-                        <a:srgbClr val="a6a6a6"/>
+                        <a:srgbClr val="A6A6A6"/>
                       </a:solidFill>
                       <a:prstDash val="solid"/>
                       <a:round/>
                     </a:lnL>
                     <a:lnR w="12700" cap="flat" cmpd="sng" algn="ctr">
                       <a:solidFill>
-                        <a:srgbClr val="a6a6a6"/>
+                        <a:srgbClr val="A6A6A6"/>
                       </a:solidFill>
                       <a:prstDash val="solid"/>
                       <a:round/>
                     </a:lnR>
                     <a:lnT w="12700" cap="flat" cmpd="sng" algn="ctr">
                       <a:solidFill>
-                        <a:srgbClr val="a6a6a6"/>
+                        <a:srgbClr val="A6A6A6"/>
                       </a:solidFill>
                       <a:prstDash val="solid"/>
                       <a:round/>
                     </a:lnT>
                     <a:lnB w="12700" cap="flat" cmpd="sng" algn="ctr">
                       <a:solidFill>
-                        <a:srgbClr val="a6a6a6"/>
+                        <a:srgbClr val="A6A6A6"/>
                       </a:solidFill>
                       <a:prstDash val="solid"/>
                       <a:round/>
@@ -9274,7 +9026,8 @@
                 </a:tc>
                 <a:tc>
                   <a:txBody>
-                    <a:bodyPr vert="horz" lIns="95655" tIns="47827" rIns="95655" bIns="47827" anchor="ctr" anchorCtr="0"/>
+                    <a:bodyPr/>
+                    <a:lstStyle/>
                     <a:p>
                       <a:pPr latinLnBrk="1">
                         <a:defRPr/>
@@ -9282,7 +9035,7 @@
                       <a:r>
                         <a:rPr lang="en-US" altLang="ko-KR" sz="1000" b="0" spc="-50">
                           <a:solidFill>
-                            <a:srgbClr val="40474d"/>
+                            <a:srgbClr val="40474D"/>
                           </a:solidFill>
                           <a:latin typeface="+mn-ea"/>
                           <a:ea typeface="+mn-ea"/>
@@ -9292,47 +9045,40 @@
                       <a:r>
                         <a:rPr lang="ko-KR" altLang="en-US" sz="1000" b="0" spc="-50">
                           <a:solidFill>
-                            <a:srgbClr val="40474d"/>
+                            <a:srgbClr val="40474D"/>
                           </a:solidFill>
                           <a:latin typeface="+mn-ea"/>
                           <a:ea typeface="+mn-ea"/>
                         </a:rPr>
                         <a:t> 헤더 이후의 길이</a:t>
                       </a:r>
-                      <a:endParaRPr lang="ko-KR" altLang="en-US" sz="1000" b="0" spc="-50">
-                        <a:solidFill>
-                          <a:srgbClr val="40474d"/>
-                        </a:solidFill>
-                        <a:latin typeface="+mn-ea"/>
-                        <a:ea typeface="+mn-ea"/>
-                      </a:endParaRPr>
                     </a:p>
                   </a:txBody>
                   <a:tcPr marL="95655" marR="95655" marT="47827" marB="47827" anchor="ctr">
                     <a:lnL w="12700" cap="flat" cmpd="sng" algn="ctr">
                       <a:solidFill>
-                        <a:srgbClr val="a6a6a6"/>
+                        <a:srgbClr val="A6A6A6"/>
                       </a:solidFill>
                       <a:prstDash val="solid"/>
                       <a:round/>
                     </a:lnL>
                     <a:lnR w="12700" cap="flat" cmpd="sng" algn="ctr">
                       <a:solidFill>
-                        <a:srgbClr val="a6a6a6"/>
+                        <a:srgbClr val="A6A6A6"/>
                       </a:solidFill>
                       <a:prstDash val="solid"/>
                       <a:round/>
                     </a:lnR>
                     <a:lnT w="12700" cap="flat" cmpd="sng" algn="ctr">
                       <a:solidFill>
-                        <a:srgbClr val="a6a6a6"/>
+                        <a:srgbClr val="A6A6A6"/>
                       </a:solidFill>
                       <a:prstDash val="solid"/>
                       <a:round/>
                     </a:lnT>
                     <a:lnB w="12700" cap="flat" cmpd="sng" algn="ctr">
                       <a:solidFill>
-                        <a:srgbClr val="a6a6a6"/>
+                        <a:srgbClr val="A6A6A6"/>
                       </a:solidFill>
                       <a:prstDash val="solid"/>
                       <a:round/>
@@ -9346,7 +9092,8 @@
               <a:tr h="380406">
                 <a:tc>
                   <a:txBody>
-                    <a:bodyPr vert="horz" lIns="95655" tIns="47827" rIns="95655" bIns="47827" anchor="ctr" anchorCtr="0"/>
+                    <a:bodyPr/>
+                    <a:lstStyle/>
                     <a:p>
                       <a:pPr algn="ctr" latinLnBrk="1">
                         <a:defRPr/>
@@ -9354,47 +9101,40 @@
                       <a:r>
                         <a:rPr lang="en-US" altLang="ko-KR" sz="1000" b="0" spc="-50">
                           <a:solidFill>
-                            <a:srgbClr val="40474d"/>
+                            <a:srgbClr val="40474D"/>
                           </a:solidFill>
                           <a:latin typeface="+mn-ea"/>
                           <a:ea typeface="+mn-ea"/>
                         </a:rPr>
                         <a:t>Description</a:t>
                       </a:r>
-                      <a:endParaRPr lang="en-US" altLang="ko-KR" sz="1000" b="0" spc="-50">
-                        <a:solidFill>
-                          <a:srgbClr val="40474d"/>
-                        </a:solidFill>
-                        <a:latin typeface="+mn-ea"/>
-                        <a:ea typeface="+mn-ea"/>
-                      </a:endParaRPr>
                     </a:p>
                   </a:txBody>
                   <a:tcPr marL="95655" marR="95655" marT="47827" marB="47827" anchor="ctr">
                     <a:lnL w="12700" cap="flat" cmpd="sng" algn="ctr">
                       <a:solidFill>
-                        <a:srgbClr val="a6a6a6"/>
+                        <a:srgbClr val="A6A6A6"/>
                       </a:solidFill>
                       <a:prstDash val="solid"/>
                       <a:round/>
                     </a:lnL>
                     <a:lnR w="12700" cap="flat" cmpd="sng" algn="ctr">
                       <a:solidFill>
-                        <a:srgbClr val="a6a6a6"/>
+                        <a:srgbClr val="A6A6A6"/>
                       </a:solidFill>
                       <a:prstDash val="solid"/>
                       <a:round/>
                     </a:lnR>
                     <a:lnT w="12700" cap="flat" cmpd="sng" algn="ctr">
                       <a:solidFill>
-                        <a:srgbClr val="a6a6a6"/>
+                        <a:srgbClr val="A6A6A6"/>
                       </a:solidFill>
                       <a:prstDash val="solid"/>
                       <a:round/>
                     </a:lnT>
                     <a:lnB w="12700" cap="flat" cmpd="sng" algn="ctr">
                       <a:solidFill>
-                        <a:srgbClr val="a6a6a6"/>
+                        <a:srgbClr val="A6A6A6"/>
                       </a:solidFill>
                       <a:prstDash val="solid"/>
                       <a:round/>
@@ -9406,7 +9146,8 @@
                 </a:tc>
                 <a:tc>
                   <a:txBody>
-                    <a:bodyPr vert="horz" lIns="95655" tIns="47827" rIns="95655" bIns="47827" anchor="ctr" anchorCtr="0"/>
+                    <a:bodyPr/>
+                    <a:lstStyle/>
                     <a:p>
                       <a:pPr latinLnBrk="1">
                         <a:defRPr/>
@@ -9414,7 +9155,7 @@
                       <a:r>
                         <a:rPr lang="en-US" altLang="ko-KR" sz="1000" b="0" spc="-50">
                           <a:solidFill>
-                            <a:srgbClr val="40474d"/>
+                            <a:srgbClr val="40474D"/>
                           </a:solidFill>
                           <a:latin typeface="+mn-ea"/>
                           <a:ea typeface="+mn-ea"/>
@@ -9424,47 +9165,40 @@
                       <a:r>
                         <a:rPr lang="ko-KR" altLang="en-US" sz="1000" b="0" spc="-50">
                           <a:solidFill>
-                            <a:srgbClr val="40474d"/>
+                            <a:srgbClr val="40474D"/>
                           </a:solidFill>
                           <a:latin typeface="+mn-ea"/>
                           <a:ea typeface="+mn-ea"/>
                         </a:rPr>
                         <a:t>의 설명 또는 용도</a:t>
                       </a:r>
-                      <a:endParaRPr lang="ko-KR" altLang="en-US" sz="1000" b="0" spc="-50">
-                        <a:solidFill>
-                          <a:srgbClr val="40474d"/>
-                        </a:solidFill>
-                        <a:latin typeface="+mn-ea"/>
-                        <a:ea typeface="+mn-ea"/>
-                      </a:endParaRPr>
                     </a:p>
                   </a:txBody>
                   <a:tcPr marL="95655" marR="95655" marT="47827" marB="47827" anchor="ctr">
                     <a:lnL w="12700" cap="flat" cmpd="sng" algn="ctr">
                       <a:solidFill>
-                        <a:srgbClr val="a6a6a6"/>
+                        <a:srgbClr val="A6A6A6"/>
                       </a:solidFill>
                       <a:prstDash val="solid"/>
                       <a:round/>
                     </a:lnL>
                     <a:lnR w="12700" cap="flat" cmpd="sng" algn="ctr">
                       <a:solidFill>
-                        <a:srgbClr val="a6a6a6"/>
+                        <a:srgbClr val="A6A6A6"/>
                       </a:solidFill>
                       <a:prstDash val="solid"/>
                       <a:round/>
                     </a:lnR>
                     <a:lnT w="12700" cap="flat" cmpd="sng" algn="ctr">
                       <a:solidFill>
-                        <a:srgbClr val="a6a6a6"/>
+                        <a:srgbClr val="A6A6A6"/>
                       </a:solidFill>
                       <a:prstDash val="solid"/>
                       <a:round/>
                     </a:lnT>
                     <a:lnB w="12700" cap="flat" cmpd="sng" algn="ctr">
                       <a:solidFill>
-                        <a:srgbClr val="a6a6a6"/>
+                        <a:srgbClr val="A6A6A6"/>
                       </a:solidFill>
                       <a:prstDash val="solid"/>
                       <a:round/>
@@ -9489,7 +9223,7 @@
         </p:nvGraphicFramePr>
         <p:xfrm>
           <a:off x="8106862" y="1767052"/>
-          <a:ext cx="3175122" cy="3880222"/>
+          <a:ext cx="3175122" cy="3878317"/>
         </p:xfrm>
         <a:graphic>
           <a:graphicData uri="http://schemas.openxmlformats.org/drawingml/2006/table">
@@ -9504,7 +9238,8 @@
               <a:tr h="358753">
                 <a:tc gridSpan="2">
                   <a:txBody>
-                    <a:bodyPr vert="horz" lIns="95655" tIns="47827" rIns="95655" bIns="47827" anchor="ctr" anchorCtr="0"/>
+                    <a:bodyPr/>
+                    <a:lstStyle/>
                     <a:p>
                       <a:pPr algn="ctr" latinLnBrk="1">
                         <a:defRPr/>
@@ -9519,40 +9254,33 @@
                         </a:rPr>
                         <a:t>Point Data Records</a:t>
                       </a:r>
-                      <a:endParaRPr lang="en-US" altLang="ko-KR" b="0" spc="0">
-                        <a:solidFill>
-                          <a:schemeClr val="bg1"/>
-                        </a:solidFill>
-                        <a:latin typeface="+mj-ea"/>
-                        <a:ea typeface="+mj-ea"/>
-                      </a:endParaRPr>
                     </a:p>
                   </a:txBody>
                   <a:tcPr marL="95655" marR="95655" marT="47827" marB="47827" anchor="ctr">
                     <a:lnL w="12700" cap="flat" cmpd="sng" algn="ctr">
                       <a:solidFill>
-                        <a:srgbClr val="a6a6a6"/>
+                        <a:srgbClr val="A6A6A6"/>
                       </a:solidFill>
                       <a:prstDash val="solid"/>
                       <a:round/>
                     </a:lnL>
                     <a:lnR w="12700" cap="flat" cmpd="sng" algn="ctr">
                       <a:solidFill>
-                        <a:srgbClr val="a6a6a6"/>
+                        <a:srgbClr val="A6A6A6"/>
                       </a:solidFill>
                       <a:prstDash val="solid"/>
                       <a:round/>
                     </a:lnR>
                     <a:lnT w="12700" cap="flat" cmpd="sng" algn="ctr">
                       <a:solidFill>
-                        <a:srgbClr val="a6a6a6"/>
+                        <a:srgbClr val="A6A6A6"/>
                       </a:solidFill>
                       <a:prstDash val="solid"/>
                       <a:round/>
                     </a:lnT>
                     <a:lnB w="12700" cap="flat" cmpd="sng" algn="ctr">
                       <a:solidFill>
-                        <a:srgbClr val="a6a6a6"/>
+                        <a:srgbClr val="A6A6A6"/>
                       </a:solidFill>
                       <a:prstDash val="solid"/>
                       <a:round/>
@@ -9564,7 +9292,8 @@
                 </a:tc>
                 <a:tc hMerge="1">
                   <a:txBody>
-                    <a:bodyPr vert="horz" lIns="95655" tIns="47827" rIns="95655" bIns="47827" anchor="ctr" anchorCtr="0"/>
+                    <a:bodyPr/>
+                    <a:lstStyle/>
                     <a:p>
                       <a:pPr>
                         <a:defRPr/>
@@ -9617,7 +9346,8 @@
               <a:tr h="380406">
                 <a:tc>
                   <a:txBody>
-                    <a:bodyPr vert="horz" lIns="95655" tIns="47827" rIns="95655" bIns="47827" anchor="ctr" anchorCtr="0"/>
+                    <a:bodyPr/>
+                    <a:lstStyle/>
                     <a:p>
                       <a:pPr algn="ctr" latinLnBrk="1">
                         <a:defRPr/>
@@ -9632,40 +9362,33 @@
                         </a:rPr>
                         <a:t>필드 이름</a:t>
                       </a:r>
-                      <a:endParaRPr lang="ko-KR" altLang="en-US" sz="1200" b="0" spc="-300">
-                        <a:solidFill>
-                          <a:schemeClr val="bg1"/>
-                        </a:solidFill>
-                        <a:latin typeface="+mj-ea"/>
-                        <a:ea typeface="+mj-ea"/>
-                      </a:endParaRPr>
                     </a:p>
                   </a:txBody>
                   <a:tcPr marL="95655" marR="95655" marT="47827" marB="47827" anchor="ctr">
                     <a:lnL w="12700" cap="flat" cmpd="sng" algn="ctr">
                       <a:solidFill>
-                        <a:srgbClr val="a6a6a6"/>
+                        <a:srgbClr val="A6A6A6"/>
                       </a:solidFill>
                       <a:prstDash val="solid"/>
                       <a:round/>
                     </a:lnL>
                     <a:lnR w="12700" cap="flat" cmpd="sng" algn="ctr">
                       <a:solidFill>
-                        <a:srgbClr val="a6a6a6"/>
+                        <a:srgbClr val="A6A6A6"/>
                       </a:solidFill>
                       <a:prstDash val="solid"/>
                       <a:round/>
                     </a:lnR>
                     <a:lnT w="12700" cap="flat" cmpd="sng" algn="ctr">
                       <a:solidFill>
-                        <a:srgbClr val="a6a6a6"/>
+                        <a:srgbClr val="A6A6A6"/>
                       </a:solidFill>
                       <a:prstDash val="solid"/>
                       <a:round/>
                     </a:lnT>
                     <a:lnB w="12700" cap="flat" cmpd="sng" algn="ctr">
                       <a:solidFill>
-                        <a:srgbClr val="a6a6a6"/>
+                        <a:srgbClr val="A6A6A6"/>
                       </a:solidFill>
                       <a:prstDash val="solid"/>
                       <a:round/>
@@ -9677,7 +9400,8 @@
                 </a:tc>
                 <a:tc>
                   <a:txBody>
-                    <a:bodyPr vert="horz" lIns="95655" tIns="47827" rIns="95655" bIns="47827" anchor="ctr" anchorCtr="0"/>
+                    <a:bodyPr/>
+                    <a:lstStyle/>
                     <a:p>
                       <a:pPr marL="0" marR="0" lvl="0" indent="0" algn="ctr" defTabSz="914400" rtl="0" eaLnBrk="1" latinLnBrk="1" hangingPunct="1">
                         <a:lnSpc>
@@ -9704,40 +9428,33 @@
                         </a:rPr>
                         <a:t>설명</a:t>
                       </a:r>
-                      <a:endParaRPr lang="ko-KR" altLang="en-US" sz="1200" b="0" spc="-300">
-                        <a:solidFill>
-                          <a:schemeClr val="bg1"/>
-                        </a:solidFill>
-                        <a:latin typeface="+mj-ea"/>
-                        <a:ea typeface="+mj-ea"/>
-                      </a:endParaRPr>
                     </a:p>
                   </a:txBody>
                   <a:tcPr marL="95655" marR="95655" marT="47827" marB="47827" anchor="ctr">
                     <a:lnL w="12700" cap="flat" cmpd="sng" algn="ctr">
                       <a:solidFill>
-                        <a:srgbClr val="a6a6a6"/>
+                        <a:srgbClr val="A6A6A6"/>
                       </a:solidFill>
                       <a:prstDash val="solid"/>
                       <a:round/>
                     </a:lnL>
                     <a:lnR w="12700" cap="flat" cmpd="sng" algn="ctr">
                       <a:solidFill>
-                        <a:srgbClr val="a6a6a6"/>
+                        <a:srgbClr val="A6A6A6"/>
                       </a:solidFill>
                       <a:prstDash val="solid"/>
                       <a:round/>
                     </a:lnR>
                     <a:lnT w="12700" cap="flat" cmpd="sng" algn="ctr">
                       <a:solidFill>
-                        <a:srgbClr val="a6a6a6"/>
+                        <a:srgbClr val="A6A6A6"/>
                       </a:solidFill>
                       <a:prstDash val="solid"/>
                       <a:round/>
                     </a:lnT>
                     <a:lnB w="12700" cap="flat" cmpd="sng" algn="ctr">
                       <a:solidFill>
-                        <a:srgbClr val="a6a6a6"/>
+                        <a:srgbClr val="A6A6A6"/>
                       </a:solidFill>
                       <a:prstDash val="solid"/>
                       <a:round/>
@@ -9751,7 +9468,8 @@
               <a:tr h="380406">
                 <a:tc>
                   <a:txBody>
-                    <a:bodyPr vert="horz" lIns="95655" tIns="47827" rIns="95655" bIns="47827" anchor="ctr" anchorCtr="0"/>
+                    <a:bodyPr/>
+                    <a:lstStyle/>
                     <a:p>
                       <a:pPr algn="ctr" latinLnBrk="1">
                         <a:defRPr/>
@@ -9759,47 +9477,40 @@
                       <a:r>
                         <a:rPr lang="en-US" altLang="ko-KR" sz="1000" b="0" spc="-50">
                           <a:solidFill>
-                            <a:srgbClr val="40474d"/>
+                            <a:srgbClr val="40474D"/>
                           </a:solidFill>
                           <a:latin typeface="+mn-ea"/>
                           <a:ea typeface="+mn-ea"/>
                         </a:rPr>
                         <a:t>X, Y, Z</a:t>
                       </a:r>
-                      <a:endParaRPr lang="en-US" altLang="ko-KR" sz="1000" b="0" spc="-50">
-                        <a:solidFill>
-                          <a:srgbClr val="40474d"/>
-                        </a:solidFill>
-                        <a:latin typeface="+mn-ea"/>
-                        <a:ea typeface="+mn-ea"/>
-                      </a:endParaRPr>
                     </a:p>
                   </a:txBody>
                   <a:tcPr marL="95655" marR="95655" marT="47827" marB="47827" anchor="ctr">
                     <a:lnL w="12700" cap="flat" cmpd="sng" algn="ctr">
                       <a:solidFill>
-                        <a:srgbClr val="a6a6a6"/>
+                        <a:srgbClr val="A6A6A6"/>
                       </a:solidFill>
                       <a:prstDash val="solid"/>
                       <a:round/>
                     </a:lnL>
                     <a:lnR w="12700" cap="flat" cmpd="sng" algn="ctr">
                       <a:solidFill>
-                        <a:srgbClr val="a6a6a6"/>
+                        <a:srgbClr val="A6A6A6"/>
                       </a:solidFill>
                       <a:prstDash val="solid"/>
                       <a:round/>
                     </a:lnR>
                     <a:lnT w="12700" cap="flat" cmpd="sng" algn="ctr">
                       <a:solidFill>
-                        <a:srgbClr val="a6a6a6"/>
+                        <a:srgbClr val="A6A6A6"/>
                       </a:solidFill>
                       <a:prstDash val="solid"/>
                       <a:round/>
                     </a:lnT>
                     <a:lnB w="12700" cap="flat" cmpd="sng" algn="ctr">
                       <a:solidFill>
-                        <a:srgbClr val="a6a6a6"/>
+                        <a:srgbClr val="A6A6A6"/>
                       </a:solidFill>
                       <a:prstDash val="solid"/>
                       <a:round/>
@@ -9811,7 +9522,8 @@
                 </a:tc>
                 <a:tc>
                   <a:txBody>
-                    <a:bodyPr vert="horz" lIns="95655" tIns="47827" rIns="95655" bIns="47827" anchor="ctr" anchorCtr="0"/>
+                    <a:bodyPr/>
+                    <a:lstStyle/>
                     <a:p>
                       <a:pPr latinLnBrk="1">
                         <a:defRPr/>
@@ -9819,7 +9531,7 @@
                       <a:r>
                         <a:rPr lang="ko-KR" altLang="en-US" sz="1000" b="0" spc="-150">
                           <a:solidFill>
-                            <a:srgbClr val="40474d"/>
+                            <a:srgbClr val="40474D"/>
                           </a:solidFill>
                           <a:latin typeface="+mn-ea"/>
                           <a:ea typeface="+mn-ea"/>
@@ -9829,7 +9541,7 @@
                       <a:r>
                         <a:rPr lang="en-US" altLang="ko-KR" sz="1000" b="0" spc="-150">
                           <a:solidFill>
-                            <a:srgbClr val="40474d"/>
+                            <a:srgbClr val="40474D"/>
                           </a:solidFill>
                           <a:latin typeface="+mn-ea"/>
                           <a:ea typeface="+mn-ea"/>
@@ -9839,47 +9551,40 @@
                       <a:r>
                         <a:rPr lang="ko-KR" altLang="en-US" sz="1000" b="0" spc="-150">
                           <a:solidFill>
-                            <a:srgbClr val="40474d"/>
+                            <a:srgbClr val="40474D"/>
                           </a:solidFill>
                           <a:latin typeface="+mn-ea"/>
                           <a:ea typeface="+mn-ea"/>
                         </a:rPr>
                         <a:t> 공간 좌표</a:t>
                       </a:r>
-                      <a:endParaRPr lang="ko-KR" altLang="en-US" sz="1000" b="0" spc="-150">
-                        <a:solidFill>
-                          <a:srgbClr val="40474d"/>
-                        </a:solidFill>
-                        <a:latin typeface="+mn-ea"/>
-                        <a:ea typeface="+mn-ea"/>
-                      </a:endParaRPr>
                     </a:p>
                   </a:txBody>
                   <a:tcPr marL="95655" marR="95655" marT="47827" marB="47827" anchor="ctr">
                     <a:lnL w="12700" cap="flat" cmpd="sng" algn="ctr">
                       <a:solidFill>
-                        <a:srgbClr val="a6a6a6"/>
+                        <a:srgbClr val="A6A6A6"/>
                       </a:solidFill>
                       <a:prstDash val="solid"/>
                       <a:round/>
                     </a:lnL>
                     <a:lnR w="12700" cap="flat" cmpd="sng" algn="ctr">
                       <a:solidFill>
-                        <a:srgbClr val="a6a6a6"/>
+                        <a:srgbClr val="A6A6A6"/>
                       </a:solidFill>
                       <a:prstDash val="solid"/>
                       <a:round/>
                     </a:lnR>
                     <a:lnT w="12700" cap="flat" cmpd="sng" algn="ctr">
                       <a:solidFill>
-                        <a:srgbClr val="a6a6a6"/>
+                        <a:srgbClr val="A6A6A6"/>
                       </a:solidFill>
                       <a:prstDash val="solid"/>
                       <a:round/>
                     </a:lnT>
                     <a:lnB w="12700" cap="flat" cmpd="sng" algn="ctr">
                       <a:solidFill>
-                        <a:srgbClr val="a6a6a6"/>
+                        <a:srgbClr val="A6A6A6"/>
                       </a:solidFill>
                       <a:prstDash val="solid"/>
                       <a:round/>
@@ -9893,7 +9598,8 @@
               <a:tr h="404951">
                 <a:tc>
                   <a:txBody>
-                    <a:bodyPr vert="horz" lIns="95655" tIns="47827" rIns="95655" bIns="47827" anchor="ctr" anchorCtr="0"/>
+                    <a:bodyPr/>
+                    <a:lstStyle/>
                     <a:p>
                       <a:pPr algn="ctr" latinLnBrk="1">
                         <a:defRPr/>
@@ -9901,47 +9607,40 @@
                       <a:r>
                         <a:rPr lang="en-US" altLang="ko-KR" sz="1000" b="0" spc="-50">
                           <a:solidFill>
-                            <a:srgbClr val="40474d"/>
+                            <a:srgbClr val="40474D"/>
                           </a:solidFill>
                           <a:latin typeface="+mn-ea"/>
                           <a:ea typeface="+mn-ea"/>
                         </a:rPr>
                         <a:t>Intensity</a:t>
                       </a:r>
-                      <a:endParaRPr lang="en-US" altLang="ko-KR" sz="1000" b="0" spc="-50">
-                        <a:solidFill>
-                          <a:srgbClr val="40474d"/>
-                        </a:solidFill>
-                        <a:latin typeface="+mn-ea"/>
-                        <a:ea typeface="+mn-ea"/>
-                      </a:endParaRPr>
                     </a:p>
                   </a:txBody>
                   <a:tcPr marL="95655" marR="95655" marT="47827" marB="47827" anchor="ctr">
                     <a:lnL w="12700" cap="flat" cmpd="sng" algn="ctr">
                       <a:solidFill>
-                        <a:srgbClr val="a6a6a6"/>
+                        <a:srgbClr val="A6A6A6"/>
                       </a:solidFill>
                       <a:prstDash val="solid"/>
                       <a:round/>
                     </a:lnL>
                     <a:lnR w="12700" cap="flat" cmpd="sng" algn="ctr">
                       <a:solidFill>
-                        <a:srgbClr val="a6a6a6"/>
+                        <a:srgbClr val="A6A6A6"/>
                       </a:solidFill>
                       <a:prstDash val="solid"/>
                       <a:round/>
                     </a:lnR>
                     <a:lnT w="12700" cap="flat" cmpd="sng" algn="ctr">
                       <a:solidFill>
-                        <a:srgbClr val="a6a6a6"/>
+                        <a:srgbClr val="A6A6A6"/>
                       </a:solidFill>
                       <a:prstDash val="solid"/>
                       <a:round/>
                     </a:lnT>
                     <a:lnB w="12700" cap="flat" cmpd="sng" algn="ctr">
                       <a:solidFill>
-                        <a:srgbClr val="a6a6a6"/>
+                        <a:srgbClr val="A6A6A6"/>
                       </a:solidFill>
                       <a:prstDash val="solid"/>
                       <a:round/>
@@ -9953,7 +9652,8 @@
                 </a:tc>
                 <a:tc>
                   <a:txBody>
-                    <a:bodyPr vert="horz" lIns="95655" tIns="47827" rIns="95655" bIns="47827" anchor="ctr" anchorCtr="0"/>
+                    <a:bodyPr/>
+                    <a:lstStyle/>
                     <a:p>
                       <a:pPr latinLnBrk="1">
                         <a:defRPr/>
@@ -9961,47 +9661,40 @@
                       <a:r>
                         <a:rPr lang="ko-KR" altLang="en-US" sz="1000" b="0" spc="-50">
                           <a:solidFill>
-                            <a:srgbClr val="40474d"/>
+                            <a:srgbClr val="40474D"/>
                           </a:solidFill>
                           <a:latin typeface="+mn-ea"/>
                           <a:ea typeface="+mn-ea"/>
                         </a:rPr>
                         <a:t>레이저 빔 반사의 강도</a:t>
                       </a:r>
-                      <a:endParaRPr lang="ko-KR" altLang="en-US" sz="1000" b="0" spc="-50">
-                        <a:solidFill>
-                          <a:srgbClr val="40474d"/>
-                        </a:solidFill>
-                        <a:latin typeface="+mn-ea"/>
-                        <a:ea typeface="+mn-ea"/>
-                      </a:endParaRPr>
                     </a:p>
                   </a:txBody>
                   <a:tcPr marL="95655" marR="95655" marT="47827" marB="47827" anchor="ctr">
                     <a:lnL w="12700" cap="flat" cmpd="sng" algn="ctr">
                       <a:solidFill>
-                        <a:srgbClr val="a6a6a6"/>
+                        <a:srgbClr val="A6A6A6"/>
                       </a:solidFill>
                       <a:prstDash val="solid"/>
                       <a:round/>
                     </a:lnL>
                     <a:lnR w="12700" cap="flat" cmpd="sng" algn="ctr">
                       <a:solidFill>
-                        <a:srgbClr val="a6a6a6"/>
+                        <a:srgbClr val="A6A6A6"/>
                       </a:solidFill>
                       <a:prstDash val="solid"/>
                       <a:round/>
                     </a:lnR>
                     <a:lnT w="12700" cap="flat" cmpd="sng" algn="ctr">
                       <a:solidFill>
-                        <a:srgbClr val="a6a6a6"/>
+                        <a:srgbClr val="A6A6A6"/>
                       </a:solidFill>
                       <a:prstDash val="solid"/>
                       <a:round/>
                     </a:lnT>
                     <a:lnB w="12700" cap="flat" cmpd="sng" algn="ctr">
                       <a:solidFill>
-                        <a:srgbClr val="a6a6a6"/>
+                        <a:srgbClr val="A6A6A6"/>
                       </a:solidFill>
                       <a:prstDash val="solid"/>
                       <a:round/>
@@ -10015,7 +9708,8 @@
               <a:tr h="380406">
                 <a:tc>
                   <a:txBody>
-                    <a:bodyPr vert="horz" lIns="95655" tIns="47827" rIns="95655" bIns="47827" anchor="ctr" anchorCtr="0"/>
+                    <a:bodyPr/>
+                    <a:lstStyle/>
                     <a:p>
                       <a:pPr algn="ctr" latinLnBrk="1">
                         <a:defRPr/>
@@ -10023,47 +9717,40 @@
                       <a:r>
                         <a:rPr lang="en-US" altLang="ko-KR" sz="1000" b="0" spc="-50">
                           <a:solidFill>
-                            <a:srgbClr val="40474d"/>
+                            <a:srgbClr val="40474D"/>
                           </a:solidFill>
                           <a:latin typeface="+mn-ea"/>
                           <a:ea typeface="+mn-ea"/>
                         </a:rPr>
                         <a:t>Return Number</a:t>
                       </a:r>
-                      <a:endParaRPr lang="en-US" altLang="ko-KR" sz="1000" b="0" spc="-50">
-                        <a:solidFill>
-                          <a:srgbClr val="40474d"/>
-                        </a:solidFill>
-                        <a:latin typeface="+mn-ea"/>
-                        <a:ea typeface="+mn-ea"/>
-                      </a:endParaRPr>
                     </a:p>
                   </a:txBody>
                   <a:tcPr marL="95655" marR="95655" marT="47827" marB="47827" anchor="ctr">
                     <a:lnL w="12700" cap="flat" cmpd="sng" algn="ctr">
                       <a:solidFill>
-                        <a:srgbClr val="a6a6a6"/>
+                        <a:srgbClr val="A6A6A6"/>
                       </a:solidFill>
                       <a:prstDash val="solid"/>
                       <a:round/>
                     </a:lnL>
                     <a:lnR w="12700" cap="flat" cmpd="sng" algn="ctr">
                       <a:solidFill>
-                        <a:srgbClr val="a6a6a6"/>
+                        <a:srgbClr val="A6A6A6"/>
                       </a:solidFill>
                       <a:prstDash val="solid"/>
                       <a:round/>
                     </a:lnR>
                     <a:lnT w="12700" cap="flat" cmpd="sng" algn="ctr">
                       <a:solidFill>
-                        <a:srgbClr val="a6a6a6"/>
+                        <a:srgbClr val="A6A6A6"/>
                       </a:solidFill>
                       <a:prstDash val="solid"/>
                       <a:round/>
                     </a:lnT>
                     <a:lnB w="12700" cap="flat" cmpd="sng" algn="ctr">
                       <a:solidFill>
-                        <a:srgbClr val="a6a6a6"/>
+                        <a:srgbClr val="A6A6A6"/>
                       </a:solidFill>
                       <a:prstDash val="solid"/>
                       <a:round/>
@@ -10075,7 +9762,8 @@
                 </a:tc>
                 <a:tc>
                   <a:txBody>
-                    <a:bodyPr vert="horz" lIns="95655" tIns="47827" rIns="95655" bIns="47827" anchor="ctr" anchorCtr="0"/>
+                    <a:bodyPr/>
+                    <a:lstStyle/>
                     <a:p>
                       <a:pPr latinLnBrk="1">
                         <a:defRPr/>
@@ -10083,7 +9771,7 @@
                       <a:r>
                         <a:rPr lang="ko-KR" altLang="en-US" sz="1000" b="0" spc="-50">
                           <a:solidFill>
-                            <a:srgbClr val="40474d"/>
+                            <a:srgbClr val="40474D"/>
                           </a:solidFill>
                           <a:latin typeface="+mn-ea"/>
                           <a:ea typeface="+mn-ea"/>
@@ -10093,7 +9781,7 @@
                       <a:r>
                         <a:rPr lang="en-US" altLang="ko-KR" sz="1000" b="0" spc="-50">
                           <a:solidFill>
-                            <a:srgbClr val="40474d"/>
+                            <a:srgbClr val="40474D"/>
                           </a:solidFill>
                           <a:latin typeface="+mn-ea"/>
                           <a:ea typeface="+mn-ea"/>
@@ -10103,7 +9791,7 @@
                       <a:r>
                         <a:rPr lang="ko-KR" altLang="en-US" sz="1000" b="0" spc="-50">
                           <a:solidFill>
-                            <a:srgbClr val="40474d"/>
+                            <a:srgbClr val="40474D"/>
                           </a:solidFill>
                           <a:latin typeface="+mn-ea"/>
                           <a:ea typeface="+mn-ea"/>
@@ -10113,7 +9801,7 @@
                       <a:r>
                         <a:rPr lang="en-US" altLang="ko-KR" sz="1000" b="0" spc="-50">
                           <a:solidFill>
-                            <a:srgbClr val="40474d"/>
+                            <a:srgbClr val="40474D"/>
                           </a:solidFill>
                           <a:latin typeface="+mn-ea"/>
                           <a:ea typeface="+mn-ea"/>
@@ -10123,7 +9811,7 @@
                       <a:r>
                         <a:rPr lang="ko-KR" altLang="en-US" sz="1000" b="0" spc="-50">
                           <a:solidFill>
-                            <a:srgbClr val="40474d"/>
+                            <a:srgbClr val="40474D"/>
                           </a:solidFill>
                           <a:latin typeface="+mn-ea"/>
                           <a:ea typeface="+mn-ea"/>
@@ -10133,47 +9821,40 @@
                       <a:r>
                         <a:rPr lang="en-US" altLang="ko-KR" sz="1000" b="0" spc="-50">
                           <a:solidFill>
-                            <a:srgbClr val="40474d"/>
+                            <a:srgbClr val="40474D"/>
                           </a:solidFill>
                           <a:latin typeface="+mn-ea"/>
                           <a:ea typeface="+mn-ea"/>
                         </a:rPr>
                         <a:t>)</a:t>
                       </a:r>
-                      <a:endParaRPr lang="en-US" altLang="ko-KR" sz="1000" b="0" spc="-50">
-                        <a:solidFill>
-                          <a:srgbClr val="40474d"/>
-                        </a:solidFill>
-                        <a:latin typeface="+mn-ea"/>
-                        <a:ea typeface="+mn-ea"/>
-                      </a:endParaRPr>
                     </a:p>
                   </a:txBody>
                   <a:tcPr marL="95655" marR="95655" marT="47827" marB="47827" anchor="ctr">
                     <a:lnL w="12700" cap="flat" cmpd="sng" algn="ctr">
                       <a:solidFill>
-                        <a:srgbClr val="a6a6a6"/>
+                        <a:srgbClr val="A6A6A6"/>
                       </a:solidFill>
                       <a:prstDash val="solid"/>
                       <a:round/>
                     </a:lnL>
                     <a:lnR w="12700" cap="flat" cmpd="sng" algn="ctr">
                       <a:solidFill>
-                        <a:srgbClr val="a6a6a6"/>
+                        <a:srgbClr val="A6A6A6"/>
                       </a:solidFill>
                       <a:prstDash val="solid"/>
                       <a:round/>
                     </a:lnR>
                     <a:lnT w="12700" cap="flat" cmpd="sng" algn="ctr">
                       <a:solidFill>
-                        <a:srgbClr val="a6a6a6"/>
+                        <a:srgbClr val="A6A6A6"/>
                       </a:solidFill>
                       <a:prstDash val="solid"/>
                       <a:round/>
                     </a:lnT>
                     <a:lnB w="12700" cap="flat" cmpd="sng" algn="ctr">
                       <a:solidFill>
-                        <a:srgbClr val="a6a6a6"/>
+                        <a:srgbClr val="A6A6A6"/>
                       </a:solidFill>
                       <a:prstDash val="solid"/>
                       <a:round/>
@@ -10187,7 +9868,8 @@
               <a:tr h="380406">
                 <a:tc>
                   <a:txBody>
-                    <a:bodyPr vert="horz" lIns="95655" tIns="47827" rIns="95655" bIns="47827" anchor="ctr" anchorCtr="0"/>
+                    <a:bodyPr/>
+                    <a:lstStyle/>
                     <a:p>
                       <a:pPr algn="ctr" latinLnBrk="1">
                         <a:defRPr/>
@@ -10195,47 +9877,40 @@
                       <a:r>
                         <a:rPr lang="en-US" altLang="ko-KR" sz="1000" b="0" spc="-50">
                           <a:solidFill>
-                            <a:srgbClr val="40474d"/>
+                            <a:srgbClr val="40474D"/>
                           </a:solidFill>
                           <a:latin typeface="+mn-ea"/>
                           <a:ea typeface="+mn-ea"/>
                         </a:rPr>
                         <a:t>Classification</a:t>
                       </a:r>
-                      <a:endParaRPr lang="en-US" altLang="ko-KR" sz="1000" b="0" spc="-50">
-                        <a:solidFill>
-                          <a:srgbClr val="40474d"/>
-                        </a:solidFill>
-                        <a:latin typeface="+mn-ea"/>
-                        <a:ea typeface="+mn-ea"/>
-                      </a:endParaRPr>
                     </a:p>
                   </a:txBody>
                   <a:tcPr marL="95655" marR="95655" marT="47827" marB="47827" anchor="ctr">
                     <a:lnL w="12700" cap="flat" cmpd="sng" algn="ctr">
                       <a:solidFill>
-                        <a:srgbClr val="a6a6a6"/>
+                        <a:srgbClr val="A6A6A6"/>
                       </a:solidFill>
                       <a:prstDash val="solid"/>
                       <a:round/>
                     </a:lnL>
                     <a:lnR w="12700" cap="flat" cmpd="sng" algn="ctr">
                       <a:solidFill>
-                        <a:srgbClr val="a6a6a6"/>
+                        <a:srgbClr val="A6A6A6"/>
                       </a:solidFill>
                       <a:prstDash val="solid"/>
                       <a:round/>
                     </a:lnR>
                     <a:lnT w="12700" cap="flat" cmpd="sng" algn="ctr">
                       <a:solidFill>
-                        <a:srgbClr val="a6a6a6"/>
+                        <a:srgbClr val="A6A6A6"/>
                       </a:solidFill>
                       <a:prstDash val="solid"/>
                       <a:round/>
                     </a:lnT>
                     <a:lnB w="12700" cap="flat" cmpd="sng" algn="ctr">
                       <a:solidFill>
-                        <a:srgbClr val="a6a6a6"/>
+                        <a:srgbClr val="A6A6A6"/>
                       </a:solidFill>
                       <a:prstDash val="solid"/>
                       <a:round/>
@@ -10247,7 +9922,8 @@
                 </a:tc>
                 <a:tc>
                   <a:txBody>
-                    <a:bodyPr vert="horz" lIns="95655" tIns="47827" rIns="95655" bIns="47827" anchor="ctr" anchorCtr="0"/>
+                    <a:bodyPr/>
+                    <a:lstStyle/>
                     <a:p>
                       <a:pPr latinLnBrk="1">
                         <a:defRPr/>
@@ -10255,7 +9931,7 @@
                       <a:r>
                         <a:rPr lang="ko-KR" altLang="en-US" sz="1000" b="0" spc="-50">
                           <a:solidFill>
-                            <a:srgbClr val="40474d"/>
+                            <a:srgbClr val="40474D"/>
                           </a:solidFill>
                           <a:latin typeface="+mn-ea"/>
                           <a:ea typeface="+mn-ea"/>
@@ -10265,7 +9941,7 @@
                       <a:r>
                         <a:rPr lang="en-US" altLang="ko-KR" sz="1000" b="0" spc="-50">
                           <a:solidFill>
-                            <a:srgbClr val="40474d"/>
+                            <a:srgbClr val="40474D"/>
                           </a:solidFill>
                           <a:latin typeface="+mn-ea"/>
                           <a:ea typeface="+mn-ea"/>
@@ -10275,7 +9951,7 @@
                       <a:r>
                         <a:rPr lang="ko-KR" altLang="en-US" sz="1000" b="0" spc="-50">
                           <a:solidFill>
-                            <a:srgbClr val="40474d"/>
+                            <a:srgbClr val="40474D"/>
                           </a:solidFill>
                           <a:latin typeface="+mn-ea"/>
                           <a:ea typeface="+mn-ea"/>
@@ -10285,7 +9961,7 @@
                       <a:r>
                         <a:rPr lang="en-US" altLang="ko-KR" sz="1000" b="0" spc="-50">
                           <a:solidFill>
-                            <a:srgbClr val="40474d"/>
+                            <a:srgbClr val="40474D"/>
                           </a:solidFill>
                           <a:latin typeface="+mn-ea"/>
                           <a:ea typeface="+mn-ea"/>
@@ -10295,7 +9971,7 @@
                       <a:r>
                         <a:rPr lang="ko-KR" altLang="en-US" sz="1000" b="0" spc="-50">
                           <a:solidFill>
-                            <a:srgbClr val="40474d"/>
+                            <a:srgbClr val="40474D"/>
                           </a:solidFill>
                           <a:latin typeface="+mn-ea"/>
                           <a:ea typeface="+mn-ea"/>
@@ -10305,47 +9981,40 @@
                       <a:r>
                         <a:rPr lang="en-US" altLang="ko-KR" sz="1000" b="0" spc="-50">
                           <a:solidFill>
-                            <a:srgbClr val="40474d"/>
+                            <a:srgbClr val="40474D"/>
                           </a:solidFill>
                           <a:latin typeface="+mn-ea"/>
                           <a:ea typeface="+mn-ea"/>
                         </a:rPr>
                         <a:t>)</a:t>
                       </a:r>
-                      <a:endParaRPr lang="en-US" altLang="ko-KR" sz="1000" b="0" spc="-50">
-                        <a:solidFill>
-                          <a:srgbClr val="40474d"/>
-                        </a:solidFill>
-                        <a:latin typeface="+mn-ea"/>
-                        <a:ea typeface="+mn-ea"/>
-                      </a:endParaRPr>
                     </a:p>
                   </a:txBody>
                   <a:tcPr marL="95655" marR="95655" marT="47827" marB="47827" anchor="ctr">
                     <a:lnL w="12700" cap="flat" cmpd="sng" algn="ctr">
                       <a:solidFill>
-                        <a:srgbClr val="a6a6a6"/>
+                        <a:srgbClr val="A6A6A6"/>
                       </a:solidFill>
                       <a:prstDash val="solid"/>
                       <a:round/>
                     </a:lnL>
                     <a:lnR w="12700" cap="flat" cmpd="sng" algn="ctr">
                       <a:solidFill>
-                        <a:srgbClr val="a6a6a6"/>
+                        <a:srgbClr val="A6A6A6"/>
                       </a:solidFill>
                       <a:prstDash val="solid"/>
                       <a:round/>
                     </a:lnR>
                     <a:lnT w="12700" cap="flat" cmpd="sng" algn="ctr">
                       <a:solidFill>
-                        <a:srgbClr val="a6a6a6"/>
+                        <a:srgbClr val="A6A6A6"/>
                       </a:solidFill>
                       <a:prstDash val="solid"/>
                       <a:round/>
                     </a:lnT>
                     <a:lnB w="12700" cap="flat" cmpd="sng" algn="ctr">
                       <a:solidFill>
-                        <a:srgbClr val="a6a6a6"/>
+                        <a:srgbClr val="A6A6A6"/>
                       </a:solidFill>
                       <a:prstDash val="solid"/>
                       <a:round/>
@@ -10359,7 +10028,8 @@
               <a:tr h="380406">
                 <a:tc>
                   <a:txBody>
-                    <a:bodyPr vert="horz" lIns="95655" tIns="47827" rIns="95655" bIns="47827" anchor="ctr" anchorCtr="0"/>
+                    <a:bodyPr/>
+                    <a:lstStyle/>
                     <a:p>
                       <a:pPr algn="ctr" latinLnBrk="1">
                         <a:defRPr/>
@@ -10367,47 +10037,40 @@
                       <a:r>
                         <a:rPr lang="en-US" altLang="ko-KR" sz="1000" b="0" spc="-50">
                           <a:solidFill>
-                            <a:srgbClr val="40474d"/>
+                            <a:srgbClr val="40474D"/>
                           </a:solidFill>
                           <a:latin typeface="+mn-ea"/>
                           <a:ea typeface="+mn-ea"/>
                         </a:rPr>
                         <a:t>Scan Angle Rank</a:t>
                       </a:r>
-                      <a:endParaRPr lang="en-US" altLang="ko-KR" sz="1000" b="0" spc="-50">
-                        <a:solidFill>
-                          <a:srgbClr val="40474d"/>
-                        </a:solidFill>
-                        <a:latin typeface="+mn-ea"/>
-                        <a:ea typeface="+mn-ea"/>
-                      </a:endParaRPr>
                     </a:p>
                   </a:txBody>
                   <a:tcPr marL="95655" marR="95655" marT="47827" marB="47827" anchor="ctr">
                     <a:lnL w="12700" cap="flat" cmpd="sng" algn="ctr">
                       <a:solidFill>
-                        <a:srgbClr val="a6a6a6"/>
+                        <a:srgbClr val="A6A6A6"/>
                       </a:solidFill>
                       <a:prstDash val="solid"/>
                       <a:round/>
                     </a:lnL>
                     <a:lnR w="12700" cap="flat" cmpd="sng" algn="ctr">
                       <a:solidFill>
-                        <a:srgbClr val="a6a6a6"/>
+                        <a:srgbClr val="A6A6A6"/>
                       </a:solidFill>
                       <a:prstDash val="solid"/>
                       <a:round/>
                     </a:lnR>
                     <a:lnT w="12700" cap="flat" cmpd="sng" algn="ctr">
                       <a:solidFill>
-                        <a:srgbClr val="a6a6a6"/>
+                        <a:srgbClr val="A6A6A6"/>
                       </a:solidFill>
                       <a:prstDash val="solid"/>
                       <a:round/>
                     </a:lnT>
                     <a:lnB w="12700" cap="flat" cmpd="sng" algn="ctr">
                       <a:solidFill>
-                        <a:srgbClr val="a6a6a6"/>
+                        <a:srgbClr val="A6A6A6"/>
                       </a:solidFill>
                       <a:prstDash val="solid"/>
                       <a:round/>
@@ -10419,7 +10082,8 @@
                 </a:tc>
                 <a:tc>
                   <a:txBody>
-                    <a:bodyPr vert="horz" lIns="95655" tIns="47827" rIns="95655" bIns="47827" anchor="ctr" anchorCtr="0"/>
+                    <a:bodyPr/>
+                    <a:lstStyle/>
                     <a:p>
                       <a:pPr latinLnBrk="1">
                         <a:defRPr/>
@@ -10427,47 +10091,40 @@
                       <a:r>
                         <a:rPr lang="ko-KR" altLang="en-US" sz="1000" b="0" spc="-50">
                           <a:solidFill>
-                            <a:srgbClr val="40474d"/>
+                            <a:srgbClr val="40474D"/>
                           </a:solidFill>
                           <a:latin typeface="+mn-ea"/>
                           <a:ea typeface="+mn-ea"/>
                         </a:rPr>
                         <a:t>레이저 스캔 각도</a:t>
                       </a:r>
-                      <a:endParaRPr lang="ko-KR" altLang="en-US" sz="1000" b="0" spc="-50">
-                        <a:solidFill>
-                          <a:srgbClr val="40474d"/>
-                        </a:solidFill>
-                        <a:latin typeface="+mn-ea"/>
-                        <a:ea typeface="+mn-ea"/>
-                      </a:endParaRPr>
                     </a:p>
                   </a:txBody>
                   <a:tcPr marL="95655" marR="95655" marT="47827" marB="47827" anchor="ctr">
                     <a:lnL w="12700" cap="flat" cmpd="sng" algn="ctr">
                       <a:solidFill>
-                        <a:srgbClr val="a6a6a6"/>
+                        <a:srgbClr val="A6A6A6"/>
                       </a:solidFill>
                       <a:prstDash val="solid"/>
                       <a:round/>
                     </a:lnL>
                     <a:lnR w="12700" cap="flat" cmpd="sng" algn="ctr">
                       <a:solidFill>
-                        <a:srgbClr val="a6a6a6"/>
+                        <a:srgbClr val="A6A6A6"/>
                       </a:solidFill>
                       <a:prstDash val="solid"/>
                       <a:round/>
                     </a:lnR>
                     <a:lnT w="12700" cap="flat" cmpd="sng" algn="ctr">
                       <a:solidFill>
-                        <a:srgbClr val="a6a6a6"/>
+                        <a:srgbClr val="A6A6A6"/>
                       </a:solidFill>
                       <a:prstDash val="solid"/>
                       <a:round/>
                     </a:lnT>
                     <a:lnB w="12700" cap="flat" cmpd="sng" algn="ctr">
                       <a:solidFill>
-                        <a:srgbClr val="a6a6a6"/>
+                        <a:srgbClr val="A6A6A6"/>
                       </a:solidFill>
                       <a:prstDash val="solid"/>
                       <a:round/>
@@ -10481,7 +10138,8 @@
               <a:tr h="380406">
                 <a:tc>
                   <a:txBody>
-                    <a:bodyPr vert="horz" lIns="95655" tIns="47827" rIns="95655" bIns="47827" anchor="ctr" anchorCtr="0"/>
+                    <a:bodyPr/>
+                    <a:lstStyle/>
                     <a:p>
                       <a:pPr algn="ctr" latinLnBrk="1">
                         <a:defRPr/>
@@ -10489,47 +10147,40 @@
                       <a:r>
                         <a:rPr lang="en-US" altLang="ko-KR" sz="1000" b="0" spc="-50">
                           <a:solidFill>
-                            <a:srgbClr val="40474d"/>
+                            <a:srgbClr val="40474D"/>
                           </a:solidFill>
                           <a:latin typeface="+mn-ea"/>
                           <a:ea typeface="+mn-ea"/>
                         </a:rPr>
                         <a:t>User Data</a:t>
                       </a:r>
-                      <a:endParaRPr lang="en-US" altLang="ko-KR" sz="1000" b="0" spc="-50">
-                        <a:solidFill>
-                          <a:srgbClr val="40474d"/>
-                        </a:solidFill>
-                        <a:latin typeface="+mn-ea"/>
-                        <a:ea typeface="+mn-ea"/>
-                      </a:endParaRPr>
                     </a:p>
                   </a:txBody>
                   <a:tcPr marL="95655" marR="95655" marT="47827" marB="47827" anchor="ctr">
                     <a:lnL w="12700" cap="flat" cmpd="sng" algn="ctr">
                       <a:solidFill>
-                        <a:srgbClr val="a6a6a6"/>
+                        <a:srgbClr val="A6A6A6"/>
                       </a:solidFill>
                       <a:prstDash val="solid"/>
                       <a:round/>
                     </a:lnL>
                     <a:lnR w="12700" cap="flat" cmpd="sng" algn="ctr">
                       <a:solidFill>
-                        <a:srgbClr val="a6a6a6"/>
+                        <a:srgbClr val="A6A6A6"/>
                       </a:solidFill>
                       <a:prstDash val="solid"/>
                       <a:round/>
                     </a:lnR>
                     <a:lnT w="12700" cap="flat" cmpd="sng" algn="ctr">
                       <a:solidFill>
-                        <a:srgbClr val="a6a6a6"/>
+                        <a:srgbClr val="A6A6A6"/>
                       </a:solidFill>
                       <a:prstDash val="solid"/>
                       <a:round/>
                     </a:lnT>
                     <a:lnB w="12700" cap="flat" cmpd="sng" algn="ctr">
                       <a:solidFill>
-                        <a:srgbClr val="a6a6a6"/>
+                        <a:srgbClr val="A6A6A6"/>
                       </a:solidFill>
                       <a:prstDash val="solid"/>
                       <a:round/>
@@ -10541,7 +10192,8 @@
                 </a:tc>
                 <a:tc>
                   <a:txBody>
-                    <a:bodyPr vert="horz" lIns="95655" tIns="47827" rIns="95655" bIns="47827" anchor="ctr" anchorCtr="0"/>
+                    <a:bodyPr/>
+                    <a:lstStyle/>
                     <a:p>
                       <a:pPr latinLnBrk="1">
                         <a:defRPr/>
@@ -10549,47 +10201,40 @@
                       <a:r>
                         <a:rPr lang="ko-KR" altLang="en-US" sz="1000" b="0" spc="-50">
                           <a:solidFill>
-                            <a:srgbClr val="40474d"/>
+                            <a:srgbClr val="40474D"/>
                           </a:solidFill>
                           <a:latin typeface="+mn-ea"/>
                           <a:ea typeface="+mn-ea"/>
                         </a:rPr>
                         <a:t>사용자 정의 데이터</a:t>
                       </a:r>
-                      <a:endParaRPr lang="ko-KR" altLang="en-US" sz="1000" b="0" spc="-50">
-                        <a:solidFill>
-                          <a:srgbClr val="40474d"/>
-                        </a:solidFill>
-                        <a:latin typeface="+mn-ea"/>
-                        <a:ea typeface="+mn-ea"/>
-                      </a:endParaRPr>
                     </a:p>
                   </a:txBody>
                   <a:tcPr marL="95655" marR="95655" marT="47827" marB="47827" anchor="ctr">
                     <a:lnL w="12700" cap="flat" cmpd="sng" algn="ctr">
                       <a:solidFill>
-                        <a:srgbClr val="a6a6a6"/>
+                        <a:srgbClr val="A6A6A6"/>
                       </a:solidFill>
                       <a:prstDash val="solid"/>
                       <a:round/>
                     </a:lnL>
                     <a:lnR w="12700" cap="flat" cmpd="sng" algn="ctr">
                       <a:solidFill>
-                        <a:srgbClr val="a6a6a6"/>
+                        <a:srgbClr val="A6A6A6"/>
                       </a:solidFill>
                       <a:prstDash val="solid"/>
                       <a:round/>
                     </a:lnR>
                     <a:lnT w="12700" cap="flat" cmpd="sng" algn="ctr">
                       <a:solidFill>
-                        <a:srgbClr val="a6a6a6"/>
+                        <a:srgbClr val="A6A6A6"/>
                       </a:solidFill>
                       <a:prstDash val="solid"/>
                       <a:round/>
                     </a:lnT>
                     <a:lnB w="12700" cap="flat" cmpd="sng" algn="ctr">
                       <a:solidFill>
-                        <a:srgbClr val="a6a6a6"/>
+                        <a:srgbClr val="A6A6A6"/>
                       </a:solidFill>
                       <a:prstDash val="solid"/>
                       <a:round/>
@@ -10603,7 +10248,8 @@
               <a:tr h="380406">
                 <a:tc>
                   <a:txBody>
-                    <a:bodyPr vert="horz" lIns="95655" tIns="47827" rIns="95655" bIns="47827" anchor="ctr" anchorCtr="0"/>
+                    <a:bodyPr/>
+                    <a:lstStyle/>
                     <a:p>
                       <a:pPr algn="ctr" latinLnBrk="1">
                         <a:defRPr/>
@@ -10611,47 +10257,40 @@
                       <a:r>
                         <a:rPr lang="en-US" altLang="ko-KR" sz="1000" b="0" spc="-50">
                           <a:solidFill>
-                            <a:srgbClr val="40474d"/>
+                            <a:srgbClr val="40474D"/>
                           </a:solidFill>
                           <a:latin typeface="+mn-ea"/>
                           <a:ea typeface="+mn-ea"/>
                         </a:rPr>
                         <a:t>Point Source ID</a:t>
                       </a:r>
-                      <a:endParaRPr lang="en-US" altLang="ko-KR" sz="1000" b="0" spc="-50">
-                        <a:solidFill>
-                          <a:srgbClr val="40474d"/>
-                        </a:solidFill>
-                        <a:latin typeface="+mn-ea"/>
-                        <a:ea typeface="+mn-ea"/>
-                      </a:endParaRPr>
                     </a:p>
                   </a:txBody>
                   <a:tcPr marL="95655" marR="95655" marT="47827" marB="47827" anchor="ctr">
                     <a:lnL w="12700" cap="flat" cmpd="sng" algn="ctr">
                       <a:solidFill>
-                        <a:srgbClr val="a6a6a6"/>
+                        <a:srgbClr val="A6A6A6"/>
                       </a:solidFill>
                       <a:prstDash val="solid"/>
                       <a:round/>
                     </a:lnL>
                     <a:lnR w="12700" cap="flat" cmpd="sng" algn="ctr">
                       <a:solidFill>
-                        <a:srgbClr val="a6a6a6"/>
+                        <a:srgbClr val="A6A6A6"/>
                       </a:solidFill>
                       <a:prstDash val="solid"/>
                       <a:round/>
                     </a:lnR>
                     <a:lnT w="12700" cap="flat" cmpd="sng" algn="ctr">
                       <a:solidFill>
-                        <a:srgbClr val="a6a6a6"/>
+                        <a:srgbClr val="A6A6A6"/>
                       </a:solidFill>
                       <a:prstDash val="solid"/>
                       <a:round/>
                     </a:lnT>
                     <a:lnB w="12700" cap="flat" cmpd="sng" algn="ctr">
                       <a:solidFill>
-                        <a:srgbClr val="a6a6a6"/>
+                        <a:srgbClr val="A6A6A6"/>
                       </a:solidFill>
                       <a:prstDash val="solid"/>
                       <a:round/>
@@ -10663,7 +10302,8 @@
                 </a:tc>
                 <a:tc>
                   <a:txBody>
-                    <a:bodyPr vert="horz" lIns="95655" tIns="47827" rIns="95655" bIns="47827" anchor="ctr" anchorCtr="0"/>
+                    <a:bodyPr/>
+                    <a:lstStyle/>
                     <a:p>
                       <a:pPr latinLnBrk="1">
                         <a:defRPr/>
@@ -10671,47 +10311,40 @@
                       <a:r>
                         <a:rPr lang="ko-KR" altLang="en-US" sz="1000" b="0" spc="-50">
                           <a:solidFill>
-                            <a:srgbClr val="40474d"/>
+                            <a:srgbClr val="40474D"/>
                           </a:solidFill>
                           <a:latin typeface="+mn-ea"/>
                           <a:ea typeface="+mn-ea"/>
                         </a:rPr>
                         <a:t>포인트의 원본을 식별하는 고유 식별자</a:t>
                       </a:r>
-                      <a:endParaRPr lang="ko-KR" altLang="en-US" sz="1000" b="0" spc="-50">
-                        <a:solidFill>
-                          <a:srgbClr val="40474d"/>
-                        </a:solidFill>
-                        <a:latin typeface="+mn-ea"/>
-                        <a:ea typeface="+mn-ea"/>
-                      </a:endParaRPr>
                     </a:p>
                   </a:txBody>
                   <a:tcPr marL="95655" marR="95655" marT="47827" marB="47827" anchor="ctr">
                     <a:lnL w="12700" cap="flat" cmpd="sng" algn="ctr">
                       <a:solidFill>
-                        <a:srgbClr val="a6a6a6"/>
+                        <a:srgbClr val="A6A6A6"/>
                       </a:solidFill>
                       <a:prstDash val="solid"/>
                       <a:round/>
                     </a:lnL>
                     <a:lnR w="12700" cap="flat" cmpd="sng" algn="ctr">
                       <a:solidFill>
-                        <a:srgbClr val="a6a6a6"/>
+                        <a:srgbClr val="A6A6A6"/>
                       </a:solidFill>
                       <a:prstDash val="solid"/>
                       <a:round/>
                     </a:lnR>
                     <a:lnT w="12700" cap="flat" cmpd="sng" algn="ctr">
                       <a:solidFill>
-                        <a:srgbClr val="a6a6a6"/>
+                        <a:srgbClr val="A6A6A6"/>
                       </a:solidFill>
                       <a:prstDash val="solid"/>
                       <a:round/>
                     </a:lnT>
                     <a:lnB w="12700" cap="flat" cmpd="sng" algn="ctr">
                       <a:solidFill>
-                        <a:srgbClr val="a6a6a6"/>
+                        <a:srgbClr val="A6A6A6"/>
                       </a:solidFill>
                       <a:prstDash val="solid"/>
                       <a:round/>
@@ -10725,7 +10358,8 @@
               <a:tr h="380406">
                 <a:tc>
                   <a:txBody>
-                    <a:bodyPr vert="horz" lIns="95655" tIns="47827" rIns="95655" bIns="47827" anchor="ctr" anchorCtr="0"/>
+                    <a:bodyPr/>
+                    <a:lstStyle/>
                     <a:p>
                       <a:pPr algn="ctr" latinLnBrk="1">
                         <a:defRPr/>
@@ -10733,47 +10367,40 @@
                       <a:r>
                         <a:rPr lang="en-US" altLang="ko-KR" sz="1000" b="0" spc="-50">
                           <a:solidFill>
-                            <a:srgbClr val="40474d"/>
+                            <a:srgbClr val="40474D"/>
                           </a:solidFill>
                           <a:latin typeface="+mn-ea"/>
                           <a:ea typeface="+mn-ea"/>
                         </a:rPr>
                         <a:t>RGB Color</a:t>
                       </a:r>
-                      <a:endParaRPr lang="en-US" altLang="ko-KR" sz="1000" b="0" spc="-50">
-                        <a:solidFill>
-                          <a:srgbClr val="40474d"/>
-                        </a:solidFill>
-                        <a:latin typeface="+mn-ea"/>
-                        <a:ea typeface="+mn-ea"/>
-                      </a:endParaRPr>
                     </a:p>
                   </a:txBody>
                   <a:tcPr marL="95655" marR="95655" marT="47827" marB="47827" anchor="ctr">
                     <a:lnL w="12700" cap="flat" cmpd="sng" algn="ctr">
                       <a:solidFill>
-                        <a:srgbClr val="a6a6a6"/>
+                        <a:srgbClr val="A6A6A6"/>
                       </a:solidFill>
                       <a:prstDash val="solid"/>
                       <a:round/>
                     </a:lnL>
                     <a:lnR w="12700" cap="flat" cmpd="sng" algn="ctr">
                       <a:solidFill>
-                        <a:srgbClr val="a6a6a6"/>
+                        <a:srgbClr val="A6A6A6"/>
                       </a:solidFill>
                       <a:prstDash val="solid"/>
                       <a:round/>
                     </a:lnR>
                     <a:lnT w="12700" cap="flat" cmpd="sng" algn="ctr">
                       <a:solidFill>
-                        <a:srgbClr val="a6a6a6"/>
+                        <a:srgbClr val="A6A6A6"/>
                       </a:solidFill>
                       <a:prstDash val="solid"/>
                       <a:round/>
                     </a:lnT>
                     <a:lnB w="12700" cap="flat" cmpd="sng" algn="ctr">
                       <a:solidFill>
-                        <a:srgbClr val="a6a6a6"/>
+                        <a:srgbClr val="A6A6A6"/>
                       </a:solidFill>
                       <a:prstDash val="solid"/>
                       <a:round/>
@@ -10785,7 +10412,8 @@
                 </a:tc>
                 <a:tc>
                   <a:txBody>
-                    <a:bodyPr vert="horz" lIns="95655" tIns="47827" rIns="95655" bIns="47827" anchor="ctr" anchorCtr="0"/>
+                    <a:bodyPr/>
+                    <a:lstStyle/>
                     <a:p>
                       <a:pPr latinLnBrk="1">
                         <a:defRPr/>
@@ -10793,47 +10421,40 @@
                       <a:r>
                         <a:rPr lang="ko-KR" altLang="en-US" sz="1000" b="0" spc="-50">
                           <a:solidFill>
-                            <a:srgbClr val="40474d"/>
+                            <a:srgbClr val="40474D"/>
                           </a:solidFill>
                           <a:latin typeface="+mn-ea"/>
                           <a:ea typeface="+mn-ea"/>
                         </a:rPr>
                         <a:t>포인트 색상 정보</a:t>
                       </a:r>
-                      <a:endParaRPr lang="ko-KR" altLang="en-US" sz="1000" b="0" spc="-50">
-                        <a:solidFill>
-                          <a:srgbClr val="40474d"/>
-                        </a:solidFill>
-                        <a:latin typeface="+mn-ea"/>
-                        <a:ea typeface="+mn-ea"/>
-                      </a:endParaRPr>
                     </a:p>
                   </a:txBody>
                   <a:tcPr marL="95655" marR="95655" marT="47827" marB="47827" anchor="ctr">
                     <a:lnL w="12700" cap="flat" cmpd="sng" algn="ctr">
                       <a:solidFill>
-                        <a:srgbClr val="a6a6a6"/>
+                        <a:srgbClr val="A6A6A6"/>
                       </a:solidFill>
                       <a:prstDash val="solid"/>
                       <a:round/>
                     </a:lnL>
                     <a:lnR w="12700" cap="flat" cmpd="sng" algn="ctr">
                       <a:solidFill>
-                        <a:srgbClr val="a6a6a6"/>
+                        <a:srgbClr val="A6A6A6"/>
                       </a:solidFill>
                       <a:prstDash val="solid"/>
                       <a:round/>
                     </a:lnR>
                     <a:lnT w="12700" cap="flat" cmpd="sng" algn="ctr">
                       <a:solidFill>
-                        <a:srgbClr val="a6a6a6"/>
+                        <a:srgbClr val="A6A6A6"/>
                       </a:solidFill>
                       <a:prstDash val="solid"/>
                       <a:round/>
                     </a:lnT>
                     <a:lnB w="12700" cap="flat" cmpd="sng" algn="ctr">
                       <a:solidFill>
-                        <a:srgbClr val="a6a6a6"/>
+                        <a:srgbClr val="A6A6A6"/>
                       </a:solidFill>
                       <a:prstDash val="solid"/>
                       <a:round/>
@@ -10854,13 +10475,13 @@
     <a:masterClrMapping/>
   </p:clrMapOvr>
   <mc:AlternateContent xmlns:mc="http://schemas.openxmlformats.org/markup-compatibility/2006">
-    <mc:Choice xmlns:p14="http://schemas.microsoft.com/office/powerpoint/2010/main" Requires="p14">
+    <mc:Choice xmlns:p14="http://schemas.microsoft.com/office/powerpoint/2010/main" xmlns:dsp="http://schemas.microsoft.com/office/drawing/2008/diagram" xmlns:dgm="http://schemas.openxmlformats.org/drawingml/2006/diagram" xmlns:c="http://schemas.openxmlformats.org/drawingml/2006/chart" xmlns="" Requires="p14">
       <p:transition xmlns:mc="http://schemas.openxmlformats.org/markup-compatibility/2006" xmlns:p14="http://schemas.microsoft.com/office/powerpoint/2010/main" mc:Ignorable="p14" p14:dur="700">
         <p:fade/>
       </p:transition>
     </mc:Choice>
     <mc:Fallback>
-      <p:transition xmlns:mc="http://schemas.openxmlformats.org/markup-compatibility/2006" xmlns:hp="http://schemas.haansoft.com/office/presentation/8.0" mc:Ignorable="hp" hp:hslDur="700">
+      <p:transition>
         <p:fade/>
       </p:transition>
     </mc:Fallback>
@@ -10869,16 +10490,17 @@
 </file>
 
 <file path=ppt/slides/slide6.xml><?xml version="1.0" encoding="utf-8"?>
-<p:sld xmlns:r="http://schemas.openxmlformats.org/officeDocument/2006/relationships" xmlns:c="http://schemas.openxmlformats.org/drawingml/2006/chart" xmlns:a="http://schemas.openxmlformats.org/drawingml/2006/main" xmlns:dgm="http://schemas.openxmlformats.org/drawingml/2006/diagram" xmlns:dsp="http://schemas.microsoft.com/office/drawing/2008/diagram" xmlns:p="http://schemas.openxmlformats.org/presentationml/2006/main" showMasterSp="0">
+<p:sld xmlns:a="http://schemas.openxmlformats.org/drawingml/2006/main" xmlns:r="http://schemas.openxmlformats.org/officeDocument/2006/relationships" xmlns:p="http://schemas.openxmlformats.org/presentationml/2006/main" showMasterSp="0">
   <p:cSld>
     <p:bg>
-      <p:bgPr shadeToTitle="0">
+      <p:bgPr>
         <a:solidFill>
           <a:schemeClr val="accent2">
             <a:lumMod val="20000"/>
             <a:lumOff val="80000"/>
           </a:schemeClr>
         </a:solidFill>
+        <a:effectLst/>
       </p:bgPr>
     </p:bg>
     <p:spTree>
@@ -11016,7 +10638,7 @@
             <a:avLst/>
           </a:prstGeom>
           <a:solidFill>
-            <a:srgbClr val="ff0000"/>
+            <a:srgbClr val="FF0000"/>
           </a:solidFill>
           <a:ln>
             <a:noFill/>
@@ -11071,7 +10693,7 @@
             <a:avLst/>
           </a:prstGeom>
           <a:solidFill>
-            <a:srgbClr val="ffc000"/>
+            <a:srgbClr val="FFC000"/>
           </a:solidFill>
           <a:ln>
             <a:noFill/>
@@ -11126,7 +10748,7 @@
             <a:avLst/>
           </a:prstGeom>
           <a:solidFill>
-            <a:srgbClr val="00b050"/>
+            <a:srgbClr val="00B050"/>
           </a:solidFill>
           <a:ln>
             <a:noFill/>
@@ -11204,16 +10826,6 @@
               </a:rPr>
               <a:t>3. LAS to TXT</a:t>
             </a:r>
-            <a:endParaRPr lang="en-US" altLang="ko-KR" sz="2400" b="1">
-              <a:solidFill>
-                <a:schemeClr val="tx1">
-                  <a:lumMod val="75000"/>
-                  <a:lumOff val="25000"/>
-                </a:schemeClr>
-              </a:solidFill>
-              <a:latin typeface="+mj-ea"/>
-              <a:ea typeface="+mj-ea"/>
-            </a:endParaRPr>
           </a:p>
         </p:txBody>
       </p:sp>
@@ -11405,14 +11017,6 @@
               </a:rPr>
               <a:t> 를 복제</a:t>
             </a:r>
-            <a:endParaRPr lang="ko-KR" altLang="en-US" sz="1200" b="0" spc="0">
-              <a:solidFill>
-                <a:schemeClr val="tx1">
-                  <a:lumMod val="75000"/>
-                  <a:lumOff val="25000"/>
-                </a:schemeClr>
-              </a:solidFill>
-            </a:endParaRPr>
           </a:p>
         </p:txBody>
       </p:sp>
@@ -11495,11 +11099,6 @@
               </a:rPr>
               <a:t> 설치</a:t>
             </a:r>
-            <a:endParaRPr lang="ko-KR" altLang="en-US" b="0" spc="0">
-              <a:solidFill>
-                <a:schemeClr val="tx1"/>
-              </a:solidFill>
-            </a:endParaRPr>
           </a:p>
         </p:txBody>
       </p:sp>
@@ -11622,7 +11221,7 @@
       </p:sp>
       <p:pic>
         <p:nvPicPr>
-          <p:cNvPr id="47" name=""/>
+          <p:cNvPr id="47" name="그림 46"/>
           <p:cNvPicPr/>
           <p:nvPr/>
         </p:nvPicPr>
@@ -11711,14 +11310,6 @@
               </a:rPr>
               <a:t>및 실행</a:t>
             </a:r>
-            <a:endParaRPr lang="ko-KR" altLang="en-US" sz="1200" b="0" spc="0">
-              <a:solidFill>
-                <a:schemeClr val="tx1">
-                  <a:lumMod val="75000"/>
-                  <a:lumOff val="25000"/>
-                </a:schemeClr>
-              </a:solidFill>
-            </a:endParaRPr>
           </a:p>
         </p:txBody>
       </p:sp>
@@ -11864,14 +11455,6 @@
               </a:rPr>
               <a:t>환경변수 설정</a:t>
             </a:r>
-            <a:endParaRPr lang="ko-KR" altLang="en-US" sz="1200" b="0" spc="0">
-              <a:solidFill>
-                <a:schemeClr val="tx1">
-                  <a:lumMod val="75000"/>
-                  <a:lumOff val="25000"/>
-                </a:schemeClr>
-              </a:solidFill>
-            </a:endParaRPr>
           </a:p>
         </p:txBody>
       </p:sp>
@@ -12077,20 +11660,12 @@
               </a:rPr>
               <a:t> 설치</a:t>
             </a:r>
-            <a:endParaRPr lang="ko-KR" altLang="en-US" sz="1200" b="0" spc="0">
-              <a:solidFill>
-                <a:schemeClr val="tx1">
-                  <a:lumMod val="75000"/>
-                  <a:lumOff val="25000"/>
-                </a:schemeClr>
-              </a:solidFill>
-            </a:endParaRPr>
           </a:p>
         </p:txBody>
       </p:sp>
       <p:pic>
         <p:nvPicPr>
-          <p:cNvPr id="56" name=""/>
+          <p:cNvPr id="56" name="그림 55"/>
           <p:cNvPicPr/>
           <p:nvPr/>
         </p:nvPicPr>
@@ -12112,7 +11687,7 @@
       </p:pic>
       <p:pic>
         <p:nvPicPr>
-          <p:cNvPr id="57" name=""/>
+          <p:cNvPr id="57" name="그림 56"/>
           <p:cNvPicPr/>
           <p:nvPr/>
         </p:nvPicPr>
@@ -12172,7 +11747,7 @@
       </p:cxnSp>
       <p:pic>
         <p:nvPicPr>
-          <p:cNvPr id="59" name=""/>
+          <p:cNvPr id="59" name="그림 58"/>
           <p:cNvPicPr/>
           <p:nvPr/>
         </p:nvPicPr>
@@ -12232,7 +11807,7 @@
       </p:cxnSp>
       <p:pic>
         <p:nvPicPr>
-          <p:cNvPr id="61" name=""/>
+          <p:cNvPr id="61" name="그림 60"/>
           <p:cNvPicPr/>
           <p:nvPr/>
         </p:nvPicPr>
@@ -12258,13 +11833,13 @@
     <a:masterClrMapping/>
   </p:clrMapOvr>
   <mc:AlternateContent xmlns:mc="http://schemas.openxmlformats.org/markup-compatibility/2006">
-    <mc:Choice xmlns:p14="http://schemas.microsoft.com/office/powerpoint/2010/main" Requires="p14">
+    <mc:Choice xmlns:p14="http://schemas.microsoft.com/office/powerpoint/2010/main" xmlns:dsp="http://schemas.microsoft.com/office/drawing/2008/diagram" xmlns:dgm="http://schemas.openxmlformats.org/drawingml/2006/diagram" xmlns:c="http://schemas.openxmlformats.org/drawingml/2006/chart" xmlns="" Requires="p14">
       <p:transition xmlns:mc="http://schemas.openxmlformats.org/markup-compatibility/2006" xmlns:p14="http://schemas.microsoft.com/office/powerpoint/2010/main" mc:Ignorable="p14" p14:dur="700">
         <p:fade/>
       </p:transition>
     </mc:Choice>
     <mc:Fallback>
-      <p:transition xmlns:mc="http://schemas.openxmlformats.org/markup-compatibility/2006" xmlns:hp="http://schemas.haansoft.com/office/presentation/8.0" mc:Ignorable="hp" hp:hslDur="700">
+      <p:transition>
         <p:fade/>
       </p:transition>
     </mc:Fallback>
@@ -12273,16 +11848,17 @@
 </file>
 
 <file path=ppt/slides/slide7.xml><?xml version="1.0" encoding="utf-8"?>
-<p:sld xmlns:r="http://schemas.openxmlformats.org/officeDocument/2006/relationships" xmlns:c="http://schemas.openxmlformats.org/drawingml/2006/chart" xmlns:a="http://schemas.openxmlformats.org/drawingml/2006/main" xmlns:dgm="http://schemas.openxmlformats.org/drawingml/2006/diagram" xmlns:dsp="http://schemas.microsoft.com/office/drawing/2008/diagram" xmlns:p="http://schemas.openxmlformats.org/presentationml/2006/main" showMasterSp="0">
+<p:sld xmlns:a="http://schemas.openxmlformats.org/drawingml/2006/main" xmlns:r="http://schemas.openxmlformats.org/officeDocument/2006/relationships" xmlns:p="http://schemas.openxmlformats.org/presentationml/2006/main" showMasterSp="0">
   <p:cSld>
     <p:bg>
-      <p:bgPr shadeToTitle="0">
+      <p:bgPr>
         <a:solidFill>
           <a:schemeClr val="accent2">
             <a:lumMod val="20000"/>
             <a:lumOff val="80000"/>
           </a:schemeClr>
         </a:solidFill>
+        <a:effectLst/>
       </p:bgPr>
     </p:bg>
     <p:spTree>
@@ -12420,7 +11996,7 @@
             <a:avLst/>
           </a:prstGeom>
           <a:solidFill>
-            <a:srgbClr val="ff0000"/>
+            <a:srgbClr val="FF0000"/>
           </a:solidFill>
           <a:ln>
             <a:noFill/>
@@ -12475,7 +12051,7 @@
             <a:avLst/>
           </a:prstGeom>
           <a:solidFill>
-            <a:srgbClr val="ffc000"/>
+            <a:srgbClr val="FFC000"/>
           </a:solidFill>
           <a:ln>
             <a:noFill/>
@@ -12530,7 +12106,7 @@
             <a:avLst/>
           </a:prstGeom>
           <a:solidFill>
-            <a:srgbClr val="00b050"/>
+            <a:srgbClr val="00B050"/>
           </a:solidFill>
           <a:ln>
             <a:noFill/>
@@ -12608,16 +12184,6 @@
               </a:rPr>
               <a:t>3. LAS to TXT</a:t>
             </a:r>
-            <a:endParaRPr lang="en-US" altLang="ko-KR" sz="2400" b="1">
-              <a:solidFill>
-                <a:schemeClr val="tx1">
-                  <a:lumMod val="75000"/>
-                  <a:lumOff val="25000"/>
-                </a:schemeClr>
-              </a:solidFill>
-              <a:latin typeface="+mj-ea"/>
-              <a:ea typeface="+mj-ea"/>
-            </a:endParaRPr>
           </a:p>
         </p:txBody>
       </p:sp>
@@ -12656,7 +12222,7 @@
       </p:sp>
       <p:pic>
         <p:nvPicPr>
-          <p:cNvPr id="58" name=""/>
+          <p:cNvPr id="58" name="그림 57"/>
           <p:cNvPicPr/>
           <p:nvPr/>
         </p:nvPicPr>
@@ -12678,7 +12244,7 @@
       </p:pic>
       <p:pic>
         <p:nvPicPr>
-          <p:cNvPr id="59" name=""/>
+          <p:cNvPr id="59" name="그림 58"/>
           <p:cNvPicPr/>
           <p:nvPr/>
         </p:nvPicPr>
@@ -12704,13 +12270,13 @@
     <a:masterClrMapping/>
   </p:clrMapOvr>
   <mc:AlternateContent xmlns:mc="http://schemas.openxmlformats.org/markup-compatibility/2006">
-    <mc:Choice xmlns:p14="http://schemas.microsoft.com/office/powerpoint/2010/main" Requires="p14">
+    <mc:Choice xmlns:p14="http://schemas.microsoft.com/office/powerpoint/2010/main" xmlns:dsp="http://schemas.microsoft.com/office/drawing/2008/diagram" xmlns:dgm="http://schemas.openxmlformats.org/drawingml/2006/diagram" xmlns:c="http://schemas.openxmlformats.org/drawingml/2006/chart" xmlns="" Requires="p14">
       <p:transition xmlns:mc="http://schemas.openxmlformats.org/markup-compatibility/2006" xmlns:p14="http://schemas.microsoft.com/office/powerpoint/2010/main" mc:Ignorable="p14" p14:dur="700">
         <p:fade/>
       </p:transition>
     </mc:Choice>
     <mc:Fallback>
-      <p:transition xmlns:mc="http://schemas.openxmlformats.org/markup-compatibility/2006" xmlns:hp="http://schemas.haansoft.com/office/presentation/8.0" mc:Ignorable="hp" hp:hslDur="700">
+      <p:transition>
         <p:fade/>
       </p:transition>
     </mc:Fallback>
@@ -12719,16 +12285,17 @@
 </file>
 
 <file path=ppt/slides/slide8.xml><?xml version="1.0" encoding="utf-8"?>
-<p:sld xmlns:r="http://schemas.openxmlformats.org/officeDocument/2006/relationships" xmlns:c="http://schemas.openxmlformats.org/drawingml/2006/chart" xmlns:a="http://schemas.openxmlformats.org/drawingml/2006/main" xmlns:dgm="http://schemas.openxmlformats.org/drawingml/2006/diagram" xmlns:dsp="http://schemas.microsoft.com/office/drawing/2008/diagram" xmlns:p="http://schemas.openxmlformats.org/presentationml/2006/main" showMasterSp="0">
+<p:sld xmlns:a="http://schemas.openxmlformats.org/drawingml/2006/main" xmlns:r="http://schemas.openxmlformats.org/officeDocument/2006/relationships" xmlns:p="http://schemas.openxmlformats.org/presentationml/2006/main" showMasterSp="0">
   <p:cSld>
     <p:bg>
-      <p:bgPr shadeToTitle="0">
+      <p:bgPr>
         <a:solidFill>
           <a:schemeClr val="accent2">
             <a:lumMod val="20000"/>
             <a:lumOff val="80000"/>
           </a:schemeClr>
         </a:solidFill>
+        <a:effectLst/>
       </p:bgPr>
     </p:bg>
     <p:spTree>
@@ -12866,7 +12433,7 @@
             <a:avLst/>
           </a:prstGeom>
           <a:solidFill>
-            <a:srgbClr val="ff0000"/>
+            <a:srgbClr val="FF0000"/>
           </a:solidFill>
           <a:ln>
             <a:noFill/>
@@ -12921,7 +12488,7 @@
             <a:avLst/>
           </a:prstGeom>
           <a:solidFill>
-            <a:srgbClr val="ffc000"/>
+            <a:srgbClr val="FFC000"/>
           </a:solidFill>
           <a:ln>
             <a:noFill/>
@@ -12976,7 +12543,7 @@
             <a:avLst/>
           </a:prstGeom>
           <a:solidFill>
-            <a:srgbClr val="00b050"/>
+            <a:srgbClr val="00B050"/>
           </a:solidFill>
           <a:ln>
             <a:noFill/>
@@ -13054,16 +12621,6 @@
               </a:rPr>
               <a:t>3. LAS to TXT</a:t>
             </a:r>
-            <a:endParaRPr lang="en-US" altLang="ko-KR" sz="2400" b="1">
-              <a:solidFill>
-                <a:schemeClr val="tx1">
-                  <a:lumMod val="75000"/>
-                  <a:lumOff val="25000"/>
-                </a:schemeClr>
-              </a:solidFill>
-              <a:latin typeface="+mj-ea"/>
-              <a:ea typeface="+mj-ea"/>
-            </a:endParaRPr>
           </a:p>
         </p:txBody>
       </p:sp>
@@ -13102,7 +12659,7 @@
       </p:sp>
       <p:pic>
         <p:nvPicPr>
-          <p:cNvPr id="59" name=""/>
+          <p:cNvPr id="59" name="그림 58"/>
           <p:cNvPicPr/>
           <p:nvPr/>
         </p:nvPicPr>
@@ -13124,7 +12681,7 @@
       </p:pic>
       <p:pic>
         <p:nvPicPr>
-          <p:cNvPr id="60" name=""/>
+          <p:cNvPr id="60" name="그림 59"/>
           <p:cNvPicPr/>
           <p:nvPr/>
         </p:nvPicPr>
@@ -13146,7 +12703,7 @@
       </p:pic>
       <p:pic>
         <p:nvPicPr>
-          <p:cNvPr id="61" name=""/>
+          <p:cNvPr id="61" name="그림 60"/>
           <p:cNvPicPr/>
           <p:nvPr/>
         </p:nvPicPr>
@@ -13172,13 +12729,13 @@
     <a:masterClrMapping/>
   </p:clrMapOvr>
   <mc:AlternateContent xmlns:mc="http://schemas.openxmlformats.org/markup-compatibility/2006">
-    <mc:Choice xmlns:p14="http://schemas.microsoft.com/office/powerpoint/2010/main" Requires="p14">
+    <mc:Choice xmlns:p14="http://schemas.microsoft.com/office/powerpoint/2010/main" xmlns:dsp="http://schemas.microsoft.com/office/drawing/2008/diagram" xmlns:dgm="http://schemas.openxmlformats.org/drawingml/2006/diagram" xmlns:c="http://schemas.openxmlformats.org/drawingml/2006/chart" xmlns="" Requires="p14">
       <p:transition xmlns:mc="http://schemas.openxmlformats.org/markup-compatibility/2006" xmlns:p14="http://schemas.microsoft.com/office/powerpoint/2010/main" mc:Ignorable="p14" p14:dur="700">
         <p:fade/>
       </p:transition>
     </mc:Choice>
     <mc:Fallback>
-      <p:transition xmlns:mc="http://schemas.openxmlformats.org/markup-compatibility/2006" xmlns:hp="http://schemas.haansoft.com/office/presentation/8.0" mc:Ignorable="hp" hp:hslDur="700">
+      <p:transition>
         <p:fade/>
       </p:transition>
     </mc:Fallback>
@@ -13187,16 +12744,17 @@
 </file>
 
 <file path=ppt/slides/slide9.xml><?xml version="1.0" encoding="utf-8"?>
-<p:sld xmlns:r="http://schemas.openxmlformats.org/officeDocument/2006/relationships" xmlns:c="http://schemas.openxmlformats.org/drawingml/2006/chart" xmlns:a="http://schemas.openxmlformats.org/drawingml/2006/main" xmlns:dgm="http://schemas.openxmlformats.org/drawingml/2006/diagram" xmlns:dsp="http://schemas.microsoft.com/office/drawing/2008/diagram" xmlns:p="http://schemas.openxmlformats.org/presentationml/2006/main" showMasterSp="0">
+<p:sld xmlns:a="http://schemas.openxmlformats.org/drawingml/2006/main" xmlns:r="http://schemas.openxmlformats.org/officeDocument/2006/relationships" xmlns:p="http://schemas.openxmlformats.org/presentationml/2006/main" showMasterSp="0">
   <p:cSld>
     <p:bg>
-      <p:bgPr shadeToTitle="0">
+      <p:bgPr>
         <a:solidFill>
           <a:schemeClr val="accent2">
             <a:lumMod val="20000"/>
             <a:lumOff val="80000"/>
           </a:schemeClr>
         </a:solidFill>
+        <a:effectLst/>
       </p:bgPr>
     </p:bg>
     <p:spTree>
@@ -13334,7 +12892,7 @@
             <a:avLst/>
           </a:prstGeom>
           <a:solidFill>
-            <a:srgbClr val="ff0000"/>
+            <a:srgbClr val="FF0000"/>
           </a:solidFill>
           <a:ln>
             <a:noFill/>
@@ -13389,7 +12947,7 @@
             <a:avLst/>
           </a:prstGeom>
           <a:solidFill>
-            <a:srgbClr val="ffc000"/>
+            <a:srgbClr val="FFC000"/>
           </a:solidFill>
           <a:ln>
             <a:noFill/>
@@ -13444,7 +13002,7 @@
             <a:avLst/>
           </a:prstGeom>
           <a:solidFill>
-            <a:srgbClr val="00b050"/>
+            <a:srgbClr val="00B050"/>
           </a:solidFill>
           <a:ln>
             <a:noFill/>
@@ -13522,22 +13080,12 @@
               </a:rPr>
               <a:t>3. LAS to TXT</a:t>
             </a:r>
-            <a:endParaRPr lang="en-US" altLang="ko-KR" sz="2400" b="1">
-              <a:solidFill>
-                <a:schemeClr val="tx1">
-                  <a:lumMod val="75000"/>
-                  <a:lumOff val="25000"/>
-                </a:schemeClr>
-              </a:solidFill>
-              <a:latin typeface="+mj-ea"/>
-              <a:ea typeface="+mj-ea"/>
-            </a:endParaRPr>
           </a:p>
         </p:txBody>
       </p:sp>
       <p:pic>
         <p:nvPicPr>
-          <p:cNvPr id="67" name=""/>
+          <p:cNvPr id="67" name="그림 66"/>
           <p:cNvPicPr>
             <a:picLocks noChangeAspect="1"/>
           </p:cNvPicPr>
@@ -13561,7 +13109,7 @@
       </p:pic>
       <p:pic>
         <p:nvPicPr>
-          <p:cNvPr id="69" name=""/>
+          <p:cNvPr id="69" name="그림 68"/>
           <p:cNvPicPr>
             <a:picLocks noChangeAspect="1"/>
           </p:cNvPicPr>
@@ -13589,13 +13137,13 @@
     <a:masterClrMapping/>
   </p:clrMapOvr>
   <mc:AlternateContent xmlns:mc="http://schemas.openxmlformats.org/markup-compatibility/2006">
-    <mc:Choice xmlns:p14="http://schemas.microsoft.com/office/powerpoint/2010/main" Requires="p14">
+    <mc:Choice xmlns:p14="http://schemas.microsoft.com/office/powerpoint/2010/main" xmlns:dsp="http://schemas.microsoft.com/office/drawing/2008/diagram" xmlns:dgm="http://schemas.openxmlformats.org/drawingml/2006/diagram" xmlns:c="http://schemas.openxmlformats.org/drawingml/2006/chart" xmlns="" Requires="p14">
       <p:transition xmlns:mc="http://schemas.openxmlformats.org/markup-compatibility/2006" xmlns:p14="http://schemas.microsoft.com/office/powerpoint/2010/main" mc:Ignorable="p14" p14:dur="700">
         <p:fade/>
       </p:transition>
     </mc:Choice>
     <mc:Fallback>
-      <p:transition xmlns:mc="http://schemas.openxmlformats.org/markup-compatibility/2006" xmlns:hp="http://schemas.haansoft.com/office/presentation/8.0" mc:Ignorable="hp" hp:hslDur="700">
+      <p:transition>
         <p:fade/>
       </p:transition>
     </mc:Fallback>

--- a/ppt/Las_20231222_윤기태.pptx
+++ b/ppt/Las_20231222_윤기태.pptx
@@ -1,6 +1,6 @@
 
 <file path=ppt/presentation.xml><?xml version="1.0" encoding="utf-8"?>
-<p:presentation xmlns:r="http://schemas.openxmlformats.org/officeDocument/2006/relationships" xmlns:c="http://schemas.openxmlformats.org/drawingml/2006/chart" xmlns:a="http://schemas.openxmlformats.org/drawingml/2006/main" xmlns:dgm="http://schemas.openxmlformats.org/drawingml/2006/diagram" xmlns:dsp="http://schemas.microsoft.com/office/drawing/2008/diagram" xmlns:p="http://schemas.openxmlformats.org/presentationml/2006/main" saveSubsetFonts="1">
+<p:presentation xmlns:a="http://schemas.openxmlformats.org/drawingml/2006/main" xmlns:r="http://schemas.openxmlformats.org/officeDocument/2006/relationships" xmlns:p="http://schemas.openxmlformats.org/presentationml/2006/main" saveSubsetFonts="1">
   <p:sldMasterIdLst>
     <p:sldMasterId id="2147483744" r:id="rId1"/>
   </p:sldMasterIdLst>
@@ -11,9 +11,7 @@
     <p:sldId id="259" r:id="rId5"/>
     <p:sldId id="260" r:id="rId6"/>
     <p:sldId id="261" r:id="rId7"/>
-    <p:sldId id="262" r:id="rId8"/>
-    <p:sldId id="263" r:id="rId9"/>
-    <p:sldId id="264" r:id="rId10"/>
+    <p:sldId id="264" r:id="rId8"/>
   </p:sldIdLst>
   <p:sldSz cx="12192000" cy="6858000"/>
   <p:notesSz cx="6858000" cy="9144000"/>
@@ -137,7 +135,7 @@
           <p:cNvPr id="2" name="제목 1">
             <a:extLst>
               <a:ext uri="{FF2B5EF4-FFF2-40B4-BE49-F238E27FC236}">
-                <a16:creationId xmlns:a16="http://schemas.microsoft.com/office/drawing/2014/main" xmlns="" id="{34378DEE-0023-263F-C7F3-FD8CE2131004}"/>
+                <a16:creationId xmlns="" xmlns:a16="http://schemas.microsoft.com/office/drawing/2014/main" id="{34378DEE-0023-263F-C7F3-FD8CE2131004}"/>
               </a:ext>
             </a:extLst>
           </p:cNvPr>
@@ -174,7 +172,7 @@
           <p:cNvPr id="3" name="부제목 2">
             <a:extLst>
               <a:ext uri="{FF2B5EF4-FFF2-40B4-BE49-F238E27FC236}">
-                <a16:creationId xmlns:a16="http://schemas.microsoft.com/office/drawing/2014/main" xmlns="" id="{720DA288-2283-478A-677A-217B4192920F}"/>
+                <a16:creationId xmlns="" xmlns:a16="http://schemas.microsoft.com/office/drawing/2014/main" id="{720DA288-2283-478A-677A-217B4192920F}"/>
               </a:ext>
             </a:extLst>
           </p:cNvPr>
@@ -244,7 +242,7 @@
           <p:cNvPr id="4" name="날짜 개체 틀 3">
             <a:extLst>
               <a:ext uri="{FF2B5EF4-FFF2-40B4-BE49-F238E27FC236}">
-                <a16:creationId xmlns:a16="http://schemas.microsoft.com/office/drawing/2014/main" xmlns="" id="{F11EC84C-01A7-4ADC-1F31-E4AE9420B900}"/>
+                <a16:creationId xmlns="" xmlns:a16="http://schemas.microsoft.com/office/drawing/2014/main" id="{F11EC84C-01A7-4ADC-1F31-E4AE9420B900}"/>
               </a:ext>
             </a:extLst>
           </p:cNvPr>
@@ -274,7 +272,7 @@
           <p:cNvPr id="5" name="바닥글 개체 틀 4">
             <a:extLst>
               <a:ext uri="{FF2B5EF4-FFF2-40B4-BE49-F238E27FC236}">
-                <a16:creationId xmlns:a16="http://schemas.microsoft.com/office/drawing/2014/main" xmlns="" id="{49A9A3C9-983C-3A5F-65CA-B5D87C4B3CBE}"/>
+                <a16:creationId xmlns="" xmlns:a16="http://schemas.microsoft.com/office/drawing/2014/main" id="{49A9A3C9-983C-3A5F-65CA-B5D87C4B3CBE}"/>
               </a:ext>
             </a:extLst>
           </p:cNvPr>
@@ -299,7 +297,7 @@
           <p:cNvPr id="6" name="슬라이드 번호 개체 틀 5">
             <a:extLst>
               <a:ext uri="{FF2B5EF4-FFF2-40B4-BE49-F238E27FC236}">
-                <a16:creationId xmlns:a16="http://schemas.microsoft.com/office/drawing/2014/main" xmlns="" id="{1E3DCD05-031E-104F-A7DE-CC3738994F2B}"/>
+                <a16:creationId xmlns="" xmlns:a16="http://schemas.microsoft.com/office/drawing/2014/main" id="{1E3DCD05-031E-104F-A7DE-CC3738994F2B}"/>
               </a:ext>
             </a:extLst>
           </p:cNvPr>
@@ -327,7 +325,7 @@
     </p:spTree>
     <p:extLst>
       <p:ext uri="{BB962C8B-B14F-4D97-AF65-F5344CB8AC3E}">
-        <p14:creationId xmlns:p14="http://schemas.microsoft.com/office/powerpoint/2010/main" xmlns="" val="136949902"/>
+        <p14:creationId xmlns="" xmlns:p14="http://schemas.microsoft.com/office/powerpoint/2010/main" val="136949902"/>
       </p:ext>
     </p:extLst>
   </p:cSld>
@@ -359,7 +357,7 @@
           <p:cNvPr id="2" name="제목 1">
             <a:extLst>
               <a:ext uri="{FF2B5EF4-FFF2-40B4-BE49-F238E27FC236}">
-                <a16:creationId xmlns:a16="http://schemas.microsoft.com/office/drawing/2014/main" xmlns="" id="{CF353876-545A-BFC4-4A54-83915ACB94FD}"/>
+                <a16:creationId xmlns="" xmlns:a16="http://schemas.microsoft.com/office/drawing/2014/main" id="{CF353876-545A-BFC4-4A54-83915ACB94FD}"/>
               </a:ext>
             </a:extLst>
           </p:cNvPr>
@@ -387,7 +385,7 @@
           <p:cNvPr id="3" name="세로 텍스트 개체 틀 2">
             <a:extLst>
               <a:ext uri="{FF2B5EF4-FFF2-40B4-BE49-F238E27FC236}">
-                <a16:creationId xmlns:a16="http://schemas.microsoft.com/office/drawing/2014/main" xmlns="" id="{FF5E484A-E56B-1B80-08F4-173FC085E1DA}"/>
+                <a16:creationId xmlns="" xmlns:a16="http://schemas.microsoft.com/office/drawing/2014/main" id="{FF5E484A-E56B-1B80-08F4-173FC085E1DA}"/>
               </a:ext>
             </a:extLst>
           </p:cNvPr>
@@ -444,7 +442,7 @@
           <p:cNvPr id="4" name="날짜 개체 틀 3">
             <a:extLst>
               <a:ext uri="{FF2B5EF4-FFF2-40B4-BE49-F238E27FC236}">
-                <a16:creationId xmlns:a16="http://schemas.microsoft.com/office/drawing/2014/main" xmlns="" id="{9FA2E2F6-3344-3469-B0BD-24F6A0921FDF}"/>
+                <a16:creationId xmlns="" xmlns:a16="http://schemas.microsoft.com/office/drawing/2014/main" id="{9FA2E2F6-3344-3469-B0BD-24F6A0921FDF}"/>
               </a:ext>
             </a:extLst>
           </p:cNvPr>
@@ -474,7 +472,7 @@
           <p:cNvPr id="5" name="바닥글 개체 틀 4">
             <a:extLst>
               <a:ext uri="{FF2B5EF4-FFF2-40B4-BE49-F238E27FC236}">
-                <a16:creationId xmlns:a16="http://schemas.microsoft.com/office/drawing/2014/main" xmlns="" id="{535A2F2F-518B-7161-6FA0-5B310A6D53EC}"/>
+                <a16:creationId xmlns="" xmlns:a16="http://schemas.microsoft.com/office/drawing/2014/main" id="{535A2F2F-518B-7161-6FA0-5B310A6D53EC}"/>
               </a:ext>
             </a:extLst>
           </p:cNvPr>
@@ -499,7 +497,7 @@
           <p:cNvPr id="6" name="슬라이드 번호 개체 틀 5">
             <a:extLst>
               <a:ext uri="{FF2B5EF4-FFF2-40B4-BE49-F238E27FC236}">
-                <a16:creationId xmlns:a16="http://schemas.microsoft.com/office/drawing/2014/main" xmlns="" id="{2DC52A9C-1DD3-A81F-35C6-30AE2C838596}"/>
+                <a16:creationId xmlns="" xmlns:a16="http://schemas.microsoft.com/office/drawing/2014/main" id="{2DC52A9C-1DD3-A81F-35C6-30AE2C838596}"/>
               </a:ext>
             </a:extLst>
           </p:cNvPr>
@@ -527,7 +525,7 @@
     </p:spTree>
     <p:extLst>
       <p:ext uri="{BB962C8B-B14F-4D97-AF65-F5344CB8AC3E}">
-        <p14:creationId xmlns:p14="http://schemas.microsoft.com/office/powerpoint/2010/main" xmlns="" val="1816511328"/>
+        <p14:creationId xmlns="" xmlns:p14="http://schemas.microsoft.com/office/powerpoint/2010/main" val="1816511328"/>
       </p:ext>
     </p:extLst>
   </p:cSld>
@@ -559,7 +557,7 @@
           <p:cNvPr id="2" name="세로 제목 1">
             <a:extLst>
               <a:ext uri="{FF2B5EF4-FFF2-40B4-BE49-F238E27FC236}">
-                <a16:creationId xmlns:a16="http://schemas.microsoft.com/office/drawing/2014/main" xmlns="" id="{BB64122E-F76C-D69E-8612-00E3B24A05E7}"/>
+                <a16:creationId xmlns="" xmlns:a16="http://schemas.microsoft.com/office/drawing/2014/main" id="{BB64122E-F76C-D69E-8612-00E3B24A05E7}"/>
               </a:ext>
             </a:extLst>
           </p:cNvPr>
@@ -592,7 +590,7 @@
           <p:cNvPr id="3" name="세로 텍스트 개체 틀 2">
             <a:extLst>
               <a:ext uri="{FF2B5EF4-FFF2-40B4-BE49-F238E27FC236}">
-                <a16:creationId xmlns:a16="http://schemas.microsoft.com/office/drawing/2014/main" xmlns="" id="{FE68F6FA-2986-8882-707C-3ACB1F0485B2}"/>
+                <a16:creationId xmlns="" xmlns:a16="http://schemas.microsoft.com/office/drawing/2014/main" id="{FE68F6FA-2986-8882-707C-3ACB1F0485B2}"/>
               </a:ext>
             </a:extLst>
           </p:cNvPr>
@@ -654,7 +652,7 @@
           <p:cNvPr id="4" name="날짜 개체 틀 3">
             <a:extLst>
               <a:ext uri="{FF2B5EF4-FFF2-40B4-BE49-F238E27FC236}">
-                <a16:creationId xmlns:a16="http://schemas.microsoft.com/office/drawing/2014/main" xmlns="" id="{E01EE918-2005-BA81-AF90-19072D259255}"/>
+                <a16:creationId xmlns="" xmlns:a16="http://schemas.microsoft.com/office/drawing/2014/main" id="{E01EE918-2005-BA81-AF90-19072D259255}"/>
               </a:ext>
             </a:extLst>
           </p:cNvPr>
@@ -684,7 +682,7 @@
           <p:cNvPr id="5" name="바닥글 개체 틀 4">
             <a:extLst>
               <a:ext uri="{FF2B5EF4-FFF2-40B4-BE49-F238E27FC236}">
-                <a16:creationId xmlns:a16="http://schemas.microsoft.com/office/drawing/2014/main" xmlns="" id="{32CB83DE-9BEC-597E-E901-C6D34F3047AA}"/>
+                <a16:creationId xmlns="" xmlns:a16="http://schemas.microsoft.com/office/drawing/2014/main" id="{32CB83DE-9BEC-597E-E901-C6D34F3047AA}"/>
               </a:ext>
             </a:extLst>
           </p:cNvPr>
@@ -709,7 +707,7 @@
           <p:cNvPr id="6" name="슬라이드 번호 개체 틀 5">
             <a:extLst>
               <a:ext uri="{FF2B5EF4-FFF2-40B4-BE49-F238E27FC236}">
-                <a16:creationId xmlns:a16="http://schemas.microsoft.com/office/drawing/2014/main" xmlns="" id="{56971BEE-3762-FC18-8D46-9C7A219B6A23}"/>
+                <a16:creationId xmlns="" xmlns:a16="http://schemas.microsoft.com/office/drawing/2014/main" id="{56971BEE-3762-FC18-8D46-9C7A219B6A23}"/>
               </a:ext>
             </a:extLst>
           </p:cNvPr>
@@ -737,7 +735,7 @@
     </p:spTree>
     <p:extLst>
       <p:ext uri="{BB962C8B-B14F-4D97-AF65-F5344CB8AC3E}">
-        <p14:creationId xmlns:p14="http://schemas.microsoft.com/office/powerpoint/2010/main" xmlns="" val="2882462353"/>
+        <p14:creationId xmlns="" xmlns:p14="http://schemas.microsoft.com/office/powerpoint/2010/main" val="2882462353"/>
       </p:ext>
     </p:extLst>
   </p:cSld>
@@ -769,7 +767,7 @@
           <p:cNvPr id="2" name="제목 1">
             <a:extLst>
               <a:ext uri="{FF2B5EF4-FFF2-40B4-BE49-F238E27FC236}">
-                <a16:creationId xmlns:a16="http://schemas.microsoft.com/office/drawing/2014/main" xmlns="" id="{9FC20E52-A2D2-4E60-5562-3F44389AE19A}"/>
+                <a16:creationId xmlns="" xmlns:a16="http://schemas.microsoft.com/office/drawing/2014/main" id="{9FC20E52-A2D2-4E60-5562-3F44389AE19A}"/>
               </a:ext>
             </a:extLst>
           </p:cNvPr>
@@ -797,7 +795,7 @@
           <p:cNvPr id="3" name="내용 개체 틀 2">
             <a:extLst>
               <a:ext uri="{FF2B5EF4-FFF2-40B4-BE49-F238E27FC236}">
-                <a16:creationId xmlns:a16="http://schemas.microsoft.com/office/drawing/2014/main" xmlns="" id="{917E9EDA-F2CF-C145-94C7-7F6CAC50E1C2}"/>
+                <a16:creationId xmlns="" xmlns:a16="http://schemas.microsoft.com/office/drawing/2014/main" id="{917E9EDA-F2CF-C145-94C7-7F6CAC50E1C2}"/>
               </a:ext>
             </a:extLst>
           </p:cNvPr>
@@ -854,7 +852,7 @@
           <p:cNvPr id="4" name="날짜 개체 틀 3">
             <a:extLst>
               <a:ext uri="{FF2B5EF4-FFF2-40B4-BE49-F238E27FC236}">
-                <a16:creationId xmlns:a16="http://schemas.microsoft.com/office/drawing/2014/main" xmlns="" id="{C3665E8B-10B4-32F2-40F7-8CB3B949708C}"/>
+                <a16:creationId xmlns="" xmlns:a16="http://schemas.microsoft.com/office/drawing/2014/main" id="{C3665E8B-10B4-32F2-40F7-8CB3B949708C}"/>
               </a:ext>
             </a:extLst>
           </p:cNvPr>
@@ -884,7 +882,7 @@
           <p:cNvPr id="5" name="바닥글 개체 틀 4">
             <a:extLst>
               <a:ext uri="{FF2B5EF4-FFF2-40B4-BE49-F238E27FC236}">
-                <a16:creationId xmlns:a16="http://schemas.microsoft.com/office/drawing/2014/main" xmlns="" id="{6F6898D6-A27F-77CF-8E4A-9AE7293A4EB0}"/>
+                <a16:creationId xmlns="" xmlns:a16="http://schemas.microsoft.com/office/drawing/2014/main" id="{6F6898D6-A27F-77CF-8E4A-9AE7293A4EB0}"/>
               </a:ext>
             </a:extLst>
           </p:cNvPr>
@@ -909,7 +907,7 @@
           <p:cNvPr id="6" name="슬라이드 번호 개체 틀 5">
             <a:extLst>
               <a:ext uri="{FF2B5EF4-FFF2-40B4-BE49-F238E27FC236}">
-                <a16:creationId xmlns:a16="http://schemas.microsoft.com/office/drawing/2014/main" xmlns="" id="{08BB7205-62F2-C3A9-6103-434AA03AC0ED}"/>
+                <a16:creationId xmlns="" xmlns:a16="http://schemas.microsoft.com/office/drawing/2014/main" id="{08BB7205-62F2-C3A9-6103-434AA03AC0ED}"/>
               </a:ext>
             </a:extLst>
           </p:cNvPr>
@@ -937,7 +935,7 @@
     </p:spTree>
     <p:extLst>
       <p:ext uri="{BB962C8B-B14F-4D97-AF65-F5344CB8AC3E}">
-        <p14:creationId xmlns:p14="http://schemas.microsoft.com/office/powerpoint/2010/main" xmlns="" val="971597656"/>
+        <p14:creationId xmlns="" xmlns:p14="http://schemas.microsoft.com/office/powerpoint/2010/main" val="971597656"/>
       </p:ext>
     </p:extLst>
   </p:cSld>
@@ -969,7 +967,7 @@
           <p:cNvPr id="2" name="제목 1">
             <a:extLst>
               <a:ext uri="{FF2B5EF4-FFF2-40B4-BE49-F238E27FC236}">
-                <a16:creationId xmlns:a16="http://schemas.microsoft.com/office/drawing/2014/main" xmlns="" id="{4286476B-F03F-A2D2-92F4-DB8BD725EAC5}"/>
+                <a16:creationId xmlns="" xmlns:a16="http://schemas.microsoft.com/office/drawing/2014/main" id="{4286476B-F03F-A2D2-92F4-DB8BD725EAC5}"/>
               </a:ext>
             </a:extLst>
           </p:cNvPr>
@@ -1006,7 +1004,7 @@
           <p:cNvPr id="3" name="텍스트 개체 틀 2">
             <a:extLst>
               <a:ext uri="{FF2B5EF4-FFF2-40B4-BE49-F238E27FC236}">
-                <a16:creationId xmlns:a16="http://schemas.microsoft.com/office/drawing/2014/main" xmlns="" id="{7950D368-8ADD-5744-1C65-FBD97F1C6054}"/>
+                <a16:creationId xmlns="" xmlns:a16="http://schemas.microsoft.com/office/drawing/2014/main" id="{7950D368-8ADD-5744-1C65-FBD97F1C6054}"/>
               </a:ext>
             </a:extLst>
           </p:cNvPr>
@@ -1131,7 +1129,7 @@
           <p:cNvPr id="4" name="날짜 개체 틀 3">
             <a:extLst>
               <a:ext uri="{FF2B5EF4-FFF2-40B4-BE49-F238E27FC236}">
-                <a16:creationId xmlns:a16="http://schemas.microsoft.com/office/drawing/2014/main" xmlns="" id="{441363C7-7A56-6A81-F09E-3293A5A98A9B}"/>
+                <a16:creationId xmlns="" xmlns:a16="http://schemas.microsoft.com/office/drawing/2014/main" id="{441363C7-7A56-6A81-F09E-3293A5A98A9B}"/>
               </a:ext>
             </a:extLst>
           </p:cNvPr>
@@ -1161,7 +1159,7 @@
           <p:cNvPr id="5" name="바닥글 개체 틀 4">
             <a:extLst>
               <a:ext uri="{FF2B5EF4-FFF2-40B4-BE49-F238E27FC236}">
-                <a16:creationId xmlns:a16="http://schemas.microsoft.com/office/drawing/2014/main" xmlns="" id="{323AFC29-0E38-3460-F954-6633EB1A5973}"/>
+                <a16:creationId xmlns="" xmlns:a16="http://schemas.microsoft.com/office/drawing/2014/main" id="{323AFC29-0E38-3460-F954-6633EB1A5973}"/>
               </a:ext>
             </a:extLst>
           </p:cNvPr>
@@ -1186,7 +1184,7 @@
           <p:cNvPr id="6" name="슬라이드 번호 개체 틀 5">
             <a:extLst>
               <a:ext uri="{FF2B5EF4-FFF2-40B4-BE49-F238E27FC236}">
-                <a16:creationId xmlns:a16="http://schemas.microsoft.com/office/drawing/2014/main" xmlns="" id="{9B112A3C-53FB-1AB4-7CAA-B88A1D30BD84}"/>
+                <a16:creationId xmlns="" xmlns:a16="http://schemas.microsoft.com/office/drawing/2014/main" id="{9B112A3C-53FB-1AB4-7CAA-B88A1D30BD84}"/>
               </a:ext>
             </a:extLst>
           </p:cNvPr>
@@ -1214,7 +1212,7 @@
     </p:spTree>
     <p:extLst>
       <p:ext uri="{BB962C8B-B14F-4D97-AF65-F5344CB8AC3E}">
-        <p14:creationId xmlns:p14="http://schemas.microsoft.com/office/powerpoint/2010/main" xmlns="" val="2255388647"/>
+        <p14:creationId xmlns="" xmlns:p14="http://schemas.microsoft.com/office/powerpoint/2010/main" val="2255388647"/>
       </p:ext>
     </p:extLst>
   </p:cSld>
@@ -1246,7 +1244,7 @@
           <p:cNvPr id="2" name="제목 1">
             <a:extLst>
               <a:ext uri="{FF2B5EF4-FFF2-40B4-BE49-F238E27FC236}">
-                <a16:creationId xmlns:a16="http://schemas.microsoft.com/office/drawing/2014/main" xmlns="" id="{8848DBFB-349D-1623-35A9-33202C459EDD}"/>
+                <a16:creationId xmlns="" xmlns:a16="http://schemas.microsoft.com/office/drawing/2014/main" id="{8848DBFB-349D-1623-35A9-33202C459EDD}"/>
               </a:ext>
             </a:extLst>
           </p:cNvPr>
@@ -1274,7 +1272,7 @@
           <p:cNvPr id="3" name="내용 개체 틀 2">
             <a:extLst>
               <a:ext uri="{FF2B5EF4-FFF2-40B4-BE49-F238E27FC236}">
-                <a16:creationId xmlns:a16="http://schemas.microsoft.com/office/drawing/2014/main" xmlns="" id="{94118C10-BD94-F1FF-6203-2FEBBCC67183}"/>
+                <a16:creationId xmlns="" xmlns:a16="http://schemas.microsoft.com/office/drawing/2014/main" id="{94118C10-BD94-F1FF-6203-2FEBBCC67183}"/>
               </a:ext>
             </a:extLst>
           </p:cNvPr>
@@ -1336,7 +1334,7 @@
           <p:cNvPr id="4" name="내용 개체 틀 3">
             <a:extLst>
               <a:ext uri="{FF2B5EF4-FFF2-40B4-BE49-F238E27FC236}">
-                <a16:creationId xmlns:a16="http://schemas.microsoft.com/office/drawing/2014/main" xmlns="" id="{DFD25993-F77A-EE1F-45EF-0CC2642125E0}"/>
+                <a16:creationId xmlns="" xmlns:a16="http://schemas.microsoft.com/office/drawing/2014/main" id="{DFD25993-F77A-EE1F-45EF-0CC2642125E0}"/>
               </a:ext>
             </a:extLst>
           </p:cNvPr>
@@ -1398,7 +1396,7 @@
           <p:cNvPr id="5" name="날짜 개체 틀 4">
             <a:extLst>
               <a:ext uri="{FF2B5EF4-FFF2-40B4-BE49-F238E27FC236}">
-                <a16:creationId xmlns:a16="http://schemas.microsoft.com/office/drawing/2014/main" xmlns="" id="{70536E9E-A1D9-634E-388E-3F14C298F08E}"/>
+                <a16:creationId xmlns="" xmlns:a16="http://schemas.microsoft.com/office/drawing/2014/main" id="{70536E9E-A1D9-634E-388E-3F14C298F08E}"/>
               </a:ext>
             </a:extLst>
           </p:cNvPr>
@@ -1428,7 +1426,7 @@
           <p:cNvPr id="6" name="바닥글 개체 틀 5">
             <a:extLst>
               <a:ext uri="{FF2B5EF4-FFF2-40B4-BE49-F238E27FC236}">
-                <a16:creationId xmlns:a16="http://schemas.microsoft.com/office/drawing/2014/main" xmlns="" id="{7973E391-5B55-5F41-630E-1CF7E2BF46F7}"/>
+                <a16:creationId xmlns="" xmlns:a16="http://schemas.microsoft.com/office/drawing/2014/main" id="{7973E391-5B55-5F41-630E-1CF7E2BF46F7}"/>
               </a:ext>
             </a:extLst>
           </p:cNvPr>
@@ -1453,7 +1451,7 @@
           <p:cNvPr id="7" name="슬라이드 번호 개체 틀 6">
             <a:extLst>
               <a:ext uri="{FF2B5EF4-FFF2-40B4-BE49-F238E27FC236}">
-                <a16:creationId xmlns:a16="http://schemas.microsoft.com/office/drawing/2014/main" xmlns="" id="{C0346865-0777-D4E5-4476-70E2C2CF6050}"/>
+                <a16:creationId xmlns="" xmlns:a16="http://schemas.microsoft.com/office/drawing/2014/main" id="{C0346865-0777-D4E5-4476-70E2C2CF6050}"/>
               </a:ext>
             </a:extLst>
           </p:cNvPr>
@@ -1481,7 +1479,7 @@
     </p:spTree>
     <p:extLst>
       <p:ext uri="{BB962C8B-B14F-4D97-AF65-F5344CB8AC3E}">
-        <p14:creationId xmlns:p14="http://schemas.microsoft.com/office/powerpoint/2010/main" xmlns="" val="693414870"/>
+        <p14:creationId xmlns="" xmlns:p14="http://schemas.microsoft.com/office/powerpoint/2010/main" val="693414870"/>
       </p:ext>
     </p:extLst>
   </p:cSld>
@@ -1513,7 +1511,7 @@
           <p:cNvPr id="2" name="제목 1">
             <a:extLst>
               <a:ext uri="{FF2B5EF4-FFF2-40B4-BE49-F238E27FC236}">
-                <a16:creationId xmlns:a16="http://schemas.microsoft.com/office/drawing/2014/main" xmlns="" id="{0FF94057-E000-A868-176C-307C069CAB69}"/>
+                <a16:creationId xmlns="" xmlns:a16="http://schemas.microsoft.com/office/drawing/2014/main" id="{0FF94057-E000-A868-176C-307C069CAB69}"/>
               </a:ext>
             </a:extLst>
           </p:cNvPr>
@@ -1546,7 +1544,7 @@
           <p:cNvPr id="3" name="텍스트 개체 틀 2">
             <a:extLst>
               <a:ext uri="{FF2B5EF4-FFF2-40B4-BE49-F238E27FC236}">
-                <a16:creationId xmlns:a16="http://schemas.microsoft.com/office/drawing/2014/main" xmlns="" id="{A5298EB0-D286-6CC1-B513-FAF6823F3743}"/>
+                <a16:creationId xmlns="" xmlns:a16="http://schemas.microsoft.com/office/drawing/2014/main" id="{A5298EB0-D286-6CC1-B513-FAF6823F3743}"/>
               </a:ext>
             </a:extLst>
           </p:cNvPr>
@@ -1617,7 +1615,7 @@
           <p:cNvPr id="4" name="내용 개체 틀 3">
             <a:extLst>
               <a:ext uri="{FF2B5EF4-FFF2-40B4-BE49-F238E27FC236}">
-                <a16:creationId xmlns:a16="http://schemas.microsoft.com/office/drawing/2014/main" xmlns="" id="{358FEDEB-47A3-3078-3A23-7E2D282DF634}"/>
+                <a16:creationId xmlns="" xmlns:a16="http://schemas.microsoft.com/office/drawing/2014/main" id="{358FEDEB-47A3-3078-3A23-7E2D282DF634}"/>
               </a:ext>
             </a:extLst>
           </p:cNvPr>
@@ -1679,7 +1677,7 @@
           <p:cNvPr id="5" name="텍스트 개체 틀 4">
             <a:extLst>
               <a:ext uri="{FF2B5EF4-FFF2-40B4-BE49-F238E27FC236}">
-                <a16:creationId xmlns:a16="http://schemas.microsoft.com/office/drawing/2014/main" xmlns="" id="{46FE5BE7-37D1-1266-B4F1-F0FB0E37A2E1}"/>
+                <a16:creationId xmlns="" xmlns:a16="http://schemas.microsoft.com/office/drawing/2014/main" id="{46FE5BE7-37D1-1266-B4F1-F0FB0E37A2E1}"/>
               </a:ext>
             </a:extLst>
           </p:cNvPr>
@@ -1750,7 +1748,7 @@
           <p:cNvPr id="6" name="내용 개체 틀 5">
             <a:extLst>
               <a:ext uri="{FF2B5EF4-FFF2-40B4-BE49-F238E27FC236}">
-                <a16:creationId xmlns:a16="http://schemas.microsoft.com/office/drawing/2014/main" xmlns="" id="{81C7900C-87A1-AFAE-A08B-415AF40C7A66}"/>
+                <a16:creationId xmlns="" xmlns:a16="http://schemas.microsoft.com/office/drawing/2014/main" id="{81C7900C-87A1-AFAE-A08B-415AF40C7A66}"/>
               </a:ext>
             </a:extLst>
           </p:cNvPr>
@@ -1812,7 +1810,7 @@
           <p:cNvPr id="7" name="날짜 개체 틀 6">
             <a:extLst>
               <a:ext uri="{FF2B5EF4-FFF2-40B4-BE49-F238E27FC236}">
-                <a16:creationId xmlns:a16="http://schemas.microsoft.com/office/drawing/2014/main" xmlns="" id="{FA9EFAA0-400F-D5D8-1B4B-75C10E09E882}"/>
+                <a16:creationId xmlns="" xmlns:a16="http://schemas.microsoft.com/office/drawing/2014/main" id="{FA9EFAA0-400F-D5D8-1B4B-75C10E09E882}"/>
               </a:ext>
             </a:extLst>
           </p:cNvPr>
@@ -1842,7 +1840,7 @@
           <p:cNvPr id="8" name="바닥글 개체 틀 7">
             <a:extLst>
               <a:ext uri="{FF2B5EF4-FFF2-40B4-BE49-F238E27FC236}">
-                <a16:creationId xmlns:a16="http://schemas.microsoft.com/office/drawing/2014/main" xmlns="" id="{DE89197C-2195-1F5F-01F2-248253C23F7C}"/>
+                <a16:creationId xmlns="" xmlns:a16="http://schemas.microsoft.com/office/drawing/2014/main" id="{DE89197C-2195-1F5F-01F2-248253C23F7C}"/>
               </a:ext>
             </a:extLst>
           </p:cNvPr>
@@ -1867,7 +1865,7 @@
           <p:cNvPr id="9" name="슬라이드 번호 개체 틀 8">
             <a:extLst>
               <a:ext uri="{FF2B5EF4-FFF2-40B4-BE49-F238E27FC236}">
-                <a16:creationId xmlns:a16="http://schemas.microsoft.com/office/drawing/2014/main" xmlns="" id="{7FD6E92B-1B63-CFC4-FF7A-0A852DEAD7BC}"/>
+                <a16:creationId xmlns="" xmlns:a16="http://schemas.microsoft.com/office/drawing/2014/main" id="{7FD6E92B-1B63-CFC4-FF7A-0A852DEAD7BC}"/>
               </a:ext>
             </a:extLst>
           </p:cNvPr>
@@ -1895,7 +1893,7 @@
     </p:spTree>
     <p:extLst>
       <p:ext uri="{BB962C8B-B14F-4D97-AF65-F5344CB8AC3E}">
-        <p14:creationId xmlns:p14="http://schemas.microsoft.com/office/powerpoint/2010/main" xmlns="" val="3345839701"/>
+        <p14:creationId xmlns="" xmlns:p14="http://schemas.microsoft.com/office/powerpoint/2010/main" val="3345839701"/>
       </p:ext>
     </p:extLst>
   </p:cSld>
@@ -1927,7 +1925,7 @@
           <p:cNvPr id="2" name="제목 1">
             <a:extLst>
               <a:ext uri="{FF2B5EF4-FFF2-40B4-BE49-F238E27FC236}">
-                <a16:creationId xmlns:a16="http://schemas.microsoft.com/office/drawing/2014/main" xmlns="" id="{79F50653-6F40-4F70-2B93-5F463CE314E6}"/>
+                <a16:creationId xmlns="" xmlns:a16="http://schemas.microsoft.com/office/drawing/2014/main" id="{79F50653-6F40-4F70-2B93-5F463CE314E6}"/>
               </a:ext>
             </a:extLst>
           </p:cNvPr>
@@ -1955,7 +1953,7 @@
           <p:cNvPr id="3" name="날짜 개체 틀 2">
             <a:extLst>
               <a:ext uri="{FF2B5EF4-FFF2-40B4-BE49-F238E27FC236}">
-                <a16:creationId xmlns:a16="http://schemas.microsoft.com/office/drawing/2014/main" xmlns="" id="{BE29B615-D731-269F-2314-614CDF6E09AB}"/>
+                <a16:creationId xmlns="" xmlns:a16="http://schemas.microsoft.com/office/drawing/2014/main" id="{BE29B615-D731-269F-2314-614CDF6E09AB}"/>
               </a:ext>
             </a:extLst>
           </p:cNvPr>
@@ -1985,7 +1983,7 @@
           <p:cNvPr id="4" name="바닥글 개체 틀 3">
             <a:extLst>
               <a:ext uri="{FF2B5EF4-FFF2-40B4-BE49-F238E27FC236}">
-                <a16:creationId xmlns:a16="http://schemas.microsoft.com/office/drawing/2014/main" xmlns="" id="{CF854B2D-4F59-31EB-751A-051552BC9C3A}"/>
+                <a16:creationId xmlns="" xmlns:a16="http://schemas.microsoft.com/office/drawing/2014/main" id="{CF854B2D-4F59-31EB-751A-051552BC9C3A}"/>
               </a:ext>
             </a:extLst>
           </p:cNvPr>
@@ -2010,7 +2008,7 @@
           <p:cNvPr id="5" name="슬라이드 번호 개체 틀 4">
             <a:extLst>
               <a:ext uri="{FF2B5EF4-FFF2-40B4-BE49-F238E27FC236}">
-                <a16:creationId xmlns:a16="http://schemas.microsoft.com/office/drawing/2014/main" xmlns="" id="{EED674B1-8F7E-B99B-7CD1-A1A78C81E8E9}"/>
+                <a16:creationId xmlns="" xmlns:a16="http://schemas.microsoft.com/office/drawing/2014/main" id="{EED674B1-8F7E-B99B-7CD1-A1A78C81E8E9}"/>
               </a:ext>
             </a:extLst>
           </p:cNvPr>
@@ -2038,7 +2036,7 @@
     </p:spTree>
     <p:extLst>
       <p:ext uri="{BB962C8B-B14F-4D97-AF65-F5344CB8AC3E}">
-        <p14:creationId xmlns:p14="http://schemas.microsoft.com/office/powerpoint/2010/main" xmlns="" val="3140959458"/>
+        <p14:creationId xmlns="" xmlns:p14="http://schemas.microsoft.com/office/powerpoint/2010/main" val="3140959458"/>
       </p:ext>
     </p:extLst>
   </p:cSld>
@@ -2070,7 +2068,7 @@
           <p:cNvPr id="5" name="TextBox 4">
             <a:extLst>
               <a:ext uri="{FF2B5EF4-FFF2-40B4-BE49-F238E27FC236}">
-                <a16:creationId xmlns:a16="http://schemas.microsoft.com/office/drawing/2014/main" xmlns="" id="{68253517-9423-7DA8-D736-FA9EDCA1B858}"/>
+                <a16:creationId xmlns="" xmlns:a16="http://schemas.microsoft.com/office/drawing/2014/main" id="{68253517-9423-7DA8-D736-FA9EDCA1B858}"/>
               </a:ext>
             </a:extLst>
           </p:cNvPr>
@@ -2177,7 +2175,7 @@
           <p:cNvPr id="2" name="날짜 개체 틀 1">
             <a:extLst>
               <a:ext uri="{FF2B5EF4-FFF2-40B4-BE49-F238E27FC236}">
-                <a16:creationId xmlns:a16="http://schemas.microsoft.com/office/drawing/2014/main" xmlns="" id="{25F80F51-A6D5-9218-0900-820BA565F30B}"/>
+                <a16:creationId xmlns="" xmlns:a16="http://schemas.microsoft.com/office/drawing/2014/main" id="{25F80F51-A6D5-9218-0900-820BA565F30B}"/>
               </a:ext>
             </a:extLst>
           </p:cNvPr>
@@ -2207,7 +2205,7 @@
           <p:cNvPr id="3" name="바닥글 개체 틀 2">
             <a:extLst>
               <a:ext uri="{FF2B5EF4-FFF2-40B4-BE49-F238E27FC236}">
-                <a16:creationId xmlns:a16="http://schemas.microsoft.com/office/drawing/2014/main" xmlns="" id="{D3458EF2-A9D4-AD9C-069F-9ABD07D16946}"/>
+                <a16:creationId xmlns="" xmlns:a16="http://schemas.microsoft.com/office/drawing/2014/main" id="{D3458EF2-A9D4-AD9C-069F-9ABD07D16946}"/>
               </a:ext>
             </a:extLst>
           </p:cNvPr>
@@ -2232,7 +2230,7 @@
           <p:cNvPr id="4" name="슬라이드 번호 개체 틀 3">
             <a:extLst>
               <a:ext uri="{FF2B5EF4-FFF2-40B4-BE49-F238E27FC236}">
-                <a16:creationId xmlns:a16="http://schemas.microsoft.com/office/drawing/2014/main" xmlns="" id="{081EC1F9-A875-0F81-D559-1E770C7502E6}"/>
+                <a16:creationId xmlns="" xmlns:a16="http://schemas.microsoft.com/office/drawing/2014/main" id="{081EC1F9-A875-0F81-D559-1E770C7502E6}"/>
               </a:ext>
             </a:extLst>
           </p:cNvPr>
@@ -2260,7 +2258,7 @@
     </p:spTree>
     <p:extLst>
       <p:ext uri="{BB962C8B-B14F-4D97-AF65-F5344CB8AC3E}">
-        <p14:creationId xmlns:p14="http://schemas.microsoft.com/office/powerpoint/2010/main" xmlns="" val="1215623857"/>
+        <p14:creationId xmlns="" xmlns:p14="http://schemas.microsoft.com/office/powerpoint/2010/main" val="1215623857"/>
       </p:ext>
     </p:extLst>
   </p:cSld>
@@ -2269,7 +2267,7 @@
   </p:clrMapOvr>
   <p:extLst>
     <p:ext uri="{DCECCB84-F9BA-43D5-87BE-67443E8EF086}">
-      <p15:sldGuideLst xmlns:p15="http://schemas.microsoft.com/office/powerpoint/2012/main" xmlns="">
+      <p15:sldGuideLst xmlns="" xmlns:p15="http://schemas.microsoft.com/office/powerpoint/2012/main">
         <p15:guide id="1" orient="horz" pos="2160" userDrawn="1">
           <p15:clr>
             <a:srgbClr val="FBAE40"/>
@@ -2308,7 +2306,7 @@
           <p:cNvPr id="2" name="제목 1">
             <a:extLst>
               <a:ext uri="{FF2B5EF4-FFF2-40B4-BE49-F238E27FC236}">
-                <a16:creationId xmlns:a16="http://schemas.microsoft.com/office/drawing/2014/main" xmlns="" id="{2F6EE91B-A4E2-2E26-607E-B390987102D7}"/>
+                <a16:creationId xmlns="" xmlns:a16="http://schemas.microsoft.com/office/drawing/2014/main" id="{2F6EE91B-A4E2-2E26-607E-B390987102D7}"/>
               </a:ext>
             </a:extLst>
           </p:cNvPr>
@@ -2345,7 +2343,7 @@
           <p:cNvPr id="3" name="내용 개체 틀 2">
             <a:extLst>
               <a:ext uri="{FF2B5EF4-FFF2-40B4-BE49-F238E27FC236}">
-                <a16:creationId xmlns:a16="http://schemas.microsoft.com/office/drawing/2014/main" xmlns="" id="{90EA2F9C-43D3-0B14-4D34-55151D271344}"/>
+                <a16:creationId xmlns="" xmlns:a16="http://schemas.microsoft.com/office/drawing/2014/main" id="{90EA2F9C-43D3-0B14-4D34-55151D271344}"/>
               </a:ext>
             </a:extLst>
           </p:cNvPr>
@@ -2435,7 +2433,7 @@
           <p:cNvPr id="4" name="텍스트 개체 틀 3">
             <a:extLst>
               <a:ext uri="{FF2B5EF4-FFF2-40B4-BE49-F238E27FC236}">
-                <a16:creationId xmlns:a16="http://schemas.microsoft.com/office/drawing/2014/main" xmlns="" id="{ECBA8786-4C54-BB63-91DD-29C95CD06F04}"/>
+                <a16:creationId xmlns="" xmlns:a16="http://schemas.microsoft.com/office/drawing/2014/main" id="{ECBA8786-4C54-BB63-91DD-29C95CD06F04}"/>
               </a:ext>
             </a:extLst>
           </p:cNvPr>
@@ -2506,7 +2504,7 @@
           <p:cNvPr id="5" name="날짜 개체 틀 4">
             <a:extLst>
               <a:ext uri="{FF2B5EF4-FFF2-40B4-BE49-F238E27FC236}">
-                <a16:creationId xmlns:a16="http://schemas.microsoft.com/office/drawing/2014/main" xmlns="" id="{DBDBD252-D7D5-FCA0-7545-6CE44E7429B2}"/>
+                <a16:creationId xmlns="" xmlns:a16="http://schemas.microsoft.com/office/drawing/2014/main" id="{DBDBD252-D7D5-FCA0-7545-6CE44E7429B2}"/>
               </a:ext>
             </a:extLst>
           </p:cNvPr>
@@ -2536,7 +2534,7 @@
           <p:cNvPr id="6" name="바닥글 개체 틀 5">
             <a:extLst>
               <a:ext uri="{FF2B5EF4-FFF2-40B4-BE49-F238E27FC236}">
-                <a16:creationId xmlns:a16="http://schemas.microsoft.com/office/drawing/2014/main" xmlns="" id="{69998B52-8581-4B3C-8DCF-887A6965B15C}"/>
+                <a16:creationId xmlns="" xmlns:a16="http://schemas.microsoft.com/office/drawing/2014/main" id="{69998B52-8581-4B3C-8DCF-887A6965B15C}"/>
               </a:ext>
             </a:extLst>
           </p:cNvPr>
@@ -2561,7 +2559,7 @@
           <p:cNvPr id="7" name="슬라이드 번호 개체 틀 6">
             <a:extLst>
               <a:ext uri="{FF2B5EF4-FFF2-40B4-BE49-F238E27FC236}">
-                <a16:creationId xmlns:a16="http://schemas.microsoft.com/office/drawing/2014/main" xmlns="" id="{6EBC568F-35B6-016A-B984-4511C2AA4424}"/>
+                <a16:creationId xmlns="" xmlns:a16="http://schemas.microsoft.com/office/drawing/2014/main" id="{6EBC568F-35B6-016A-B984-4511C2AA4424}"/>
               </a:ext>
             </a:extLst>
           </p:cNvPr>
@@ -2589,7 +2587,7 @@
     </p:spTree>
     <p:extLst>
       <p:ext uri="{BB962C8B-B14F-4D97-AF65-F5344CB8AC3E}">
-        <p14:creationId xmlns:p14="http://schemas.microsoft.com/office/powerpoint/2010/main" xmlns="" val="4204575315"/>
+        <p14:creationId xmlns="" xmlns:p14="http://schemas.microsoft.com/office/powerpoint/2010/main" val="4204575315"/>
       </p:ext>
     </p:extLst>
   </p:cSld>
@@ -2621,7 +2619,7 @@
           <p:cNvPr id="2" name="제목 1">
             <a:extLst>
               <a:ext uri="{FF2B5EF4-FFF2-40B4-BE49-F238E27FC236}">
-                <a16:creationId xmlns:a16="http://schemas.microsoft.com/office/drawing/2014/main" xmlns="" id="{EF8A8FCF-9D21-F417-5FF4-986F306BD0B6}"/>
+                <a16:creationId xmlns="" xmlns:a16="http://schemas.microsoft.com/office/drawing/2014/main" id="{EF8A8FCF-9D21-F417-5FF4-986F306BD0B6}"/>
               </a:ext>
             </a:extLst>
           </p:cNvPr>
@@ -2658,7 +2656,7 @@
           <p:cNvPr id="3" name="그림 개체 틀 2">
             <a:extLst>
               <a:ext uri="{FF2B5EF4-FFF2-40B4-BE49-F238E27FC236}">
-                <a16:creationId xmlns:a16="http://schemas.microsoft.com/office/drawing/2014/main" xmlns="" id="{37867C4A-2550-4E3B-FA23-CE80396F26CE}"/>
+                <a16:creationId xmlns="" xmlns:a16="http://schemas.microsoft.com/office/drawing/2014/main" id="{37867C4A-2550-4E3B-FA23-CE80396F26CE}"/>
               </a:ext>
             </a:extLst>
           </p:cNvPr>
@@ -2725,7 +2723,7 @@
           <p:cNvPr id="4" name="텍스트 개체 틀 3">
             <a:extLst>
               <a:ext uri="{FF2B5EF4-FFF2-40B4-BE49-F238E27FC236}">
-                <a16:creationId xmlns:a16="http://schemas.microsoft.com/office/drawing/2014/main" xmlns="" id="{46D67851-AA1C-D476-431F-A9CC65123DA1}"/>
+                <a16:creationId xmlns="" xmlns:a16="http://schemas.microsoft.com/office/drawing/2014/main" id="{46D67851-AA1C-D476-431F-A9CC65123DA1}"/>
               </a:ext>
             </a:extLst>
           </p:cNvPr>
@@ -2796,7 +2794,7 @@
           <p:cNvPr id="5" name="날짜 개체 틀 4">
             <a:extLst>
               <a:ext uri="{FF2B5EF4-FFF2-40B4-BE49-F238E27FC236}">
-                <a16:creationId xmlns:a16="http://schemas.microsoft.com/office/drawing/2014/main" xmlns="" id="{94345234-E6AC-8198-FA8F-05BF28435D4A}"/>
+                <a16:creationId xmlns="" xmlns:a16="http://schemas.microsoft.com/office/drawing/2014/main" id="{94345234-E6AC-8198-FA8F-05BF28435D4A}"/>
               </a:ext>
             </a:extLst>
           </p:cNvPr>
@@ -2826,7 +2824,7 @@
           <p:cNvPr id="6" name="바닥글 개체 틀 5">
             <a:extLst>
               <a:ext uri="{FF2B5EF4-FFF2-40B4-BE49-F238E27FC236}">
-                <a16:creationId xmlns:a16="http://schemas.microsoft.com/office/drawing/2014/main" xmlns="" id="{9E56ACA8-7628-545B-EE9C-4E6EFCDB7283}"/>
+                <a16:creationId xmlns="" xmlns:a16="http://schemas.microsoft.com/office/drawing/2014/main" id="{9E56ACA8-7628-545B-EE9C-4E6EFCDB7283}"/>
               </a:ext>
             </a:extLst>
           </p:cNvPr>
@@ -2851,7 +2849,7 @@
           <p:cNvPr id="7" name="슬라이드 번호 개체 틀 6">
             <a:extLst>
               <a:ext uri="{FF2B5EF4-FFF2-40B4-BE49-F238E27FC236}">
-                <a16:creationId xmlns:a16="http://schemas.microsoft.com/office/drawing/2014/main" xmlns="" id="{2EF28EEE-793A-CD28-CF3F-77ED818C0E7D}"/>
+                <a16:creationId xmlns="" xmlns:a16="http://schemas.microsoft.com/office/drawing/2014/main" id="{2EF28EEE-793A-CD28-CF3F-77ED818C0E7D}"/>
               </a:ext>
             </a:extLst>
           </p:cNvPr>
@@ -2879,7 +2877,7 @@
     </p:spTree>
     <p:extLst>
       <p:ext uri="{BB962C8B-B14F-4D97-AF65-F5344CB8AC3E}">
-        <p14:creationId xmlns:p14="http://schemas.microsoft.com/office/powerpoint/2010/main" xmlns="" val="2571969537"/>
+        <p14:creationId xmlns="" xmlns:p14="http://schemas.microsoft.com/office/powerpoint/2010/main" val="2571969537"/>
       </p:ext>
     </p:extLst>
   </p:cSld>
@@ -3869,7 +3867,7 @@
     <a:masterClrMapping/>
   </p:clrMapOvr>
   <mc:AlternateContent xmlns:mc="http://schemas.openxmlformats.org/markup-compatibility/2006">
-    <mc:Choice xmlns:p14="http://schemas.microsoft.com/office/powerpoint/2010/main" xmlns:dsp="http://schemas.microsoft.com/office/drawing/2008/diagram" xmlns:dgm="http://schemas.openxmlformats.org/drawingml/2006/diagram" xmlns:c="http://schemas.openxmlformats.org/drawingml/2006/chart" xmlns="" Requires="p14">
+    <mc:Choice xmlns="" xmlns:c="http://schemas.openxmlformats.org/drawingml/2006/chart" xmlns:dgm="http://schemas.openxmlformats.org/drawingml/2006/diagram" xmlns:dsp="http://schemas.microsoft.com/office/drawing/2008/diagram" xmlns:p14="http://schemas.microsoft.com/office/powerpoint/2010/main" Requires="p14">
       <p:transition xmlns:mc="http://schemas.openxmlformats.org/markup-compatibility/2006" xmlns:p14="http://schemas.microsoft.com/office/powerpoint/2010/main" mc:Ignorable="p14" p14:dur="700">
         <p:fade/>
       </p:transition>
@@ -3884,16 +3882,17 @@
 </file>
 
 <file path=ppt/slides/slide2.xml><?xml version="1.0" encoding="utf-8"?>
-<p:sld xmlns:r="http://schemas.openxmlformats.org/officeDocument/2006/relationships" xmlns:c="http://schemas.openxmlformats.org/drawingml/2006/chart" xmlns:a="http://schemas.openxmlformats.org/drawingml/2006/main" xmlns:dgm="http://schemas.openxmlformats.org/drawingml/2006/diagram" xmlns:dsp="http://schemas.microsoft.com/office/drawing/2008/diagram" xmlns:p="http://schemas.openxmlformats.org/presentationml/2006/main" showMasterSp="0">
+<p:sld xmlns:a="http://schemas.openxmlformats.org/drawingml/2006/main" xmlns:r="http://schemas.openxmlformats.org/officeDocument/2006/relationships" xmlns:p="http://schemas.openxmlformats.org/presentationml/2006/main" showMasterSp="0">
   <p:cSld>
     <p:bg>
-      <p:bgPr shadeToTitle="0">
+      <p:bgPr>
         <a:solidFill>
           <a:schemeClr val="accent2">
             <a:lumMod val="20000"/>
             <a:lumOff val="80000"/>
           </a:schemeClr>
         </a:solidFill>
+        <a:effectLst/>
       </p:bgPr>
     </p:bg>
     <p:spTree>
@@ -4029,7 +4028,7 @@
             <a:avLst/>
           </a:prstGeom>
           <a:solidFill>
-            <a:srgbClr val="ff0000"/>
+            <a:srgbClr val="FF0000"/>
           </a:solidFill>
           <a:ln>
             <a:noFill/>
@@ -4084,7 +4083,7 @@
             <a:avLst/>
           </a:prstGeom>
           <a:solidFill>
-            <a:srgbClr val="ffc000"/>
+            <a:srgbClr val="FFC000"/>
           </a:solidFill>
           <a:ln>
             <a:noFill/>
@@ -4139,7 +4138,7 @@
             <a:avLst/>
           </a:prstGeom>
           <a:solidFill>
-            <a:srgbClr val="00b050"/>
+            <a:srgbClr val="00B050"/>
           </a:solidFill>
           <a:ln>
             <a:noFill/>
@@ -4217,16 +4216,6 @@
               </a:rPr>
               <a:t>목차</a:t>
             </a:r>
-            <a:endParaRPr lang="ko-KR" altLang="en-US" sz="2400" b="1">
-              <a:solidFill>
-                <a:schemeClr val="tx1">
-                  <a:lumMod val="75000"/>
-                  <a:lumOff val="25000"/>
-                </a:schemeClr>
-              </a:solidFill>
-              <a:latin typeface="+mj-ea"/>
-              <a:ea typeface="+mj-ea"/>
-            </a:endParaRPr>
           </a:p>
         </p:txBody>
       </p:sp>
@@ -4237,7 +4226,7 @@
           <p:nvPr/>
         </p:nvGrpSpPr>
         <p:grpSpPr>
-          <a:xfrm rot="0">
+          <a:xfrm>
             <a:off x="2477429" y="2298048"/>
             <a:ext cx="7237140" cy="836341"/>
             <a:chOff x="2477429" y="2298048"/>
@@ -4391,13 +4380,6 @@
                 </a:rPr>
                 <a:t>?</a:t>
               </a:r>
-              <a:endParaRPr lang="en-US" altLang="ko-KR" sz="3200">
-                <a:solidFill>
-                  <a:schemeClr val="bg1"/>
-                </a:solidFill>
-                <a:latin typeface="+mj-ea"/>
-                <a:ea typeface="+mj-ea"/>
-              </a:endParaRPr>
             </a:p>
           </p:txBody>
         </p:sp>
@@ -4539,13 +4521,6 @@
               </a:rPr>
               <a:t> 파일 형식</a:t>
             </a:r>
-            <a:endParaRPr lang="ko-KR" altLang="en-US" sz="3200">
-              <a:solidFill>
-                <a:schemeClr val="bg1"/>
-              </a:solidFill>
-              <a:latin typeface="+mj-ea"/>
-              <a:ea typeface="+mj-ea"/>
-            </a:endParaRPr>
           </a:p>
         </p:txBody>
       </p:sp>
@@ -4676,13 +4651,6 @@
               </a:rPr>
               <a:t>LAS to TXT</a:t>
             </a:r>
-            <a:endParaRPr lang="en-US" altLang="ko-KR" sz="3200">
-              <a:solidFill>
-                <a:schemeClr val="bg1"/>
-              </a:solidFill>
-              <a:latin typeface="+mj-ea"/>
-              <a:ea typeface="+mj-ea"/>
-            </a:endParaRPr>
           </a:p>
         </p:txBody>
       </p:sp>
@@ -4692,13 +4660,13 @@
     <a:masterClrMapping/>
   </p:clrMapOvr>
   <mc:AlternateContent xmlns:mc="http://schemas.openxmlformats.org/markup-compatibility/2006">
-    <mc:Choice xmlns:p14="http://schemas.microsoft.com/office/powerpoint/2010/main" Requires="p14">
+    <mc:Choice xmlns:p14="http://schemas.microsoft.com/office/powerpoint/2010/main" xmlns:dsp="http://schemas.microsoft.com/office/drawing/2008/diagram" xmlns:dgm="http://schemas.openxmlformats.org/drawingml/2006/diagram" xmlns:c="http://schemas.openxmlformats.org/drawingml/2006/chart" xmlns="" Requires="p14">
       <p:transition xmlns:mc="http://schemas.openxmlformats.org/markup-compatibility/2006" xmlns:p14="http://schemas.microsoft.com/office/powerpoint/2010/main" mc:Ignorable="p14" p14:dur="700">
         <p:fade/>
       </p:transition>
     </mc:Choice>
     <mc:Fallback>
-      <p:transition xmlns:mc="http://schemas.openxmlformats.org/markup-compatibility/2006" xmlns:hp="http://schemas.haansoft.com/office/presentation/8.0" mc:Ignorable="hp" hp:hslDur="700">
+      <p:transition>
         <p:fade/>
       </p:transition>
     </mc:Fallback>
@@ -5431,7 +5399,7 @@
     <a:masterClrMapping/>
   </p:clrMapOvr>
   <mc:AlternateContent xmlns:mc="http://schemas.openxmlformats.org/markup-compatibility/2006">
-    <mc:Choice xmlns:p14="http://schemas.microsoft.com/office/powerpoint/2010/main" xmlns:dsp="http://schemas.microsoft.com/office/drawing/2008/diagram" xmlns:dgm="http://schemas.openxmlformats.org/drawingml/2006/diagram" xmlns:c="http://schemas.openxmlformats.org/drawingml/2006/chart" xmlns="" Requires="p14">
+    <mc:Choice xmlns="" xmlns:c="http://schemas.openxmlformats.org/drawingml/2006/chart" xmlns:dgm="http://schemas.openxmlformats.org/drawingml/2006/diagram" xmlns:dsp="http://schemas.microsoft.com/office/drawing/2008/diagram" xmlns:p14="http://schemas.microsoft.com/office/powerpoint/2010/main" Requires="p14">
       <p:transition xmlns:mc="http://schemas.openxmlformats.org/markup-compatibility/2006" xmlns:p14="http://schemas.microsoft.com/office/powerpoint/2010/main" mc:Ignorable="p14" p14:dur="700">
         <p:fade/>
       </p:transition>
@@ -6580,7 +6548,7 @@
     <a:masterClrMapping/>
   </p:clrMapOvr>
   <mc:AlternateContent xmlns:mc="http://schemas.openxmlformats.org/markup-compatibility/2006">
-    <mc:Choice xmlns:p14="http://schemas.microsoft.com/office/powerpoint/2010/main" xmlns:dsp="http://schemas.microsoft.com/office/drawing/2008/diagram" xmlns:dgm="http://schemas.openxmlformats.org/drawingml/2006/diagram" xmlns:c="http://schemas.openxmlformats.org/drawingml/2006/chart" xmlns="" Requires="p14">
+    <mc:Choice xmlns="" xmlns:c="http://schemas.openxmlformats.org/drawingml/2006/chart" xmlns:dgm="http://schemas.openxmlformats.org/drawingml/2006/diagram" xmlns:dsp="http://schemas.microsoft.com/office/drawing/2008/diagram" xmlns:p14="http://schemas.microsoft.com/office/powerpoint/2010/main" Requires="p14">
       <p:transition xmlns:mc="http://schemas.openxmlformats.org/markup-compatibility/2006" xmlns:p14="http://schemas.microsoft.com/office/powerpoint/2010/main" mc:Ignorable="p14" p14:dur="700">
         <p:fade/>
       </p:transition>
@@ -10475,7 +10443,7 @@
     <a:masterClrMapping/>
   </p:clrMapOvr>
   <mc:AlternateContent xmlns:mc="http://schemas.openxmlformats.org/markup-compatibility/2006">
-    <mc:Choice xmlns:p14="http://schemas.microsoft.com/office/powerpoint/2010/main" xmlns:dsp="http://schemas.microsoft.com/office/drawing/2008/diagram" xmlns:dgm="http://schemas.openxmlformats.org/drawingml/2006/diagram" xmlns:c="http://schemas.openxmlformats.org/drawingml/2006/chart" xmlns="" Requires="p14">
+    <mc:Choice xmlns="" xmlns:c="http://schemas.openxmlformats.org/drawingml/2006/chart" xmlns:dgm="http://schemas.openxmlformats.org/drawingml/2006/diagram" xmlns:dsp="http://schemas.microsoft.com/office/drawing/2008/diagram" xmlns:p14="http://schemas.microsoft.com/office/powerpoint/2010/main" Requires="p14">
       <p:transition xmlns:mc="http://schemas.openxmlformats.org/markup-compatibility/2006" xmlns:p14="http://schemas.microsoft.com/office/powerpoint/2010/main" mc:Ignorable="p14" p14:dur="700">
         <p:fade/>
       </p:transition>
@@ -11833,7 +11801,7 @@
     <a:masterClrMapping/>
   </p:clrMapOvr>
   <mc:AlternateContent xmlns:mc="http://schemas.openxmlformats.org/markup-compatibility/2006">
-    <mc:Choice xmlns:p14="http://schemas.microsoft.com/office/powerpoint/2010/main" xmlns:dsp="http://schemas.microsoft.com/office/drawing/2008/diagram" xmlns:dgm="http://schemas.openxmlformats.org/drawingml/2006/diagram" xmlns:c="http://schemas.openxmlformats.org/drawingml/2006/chart" xmlns="" Requires="p14">
+    <mc:Choice xmlns="" xmlns:c="http://schemas.openxmlformats.org/drawingml/2006/chart" xmlns:dgm="http://schemas.openxmlformats.org/drawingml/2006/diagram" xmlns:dsp="http://schemas.microsoft.com/office/drawing/2008/diagram" xmlns:p14="http://schemas.microsoft.com/office/powerpoint/2010/main" Requires="p14">
       <p:transition xmlns:mc="http://schemas.openxmlformats.org/markup-compatibility/2006" xmlns:p14="http://schemas.microsoft.com/office/powerpoint/2010/main" mc:Ignorable="p14" p14:dur="700">
         <p:fade/>
       </p:transition>
@@ -12187,902 +12155,6 @@
           </a:p>
         </p:txBody>
       </p:sp>
-      <p:sp>
-        <p:nvSpPr>
-          <p:cNvPr id="48" name="TextBox 47"/>
-          <p:cNvSpPr txBox="1"/>
-          <p:nvPr/>
-        </p:nvSpPr>
-        <p:spPr>
-          <a:xfrm>
-            <a:off x="5947410" y="3325356"/>
-            <a:ext cx="287655" cy="387489"/>
-          </a:xfrm>
-          <a:prstGeom prst="rect">
-            <a:avLst/>
-          </a:prstGeom>
-          <a:noFill/>
-        </p:spPr>
-        <p:txBody>
-          <a:bodyPr wrap="none">
-            <a:spAutoFit/>
-          </a:bodyPr>
-          <a:lstStyle/>
-          <a:p>
-            <a:pPr algn="ctr">
-              <a:defRPr/>
-            </a:pPr>
-            <a:endParaRPr lang="ko-KR" altLang="en-US" sz="2000" b="1">
-              <a:solidFill>
-                <a:schemeClr val="bg1"/>
-              </a:solidFill>
-            </a:endParaRPr>
-          </a:p>
-        </p:txBody>
-      </p:sp>
-      <p:pic>
-        <p:nvPicPr>
-          <p:cNvPr id="58" name="그림 57"/>
-          <p:cNvPicPr/>
-          <p:nvPr/>
-        </p:nvPicPr>
-        <p:blipFill rotWithShape="1">
-          <a:blip r:embed="rId2"/>
-          <a:stretch>
-            <a:fillRect/>
-          </a:stretch>
-        </p:blipFill>
-        <p:spPr>
-          <a:xfrm>
-            <a:off x="6281505" y="1738784"/>
-            <a:ext cx="5040630" cy="4140517"/>
-          </a:xfrm>
-          <a:prstGeom prst="rect">
-            <a:avLst/>
-          </a:prstGeom>
-        </p:spPr>
-      </p:pic>
-      <p:pic>
-        <p:nvPicPr>
-          <p:cNvPr id="59" name="그림 58"/>
-          <p:cNvPicPr/>
-          <p:nvPr/>
-        </p:nvPicPr>
-        <p:blipFill rotWithShape="1">
-          <a:blip r:embed="rId3"/>
-          <a:stretch>
-            <a:fillRect/>
-          </a:stretch>
-        </p:blipFill>
-        <p:spPr>
-          <a:xfrm>
-            <a:off x="940717" y="1738935"/>
-            <a:ext cx="5040630" cy="4140517"/>
-          </a:xfrm>
-          <a:prstGeom prst="rect">
-            <a:avLst/>
-          </a:prstGeom>
-        </p:spPr>
-      </p:pic>
-    </p:spTree>
-  </p:cSld>
-  <p:clrMapOvr>
-    <a:masterClrMapping/>
-  </p:clrMapOvr>
-  <mc:AlternateContent xmlns:mc="http://schemas.openxmlformats.org/markup-compatibility/2006">
-    <mc:Choice xmlns:p14="http://schemas.microsoft.com/office/powerpoint/2010/main" xmlns:dsp="http://schemas.microsoft.com/office/drawing/2008/diagram" xmlns:dgm="http://schemas.openxmlformats.org/drawingml/2006/diagram" xmlns:c="http://schemas.openxmlformats.org/drawingml/2006/chart" xmlns="" Requires="p14">
-      <p:transition xmlns:mc="http://schemas.openxmlformats.org/markup-compatibility/2006" xmlns:p14="http://schemas.microsoft.com/office/powerpoint/2010/main" mc:Ignorable="p14" p14:dur="700">
-        <p:fade/>
-      </p:transition>
-    </mc:Choice>
-    <mc:Fallback>
-      <p:transition>
-        <p:fade/>
-      </p:transition>
-    </mc:Fallback>
-  </mc:AlternateContent>
-</p:sld>
-</file>
-
-<file path=ppt/slides/slide8.xml><?xml version="1.0" encoding="utf-8"?>
-<p:sld xmlns:a="http://schemas.openxmlformats.org/drawingml/2006/main" xmlns:r="http://schemas.openxmlformats.org/officeDocument/2006/relationships" xmlns:p="http://schemas.openxmlformats.org/presentationml/2006/main" showMasterSp="0">
-  <p:cSld>
-    <p:bg>
-      <p:bgPr>
-        <a:solidFill>
-          <a:schemeClr val="accent2">
-            <a:lumMod val="20000"/>
-            <a:lumOff val="80000"/>
-          </a:schemeClr>
-        </a:solidFill>
-        <a:effectLst/>
-      </p:bgPr>
-    </p:bg>
-    <p:spTree>
-      <p:nvGrpSpPr>
-        <p:cNvPr id="1" name=""/>
-        <p:cNvGrpSpPr/>
-        <p:nvPr/>
-      </p:nvGrpSpPr>
-      <p:grpSpPr>
-        <a:xfrm>
-          <a:off x="0" y="0"/>
-          <a:ext cx="0" cy="0"/>
-          <a:chOff x="0" y="0"/>
-          <a:chExt cx="0" cy="0"/>
-        </a:xfrm>
-      </p:grpSpPr>
-      <p:sp>
-        <p:nvSpPr>
-          <p:cNvPr id="2" name="직사각형 1"/>
-          <p:cNvSpPr>
-            <a:spLocks noGrp="1" noRot="1" noMove="1" noResize="1" noEditPoints="1" noAdjustHandles="1" noChangeArrowheads="1" noChangeShapeType="1"/>
-          </p:cNvSpPr>
-          <p:nvPr/>
-        </p:nvSpPr>
-        <p:spPr>
-          <a:xfrm>
-            <a:off x="635620" y="602166"/>
-            <a:ext cx="10939346" cy="5664819"/>
-          </a:xfrm>
-          <a:prstGeom prst="rect">
-            <a:avLst/>
-          </a:prstGeom>
-          <a:pattFill prst="dotGrid">
-            <a:fgClr>
-              <a:schemeClr val="accent1">
-                <a:lumMod val="40000"/>
-                <a:lumOff val="60000"/>
-              </a:schemeClr>
-            </a:fgClr>
-            <a:bgClr>
-              <a:schemeClr val="bg1"/>
-            </a:bgClr>
-          </a:pattFill>
-          <a:ln>
-            <a:noFill/>
-          </a:ln>
-        </p:spPr>
-        <p:style>
-          <a:lnRef idx="2">
-            <a:schemeClr val="accent1">
-              <a:shade val="50000"/>
-            </a:schemeClr>
-          </a:lnRef>
-          <a:fillRef idx="1">
-            <a:schemeClr val="accent1"/>
-          </a:fillRef>
-          <a:effectRef idx="0">
-            <a:schemeClr val="accent1"/>
-          </a:effectRef>
-          <a:fontRef idx="minor">
-            <a:schemeClr val="lt1"/>
-          </a:fontRef>
-        </p:style>
-        <p:txBody>
-          <a:bodyPr anchor="ctr"/>
-          <a:lstStyle/>
-          <a:p>
-            <a:pPr algn="ctr">
-              <a:defRPr/>
-            </a:pPr>
-            <a:endParaRPr lang="ko-KR" altLang="en-US"/>
-          </a:p>
-        </p:txBody>
-      </p:sp>
-      <p:sp>
-        <p:nvSpPr>
-          <p:cNvPr id="12" name="직사각형 11"/>
-          <p:cNvSpPr/>
-          <p:nvPr/>
-        </p:nvSpPr>
-        <p:spPr>
-          <a:xfrm>
-            <a:off x="635620" y="602166"/>
-            <a:ext cx="10939346" cy="836341"/>
-          </a:xfrm>
-          <a:prstGeom prst="rect">
-            <a:avLst/>
-          </a:prstGeom>
-          <a:solidFill>
-            <a:schemeClr val="accent4"/>
-          </a:solidFill>
-          <a:ln>
-            <a:noFill/>
-          </a:ln>
-        </p:spPr>
-        <p:style>
-          <a:lnRef idx="2">
-            <a:schemeClr val="accent1">
-              <a:shade val="50000"/>
-            </a:schemeClr>
-          </a:lnRef>
-          <a:fillRef idx="1">
-            <a:schemeClr val="accent1"/>
-          </a:fillRef>
-          <a:effectRef idx="0">
-            <a:schemeClr val="accent1"/>
-          </a:effectRef>
-          <a:fontRef idx="minor">
-            <a:schemeClr val="lt1"/>
-          </a:fontRef>
-        </p:style>
-        <p:txBody>
-          <a:bodyPr anchor="ctr"/>
-          <a:lstStyle/>
-          <a:p>
-            <a:pPr algn="ctr">
-              <a:defRPr/>
-            </a:pPr>
-            <a:endParaRPr lang="ko-KR" altLang="en-US"/>
-          </a:p>
-        </p:txBody>
-      </p:sp>
-      <p:sp>
-        <p:nvSpPr>
-          <p:cNvPr id="7" name="타원 6"/>
-          <p:cNvSpPr/>
-          <p:nvPr/>
-        </p:nvSpPr>
-        <p:spPr>
-          <a:xfrm>
-            <a:off x="10080702" y="847492"/>
-            <a:ext cx="338736" cy="338736"/>
-          </a:xfrm>
-          <a:prstGeom prst="ellipse">
-            <a:avLst/>
-          </a:prstGeom>
-          <a:solidFill>
-            <a:srgbClr val="FF0000"/>
-          </a:solidFill>
-          <a:ln>
-            <a:noFill/>
-          </a:ln>
-          <a:effectLst>
-            <a:outerShdw blurRad="25400" dist="12700" dir="2700000" algn="tl" rotWithShape="0">
-              <a:prstClr val="black">
-                <a:alpha val="40000"/>
-              </a:prstClr>
-            </a:outerShdw>
-          </a:effectLst>
-        </p:spPr>
-        <p:style>
-          <a:lnRef idx="2">
-            <a:schemeClr val="accent1">
-              <a:shade val="50000"/>
-            </a:schemeClr>
-          </a:lnRef>
-          <a:fillRef idx="1">
-            <a:schemeClr val="accent1"/>
-          </a:fillRef>
-          <a:effectRef idx="0">
-            <a:schemeClr val="accent1"/>
-          </a:effectRef>
-          <a:fontRef idx="minor">
-            <a:schemeClr val="lt1"/>
-          </a:fontRef>
-        </p:style>
-        <p:txBody>
-          <a:bodyPr anchor="ctr"/>
-          <a:lstStyle/>
-          <a:p>
-            <a:pPr algn="ctr">
-              <a:defRPr/>
-            </a:pPr>
-            <a:endParaRPr lang="ko-KR" altLang="en-US"/>
-          </a:p>
-        </p:txBody>
-      </p:sp>
-      <p:sp>
-        <p:nvSpPr>
-          <p:cNvPr id="8" name="타원 7"/>
-          <p:cNvSpPr/>
-          <p:nvPr/>
-        </p:nvSpPr>
-        <p:spPr>
-          <a:xfrm>
-            <a:off x="10524651" y="847492"/>
-            <a:ext cx="338736" cy="338736"/>
-          </a:xfrm>
-          <a:prstGeom prst="ellipse">
-            <a:avLst/>
-          </a:prstGeom>
-          <a:solidFill>
-            <a:srgbClr val="FFC000"/>
-          </a:solidFill>
-          <a:ln>
-            <a:noFill/>
-          </a:ln>
-          <a:effectLst>
-            <a:outerShdw blurRad="25400" dist="12700" dir="2700000" algn="tl" rotWithShape="0">
-              <a:prstClr val="black">
-                <a:alpha val="40000"/>
-              </a:prstClr>
-            </a:outerShdw>
-          </a:effectLst>
-        </p:spPr>
-        <p:style>
-          <a:lnRef idx="2">
-            <a:schemeClr val="accent1">
-              <a:shade val="50000"/>
-            </a:schemeClr>
-          </a:lnRef>
-          <a:fillRef idx="1">
-            <a:schemeClr val="accent1"/>
-          </a:fillRef>
-          <a:effectRef idx="0">
-            <a:schemeClr val="accent1"/>
-          </a:effectRef>
-          <a:fontRef idx="minor">
-            <a:schemeClr val="lt1"/>
-          </a:fontRef>
-        </p:style>
-        <p:txBody>
-          <a:bodyPr anchor="ctr"/>
-          <a:lstStyle/>
-          <a:p>
-            <a:pPr algn="ctr">
-              <a:defRPr/>
-            </a:pPr>
-            <a:endParaRPr lang="ko-KR" altLang="en-US"/>
-          </a:p>
-        </p:txBody>
-      </p:sp>
-      <p:sp>
-        <p:nvSpPr>
-          <p:cNvPr id="9" name="타원 8"/>
-          <p:cNvSpPr/>
-          <p:nvPr/>
-        </p:nvSpPr>
-        <p:spPr>
-          <a:xfrm>
-            <a:off x="10968601" y="847492"/>
-            <a:ext cx="338736" cy="338736"/>
-          </a:xfrm>
-          <a:prstGeom prst="ellipse">
-            <a:avLst/>
-          </a:prstGeom>
-          <a:solidFill>
-            <a:srgbClr val="00B050"/>
-          </a:solidFill>
-          <a:ln>
-            <a:noFill/>
-          </a:ln>
-          <a:effectLst>
-            <a:outerShdw blurRad="25400" dist="12700" dir="2700000" algn="tl" rotWithShape="0">
-              <a:prstClr val="black">
-                <a:alpha val="40000"/>
-              </a:prstClr>
-            </a:outerShdw>
-          </a:effectLst>
-        </p:spPr>
-        <p:style>
-          <a:lnRef idx="2">
-            <a:schemeClr val="accent1">
-              <a:shade val="50000"/>
-            </a:schemeClr>
-          </a:lnRef>
-          <a:fillRef idx="1">
-            <a:schemeClr val="accent1"/>
-          </a:fillRef>
-          <a:effectRef idx="0">
-            <a:schemeClr val="accent1"/>
-          </a:effectRef>
-          <a:fontRef idx="minor">
-            <a:schemeClr val="lt1"/>
-          </a:fontRef>
-        </p:style>
-        <p:txBody>
-          <a:bodyPr anchor="ctr"/>
-          <a:lstStyle/>
-          <a:p>
-            <a:pPr algn="ctr">
-              <a:defRPr/>
-            </a:pPr>
-            <a:endParaRPr lang="ko-KR" altLang="en-US"/>
-          </a:p>
-        </p:txBody>
-      </p:sp>
-      <p:sp>
-        <p:nvSpPr>
-          <p:cNvPr id="3" name="TextBox 2"/>
-          <p:cNvSpPr txBox="1"/>
-          <p:nvPr/>
-        </p:nvSpPr>
-        <p:spPr>
-          <a:xfrm>
-            <a:off x="949788" y="789503"/>
-            <a:ext cx="2170602" cy="446842"/>
-          </a:xfrm>
-          <a:prstGeom prst="rect">
-            <a:avLst/>
-          </a:prstGeom>
-          <a:noFill/>
-        </p:spPr>
-        <p:txBody>
-          <a:bodyPr wrap="none">
-            <a:spAutoFit/>
-          </a:bodyPr>
-          <a:lstStyle/>
-          <a:p>
-            <a:pPr lvl="0">
-              <a:defRPr/>
-            </a:pPr>
-            <a:r>
-              <a:rPr lang="en-US" altLang="ko-KR" sz="2400" b="1">
-                <a:solidFill>
-                  <a:schemeClr val="tx1">
-                    <a:lumMod val="75000"/>
-                    <a:lumOff val="25000"/>
-                  </a:schemeClr>
-                </a:solidFill>
-                <a:latin typeface="+mj-ea"/>
-                <a:ea typeface="+mj-ea"/>
-              </a:rPr>
-              <a:t>3. LAS to TXT</a:t>
-            </a:r>
-          </a:p>
-        </p:txBody>
-      </p:sp>
-      <p:sp>
-        <p:nvSpPr>
-          <p:cNvPr id="48" name="TextBox 47"/>
-          <p:cNvSpPr txBox="1"/>
-          <p:nvPr/>
-        </p:nvSpPr>
-        <p:spPr>
-          <a:xfrm>
-            <a:off x="5947410" y="3325356"/>
-            <a:ext cx="287655" cy="387489"/>
-          </a:xfrm>
-          <a:prstGeom prst="rect">
-            <a:avLst/>
-          </a:prstGeom>
-          <a:noFill/>
-        </p:spPr>
-        <p:txBody>
-          <a:bodyPr wrap="none">
-            <a:spAutoFit/>
-          </a:bodyPr>
-          <a:lstStyle/>
-          <a:p>
-            <a:pPr algn="ctr">
-              <a:defRPr/>
-            </a:pPr>
-            <a:endParaRPr lang="ko-KR" altLang="en-US" sz="2000" b="1">
-              <a:solidFill>
-                <a:schemeClr val="bg1"/>
-              </a:solidFill>
-            </a:endParaRPr>
-          </a:p>
-        </p:txBody>
-      </p:sp>
-      <p:pic>
-        <p:nvPicPr>
-          <p:cNvPr id="59" name="그림 58"/>
-          <p:cNvPicPr/>
-          <p:nvPr/>
-        </p:nvPicPr>
-        <p:blipFill rotWithShape="1">
-          <a:blip r:embed="rId2"/>
-          <a:stretch>
-            <a:fillRect/>
-          </a:stretch>
-        </p:blipFill>
-        <p:spPr>
-          <a:xfrm>
-            <a:off x="1050931" y="1838103"/>
-            <a:ext cx="5040630" cy="4140517"/>
-          </a:xfrm>
-          <a:prstGeom prst="rect">
-            <a:avLst/>
-          </a:prstGeom>
-        </p:spPr>
-      </p:pic>
-      <p:pic>
-        <p:nvPicPr>
-          <p:cNvPr id="60" name="그림 59"/>
-          <p:cNvPicPr/>
-          <p:nvPr/>
-        </p:nvPicPr>
-        <p:blipFill rotWithShape="1">
-          <a:blip r:embed="rId3"/>
-          <a:stretch>
-            <a:fillRect/>
-          </a:stretch>
-        </p:blipFill>
-        <p:spPr>
-          <a:xfrm>
-            <a:off x="6323141" y="1850067"/>
-            <a:ext cx="5040630" cy="1076475"/>
-          </a:xfrm>
-          <a:prstGeom prst="rect">
-            <a:avLst/>
-          </a:prstGeom>
-        </p:spPr>
-      </p:pic>
-      <p:pic>
-        <p:nvPicPr>
-          <p:cNvPr id="61" name="그림 60"/>
-          <p:cNvPicPr/>
-          <p:nvPr/>
-        </p:nvPicPr>
-        <p:blipFill rotWithShape="1">
-          <a:blip r:embed="rId4"/>
-          <a:stretch>
-            <a:fillRect/>
-          </a:stretch>
-        </p:blipFill>
-        <p:spPr>
-          <a:xfrm>
-            <a:off x="6339250" y="3037941"/>
-            <a:ext cx="5040630" cy="2929295"/>
-          </a:xfrm>
-          <a:prstGeom prst="rect">
-            <a:avLst/>
-          </a:prstGeom>
-        </p:spPr>
-      </p:pic>
-    </p:spTree>
-  </p:cSld>
-  <p:clrMapOvr>
-    <a:masterClrMapping/>
-  </p:clrMapOvr>
-  <mc:AlternateContent xmlns:mc="http://schemas.openxmlformats.org/markup-compatibility/2006">
-    <mc:Choice xmlns:p14="http://schemas.microsoft.com/office/powerpoint/2010/main" xmlns:dsp="http://schemas.microsoft.com/office/drawing/2008/diagram" xmlns:dgm="http://schemas.openxmlformats.org/drawingml/2006/diagram" xmlns:c="http://schemas.openxmlformats.org/drawingml/2006/chart" xmlns="" Requires="p14">
-      <p:transition xmlns:mc="http://schemas.openxmlformats.org/markup-compatibility/2006" xmlns:p14="http://schemas.microsoft.com/office/powerpoint/2010/main" mc:Ignorable="p14" p14:dur="700">
-        <p:fade/>
-      </p:transition>
-    </mc:Choice>
-    <mc:Fallback>
-      <p:transition>
-        <p:fade/>
-      </p:transition>
-    </mc:Fallback>
-  </mc:AlternateContent>
-</p:sld>
-</file>
-
-<file path=ppt/slides/slide9.xml><?xml version="1.0" encoding="utf-8"?>
-<p:sld xmlns:a="http://schemas.openxmlformats.org/drawingml/2006/main" xmlns:r="http://schemas.openxmlformats.org/officeDocument/2006/relationships" xmlns:p="http://schemas.openxmlformats.org/presentationml/2006/main" showMasterSp="0">
-  <p:cSld>
-    <p:bg>
-      <p:bgPr>
-        <a:solidFill>
-          <a:schemeClr val="accent2">
-            <a:lumMod val="20000"/>
-            <a:lumOff val="80000"/>
-          </a:schemeClr>
-        </a:solidFill>
-        <a:effectLst/>
-      </p:bgPr>
-    </p:bg>
-    <p:spTree>
-      <p:nvGrpSpPr>
-        <p:cNvPr id="1" name=""/>
-        <p:cNvGrpSpPr/>
-        <p:nvPr/>
-      </p:nvGrpSpPr>
-      <p:grpSpPr>
-        <a:xfrm>
-          <a:off x="0" y="0"/>
-          <a:ext cx="0" cy="0"/>
-          <a:chOff x="0" y="0"/>
-          <a:chExt cx="0" cy="0"/>
-        </a:xfrm>
-      </p:grpSpPr>
-      <p:sp>
-        <p:nvSpPr>
-          <p:cNvPr id="2" name="직사각형 1"/>
-          <p:cNvSpPr>
-            <a:spLocks noGrp="1" noRot="1" noMove="1" noResize="1" noEditPoints="1" noAdjustHandles="1" noChangeArrowheads="1" noChangeShapeType="1"/>
-          </p:cNvSpPr>
-          <p:nvPr/>
-        </p:nvSpPr>
-        <p:spPr>
-          <a:xfrm>
-            <a:off x="635620" y="602166"/>
-            <a:ext cx="10939346" cy="5664819"/>
-          </a:xfrm>
-          <a:prstGeom prst="rect">
-            <a:avLst/>
-          </a:prstGeom>
-          <a:pattFill prst="dotGrid">
-            <a:fgClr>
-              <a:schemeClr val="accent1">
-                <a:lumMod val="40000"/>
-                <a:lumOff val="60000"/>
-              </a:schemeClr>
-            </a:fgClr>
-            <a:bgClr>
-              <a:schemeClr val="bg1"/>
-            </a:bgClr>
-          </a:pattFill>
-          <a:ln>
-            <a:noFill/>
-          </a:ln>
-        </p:spPr>
-        <p:style>
-          <a:lnRef idx="2">
-            <a:schemeClr val="accent1">
-              <a:shade val="50000"/>
-            </a:schemeClr>
-          </a:lnRef>
-          <a:fillRef idx="1">
-            <a:schemeClr val="accent1"/>
-          </a:fillRef>
-          <a:effectRef idx="0">
-            <a:schemeClr val="accent1"/>
-          </a:effectRef>
-          <a:fontRef idx="minor">
-            <a:schemeClr val="lt1"/>
-          </a:fontRef>
-        </p:style>
-        <p:txBody>
-          <a:bodyPr anchor="ctr"/>
-          <a:lstStyle/>
-          <a:p>
-            <a:pPr algn="ctr">
-              <a:defRPr/>
-            </a:pPr>
-            <a:endParaRPr lang="ko-KR" altLang="en-US"/>
-          </a:p>
-        </p:txBody>
-      </p:sp>
-      <p:sp>
-        <p:nvSpPr>
-          <p:cNvPr id="12" name="직사각형 11"/>
-          <p:cNvSpPr/>
-          <p:nvPr/>
-        </p:nvSpPr>
-        <p:spPr>
-          <a:xfrm>
-            <a:off x="635620" y="602166"/>
-            <a:ext cx="10939346" cy="836341"/>
-          </a:xfrm>
-          <a:prstGeom prst="rect">
-            <a:avLst/>
-          </a:prstGeom>
-          <a:solidFill>
-            <a:schemeClr val="accent4"/>
-          </a:solidFill>
-          <a:ln>
-            <a:noFill/>
-          </a:ln>
-        </p:spPr>
-        <p:style>
-          <a:lnRef idx="2">
-            <a:schemeClr val="accent1">
-              <a:shade val="50000"/>
-            </a:schemeClr>
-          </a:lnRef>
-          <a:fillRef idx="1">
-            <a:schemeClr val="accent1"/>
-          </a:fillRef>
-          <a:effectRef idx="0">
-            <a:schemeClr val="accent1"/>
-          </a:effectRef>
-          <a:fontRef idx="minor">
-            <a:schemeClr val="lt1"/>
-          </a:fontRef>
-        </p:style>
-        <p:txBody>
-          <a:bodyPr anchor="ctr"/>
-          <a:lstStyle/>
-          <a:p>
-            <a:pPr algn="ctr">
-              <a:defRPr/>
-            </a:pPr>
-            <a:endParaRPr lang="ko-KR" altLang="en-US"/>
-          </a:p>
-        </p:txBody>
-      </p:sp>
-      <p:sp>
-        <p:nvSpPr>
-          <p:cNvPr id="7" name="타원 6"/>
-          <p:cNvSpPr/>
-          <p:nvPr/>
-        </p:nvSpPr>
-        <p:spPr>
-          <a:xfrm>
-            <a:off x="10080702" y="847492"/>
-            <a:ext cx="338736" cy="338736"/>
-          </a:xfrm>
-          <a:prstGeom prst="ellipse">
-            <a:avLst/>
-          </a:prstGeom>
-          <a:solidFill>
-            <a:srgbClr val="FF0000"/>
-          </a:solidFill>
-          <a:ln>
-            <a:noFill/>
-          </a:ln>
-          <a:effectLst>
-            <a:outerShdw blurRad="25400" dist="12700" dir="2700000" algn="tl" rotWithShape="0">
-              <a:prstClr val="black">
-                <a:alpha val="40000"/>
-              </a:prstClr>
-            </a:outerShdw>
-          </a:effectLst>
-        </p:spPr>
-        <p:style>
-          <a:lnRef idx="2">
-            <a:schemeClr val="accent1">
-              <a:shade val="50000"/>
-            </a:schemeClr>
-          </a:lnRef>
-          <a:fillRef idx="1">
-            <a:schemeClr val="accent1"/>
-          </a:fillRef>
-          <a:effectRef idx="0">
-            <a:schemeClr val="accent1"/>
-          </a:effectRef>
-          <a:fontRef idx="minor">
-            <a:schemeClr val="lt1"/>
-          </a:fontRef>
-        </p:style>
-        <p:txBody>
-          <a:bodyPr anchor="ctr"/>
-          <a:lstStyle/>
-          <a:p>
-            <a:pPr algn="ctr">
-              <a:defRPr/>
-            </a:pPr>
-            <a:endParaRPr lang="ko-KR" altLang="en-US"/>
-          </a:p>
-        </p:txBody>
-      </p:sp>
-      <p:sp>
-        <p:nvSpPr>
-          <p:cNvPr id="8" name="타원 7"/>
-          <p:cNvSpPr/>
-          <p:nvPr/>
-        </p:nvSpPr>
-        <p:spPr>
-          <a:xfrm>
-            <a:off x="10524651" y="847492"/>
-            <a:ext cx="338736" cy="338736"/>
-          </a:xfrm>
-          <a:prstGeom prst="ellipse">
-            <a:avLst/>
-          </a:prstGeom>
-          <a:solidFill>
-            <a:srgbClr val="FFC000"/>
-          </a:solidFill>
-          <a:ln>
-            <a:noFill/>
-          </a:ln>
-          <a:effectLst>
-            <a:outerShdw blurRad="25400" dist="12700" dir="2700000" algn="tl" rotWithShape="0">
-              <a:prstClr val="black">
-                <a:alpha val="40000"/>
-              </a:prstClr>
-            </a:outerShdw>
-          </a:effectLst>
-        </p:spPr>
-        <p:style>
-          <a:lnRef idx="2">
-            <a:schemeClr val="accent1">
-              <a:shade val="50000"/>
-            </a:schemeClr>
-          </a:lnRef>
-          <a:fillRef idx="1">
-            <a:schemeClr val="accent1"/>
-          </a:fillRef>
-          <a:effectRef idx="0">
-            <a:schemeClr val="accent1"/>
-          </a:effectRef>
-          <a:fontRef idx="minor">
-            <a:schemeClr val="lt1"/>
-          </a:fontRef>
-        </p:style>
-        <p:txBody>
-          <a:bodyPr anchor="ctr"/>
-          <a:lstStyle/>
-          <a:p>
-            <a:pPr algn="ctr">
-              <a:defRPr/>
-            </a:pPr>
-            <a:endParaRPr lang="ko-KR" altLang="en-US"/>
-          </a:p>
-        </p:txBody>
-      </p:sp>
-      <p:sp>
-        <p:nvSpPr>
-          <p:cNvPr id="9" name="타원 8"/>
-          <p:cNvSpPr/>
-          <p:nvPr/>
-        </p:nvSpPr>
-        <p:spPr>
-          <a:xfrm>
-            <a:off x="10968601" y="847492"/>
-            <a:ext cx="338736" cy="338736"/>
-          </a:xfrm>
-          <a:prstGeom prst="ellipse">
-            <a:avLst/>
-          </a:prstGeom>
-          <a:solidFill>
-            <a:srgbClr val="00B050"/>
-          </a:solidFill>
-          <a:ln>
-            <a:noFill/>
-          </a:ln>
-          <a:effectLst>
-            <a:outerShdw blurRad="25400" dist="12700" dir="2700000" algn="tl" rotWithShape="0">
-              <a:prstClr val="black">
-                <a:alpha val="40000"/>
-              </a:prstClr>
-            </a:outerShdw>
-          </a:effectLst>
-        </p:spPr>
-        <p:style>
-          <a:lnRef idx="2">
-            <a:schemeClr val="accent1">
-              <a:shade val="50000"/>
-            </a:schemeClr>
-          </a:lnRef>
-          <a:fillRef idx="1">
-            <a:schemeClr val="accent1"/>
-          </a:fillRef>
-          <a:effectRef idx="0">
-            <a:schemeClr val="accent1"/>
-          </a:effectRef>
-          <a:fontRef idx="minor">
-            <a:schemeClr val="lt1"/>
-          </a:fontRef>
-        </p:style>
-        <p:txBody>
-          <a:bodyPr anchor="ctr"/>
-          <a:lstStyle/>
-          <a:p>
-            <a:pPr algn="ctr">
-              <a:defRPr/>
-            </a:pPr>
-            <a:endParaRPr lang="ko-KR" altLang="en-US"/>
-          </a:p>
-        </p:txBody>
-      </p:sp>
-      <p:sp>
-        <p:nvSpPr>
-          <p:cNvPr id="3" name="TextBox 2"/>
-          <p:cNvSpPr txBox="1"/>
-          <p:nvPr/>
-        </p:nvSpPr>
-        <p:spPr>
-          <a:xfrm>
-            <a:off x="949788" y="789503"/>
-            <a:ext cx="2170602" cy="446842"/>
-          </a:xfrm>
-          <a:prstGeom prst="rect">
-            <a:avLst/>
-          </a:prstGeom>
-          <a:noFill/>
-        </p:spPr>
-        <p:txBody>
-          <a:bodyPr wrap="none">
-            <a:spAutoFit/>
-          </a:bodyPr>
-          <a:lstStyle/>
-          <a:p>
-            <a:pPr lvl="0">
-              <a:defRPr/>
-            </a:pPr>
-            <a:r>
-              <a:rPr lang="en-US" altLang="ko-KR" sz="2400" b="1">
-                <a:solidFill>
-                  <a:schemeClr val="tx1">
-                    <a:lumMod val="75000"/>
-                    <a:lumOff val="25000"/>
-                  </a:schemeClr>
-                </a:solidFill>
-                <a:latin typeface="+mj-ea"/>
-                <a:ea typeface="+mj-ea"/>
-              </a:rPr>
-              <a:t>3. LAS to TXT</a:t>
-            </a:r>
-          </a:p>
-        </p:txBody>
-      </p:sp>
       <p:pic>
         <p:nvPicPr>
           <p:cNvPr id="67" name="그림 66"/>
@@ -13137,7 +12209,7 @@
     <a:masterClrMapping/>
   </p:clrMapOvr>
   <mc:AlternateContent xmlns:mc="http://schemas.openxmlformats.org/markup-compatibility/2006">
-    <mc:Choice xmlns:p14="http://schemas.microsoft.com/office/powerpoint/2010/main" xmlns:dsp="http://schemas.microsoft.com/office/drawing/2008/diagram" xmlns:dgm="http://schemas.openxmlformats.org/drawingml/2006/diagram" xmlns:c="http://schemas.openxmlformats.org/drawingml/2006/chart" xmlns="" Requires="p14">
+    <mc:Choice xmlns="" xmlns:c="http://schemas.openxmlformats.org/drawingml/2006/chart" xmlns:dgm="http://schemas.openxmlformats.org/drawingml/2006/diagram" xmlns:dsp="http://schemas.microsoft.com/office/drawing/2008/diagram" xmlns:p14="http://schemas.microsoft.com/office/powerpoint/2010/main" Requires="p14">
       <p:transition xmlns:mc="http://schemas.openxmlformats.org/markup-compatibility/2006" xmlns:p14="http://schemas.microsoft.com/office/powerpoint/2010/main" mc:Ignorable="p14" p14:dur="700">
         <p:fade/>
       </p:transition>
@@ -13152,44 +12224,44 @@
 </file>
 
 <file path=ppt/theme/theme1.xml><?xml version="1.0" encoding="utf-8"?>
-<a:theme xmlns:r="http://schemas.openxmlformats.org/officeDocument/2006/relationships" xmlns:c="http://schemas.openxmlformats.org/drawingml/2006/chart" xmlns:dgm="http://schemas.openxmlformats.org/drawingml/2006/diagram" xmlns:dsp="http://schemas.microsoft.com/office/drawing/2008/diagram" xmlns:a="http://schemas.openxmlformats.org/drawingml/2006/main" xmlns:pic="http://schemas.openxmlformats.org/drawingml/2006/picture" xmlns:wp="http://schemas.openxmlformats.org/drawingml/2006/wordprocessingDrawing" xmlns:xdr="http://schemas.openxmlformats.org/drawingml/2006/spreadsheetDrawing" xmlns:p="http://schemas.openxmlformats.org/presentationml/2006/main" name="Office 테마">
+<a:theme xmlns:a="http://schemas.openxmlformats.org/drawingml/2006/main" name="Office 테마">
   <a:themeElements>
     <a:clrScheme name="바다">
       <a:dk1>
         <a:sysClr val="windowText" lastClr="000000"/>
       </a:dk1>
       <a:lt1>
-        <a:sysClr val="window" lastClr="ffffff"/>
+        <a:sysClr val="window" lastClr="FFFFFF"/>
       </a:lt1>
       <a:dk2>
-        <a:srgbClr val="092e99"/>
+        <a:srgbClr val="092E99"/>
       </a:dk2>
       <a:lt2>
-        <a:srgbClr val="0c86cb"/>
+        <a:srgbClr val="0C86CB"/>
       </a:lt2>
       <a:accent1>
-        <a:srgbClr val="5377a1"/>
+        <a:srgbClr val="5377A1"/>
       </a:accent1>
       <a:accent2>
-        <a:srgbClr val="335c91"/>
+        <a:srgbClr val="335C91"/>
       </a:accent2>
       <a:accent3>
-        <a:srgbClr val="334f73"/>
+        <a:srgbClr val="334F73"/>
       </a:accent3>
       <a:accent4>
-        <a:srgbClr val="8796aa"/>
+        <a:srgbClr val="8796AA"/>
       </a:accent4>
       <a:accent5>
-        <a:srgbClr val="a0bfe5"/>
+        <a:srgbClr val="A0BFE5"/>
       </a:accent5>
       <a:accent6>
-        <a:srgbClr val="000d59"/>
+        <a:srgbClr val="000D59"/>
       </a:accent6>
       <a:hlink>
-        <a:srgbClr val="d77dff"/>
+        <a:srgbClr val="D77DFF"/>
       </a:hlink>
       <a:folHlink>
-        <a:srgbClr val="37c5f7"/>
+        <a:srgbClr val="37C5F7"/>
       </a:folHlink>
     </a:clrScheme>
     <a:fontScheme name="LINE Seed Sans KR Thin">
@@ -13342,5 +12414,7 @@
       </a:bgFillStyleLst>
     </a:fmtScheme>
   </a:themeElements>
+  <a:objectDefaults/>
+  <a:extraClrSchemeLst/>
 </a:theme>
 </file>